--- a/Sis_Reservas_Alex.pptx
+++ b/Sis_Reservas_Alex.pptx
@@ -8887,14 +8887,14 @@
               <a:t>E</a:t>
             </a:r>
             <a:r>
-              <a:rPr lang="es-PE" sz="2400" b="1" dirty="0">
+              <a:rPr lang="es-PE" sz="2400" b="1" dirty="0" err="1">
                 <a:solidFill>
                   <a:srgbClr val="1A5275"/>
                 </a:solidFill>
                 <a:latin typeface="Times New Roman"/>
                 <a:cs typeface="Times New Roman"/>
               </a:rPr>
-              <a:t>específicos</a:t>
+              <a:t>specíficos</a:t>
             </a:r>
             <a:endParaRPr lang="es-PE" sz="2400" dirty="0">
               <a:latin typeface="Times New Roman"/>

--- a/Sis_Reservas_Alex.pptx
+++ b/Sis_Reservas_Alex.pptx
@@ -15,13 +15,14 @@
     <p:sldId id="272" r:id="rId9"/>
     <p:sldId id="266" r:id="rId10"/>
     <p:sldId id="267" r:id="rId11"/>
-    <p:sldId id="268" r:id="rId12"/>
-    <p:sldId id="273" r:id="rId13"/>
-    <p:sldId id="274" r:id="rId14"/>
-    <p:sldId id="275" r:id="rId15"/>
-    <p:sldId id="276" r:id="rId16"/>
-    <p:sldId id="269" r:id="rId17"/>
-    <p:sldId id="270" r:id="rId18"/>
+    <p:sldId id="273" r:id="rId12"/>
+    <p:sldId id="269" r:id="rId13"/>
+    <p:sldId id="270" r:id="rId14"/>
+    <p:sldId id="277" r:id="rId15"/>
+    <p:sldId id="268" r:id="rId16"/>
+    <p:sldId id="276" r:id="rId17"/>
+    <p:sldId id="274" r:id="rId18"/>
+    <p:sldId id="275" r:id="rId19"/>
   </p:sldIdLst>
   <p:sldSz cx="12192000" cy="7620000"/>
   <p:notesSz cx="12192000" cy="7620000"/>
@@ -1114,12 +1115,50 @@
           </a:p>
         </p:txBody>
       </p:sp>
+      <p:sp>
+        <p:nvSpPr>
+          <p:cNvPr id="22" name="CuadroTexto 21">
+            <a:extLst>
+              <a:ext uri="{FF2B5EF4-FFF2-40B4-BE49-F238E27FC236}">
+                <a16:creationId xmlns:a16="http://schemas.microsoft.com/office/drawing/2014/main" id="{EE472484-5EB2-6D25-F727-C5E806C642F6}"/>
+              </a:ext>
+            </a:extLst>
+          </p:cNvPr>
+          <p:cNvSpPr txBox="1"/>
+          <p:nvPr/>
+        </p:nvSpPr>
+        <p:spPr>
+          <a:xfrm>
+            <a:off x="451826" y="1319953"/>
+            <a:ext cx="4790094" cy="400110"/>
+          </a:xfrm>
+          <a:prstGeom prst="rect">
+            <a:avLst/>
+          </a:prstGeom>
+          <a:noFill/>
+        </p:spPr>
+        <p:txBody>
+          <a:bodyPr wrap="none" rtlCol="0">
+            <a:spAutoFit/>
+          </a:bodyPr>
+          <a:lstStyle/>
+          <a:p>
+            <a:r>
+              <a:rPr lang="es-PE" sz="2000" dirty="0">
+                <a:latin typeface="Times New Roman" panose="02020603050405020304" pitchFamily="18" charset="0"/>
+                <a:cs typeface="Times New Roman" panose="02020603050405020304" pitchFamily="18" charset="0"/>
+              </a:rPr>
+              <a:t>Representa entidades principales del Sistema</a:t>
+            </a:r>
+          </a:p>
+        </p:txBody>
+      </p:sp>
       <p:pic>
         <p:nvPicPr>
-          <p:cNvPr id="4098" name="Picture 2">
+          <p:cNvPr id="1026" name="Picture 2">
             <a:extLst>
               <a:ext uri="{FF2B5EF4-FFF2-40B4-BE49-F238E27FC236}">
-                <a16:creationId xmlns:a16="http://schemas.microsoft.com/office/drawing/2014/main" id="{3C1FA70E-D44A-747C-5D41-9203932D9FA1}"/>
+                <a16:creationId xmlns:a16="http://schemas.microsoft.com/office/drawing/2014/main" id="{EB54B107-0727-3431-9763-47F2D8488F00}"/>
               </a:ext>
             </a:extLst>
           </p:cNvPr>
@@ -1143,8 +1182,8 @@
         </p:blipFill>
         <p:spPr bwMode="auto">
           <a:xfrm>
-            <a:off x="361603" y="2209800"/>
-            <a:ext cx="11463338" cy="4419600"/>
+            <a:off x="-3629" y="2286000"/>
+            <a:ext cx="11887200" cy="4872082"/>
           </a:xfrm>
           <a:prstGeom prst="rect">
             <a:avLst/>
@@ -1161,44 +1200,6 @@
           </a:extLst>
         </p:spPr>
       </p:pic>
-      <p:sp>
-        <p:nvSpPr>
-          <p:cNvPr id="22" name="CuadroTexto 21">
-            <a:extLst>
-              <a:ext uri="{FF2B5EF4-FFF2-40B4-BE49-F238E27FC236}">
-                <a16:creationId xmlns:a16="http://schemas.microsoft.com/office/drawing/2014/main" id="{EE472484-5EB2-6D25-F727-C5E806C642F6}"/>
-              </a:ext>
-            </a:extLst>
-          </p:cNvPr>
-          <p:cNvSpPr txBox="1"/>
-          <p:nvPr/>
-        </p:nvSpPr>
-        <p:spPr>
-          <a:xfrm>
-            <a:off x="451826" y="1319953"/>
-            <a:ext cx="4790094" cy="400110"/>
-          </a:xfrm>
-          <a:prstGeom prst="rect">
-            <a:avLst/>
-          </a:prstGeom>
-          <a:noFill/>
-        </p:spPr>
-        <p:txBody>
-          <a:bodyPr wrap="none" rtlCol="0">
-            <a:spAutoFit/>
-          </a:bodyPr>
-          <a:lstStyle/>
-          <a:p>
-            <a:r>
-              <a:rPr lang="es-PE" sz="2000" dirty="0">
-                <a:latin typeface="Times New Roman" panose="02020603050405020304" pitchFamily="18" charset="0"/>
-                <a:cs typeface="Times New Roman" panose="02020603050405020304" pitchFamily="18" charset="0"/>
-              </a:rPr>
-              <a:t>Representa entidades principales del Sistema</a:t>
-            </a:r>
-          </a:p>
-        </p:txBody>
-      </p:sp>
     </p:spTree>
   </p:cSld>
   <p:clrMapOvr>
@@ -1226,221 +1227,6 @@
       </p:grpSpPr>
       <p:sp>
         <p:nvSpPr>
-          <p:cNvPr id="13" name="object 13"/>
-          <p:cNvSpPr txBox="1"/>
-          <p:nvPr/>
-        </p:nvSpPr>
-        <p:spPr>
-          <a:xfrm>
-            <a:off x="4158208" y="461918"/>
-            <a:ext cx="1639641" cy="368299"/>
-          </a:xfrm>
-          <a:prstGeom prst="rect">
-            <a:avLst/>
-          </a:prstGeom>
-        </p:spPr>
-        <p:txBody>
-          <a:bodyPr wrap="square" lIns="0" tIns="0" rIns="0" bIns="0" rtlCol="0">
-            <a:noAutofit/>
-          </a:bodyPr>
-          <a:lstStyle/>
-          <a:p>
-            <a:pPr marL="12700">
-              <a:lnSpc>
-                <a:spcPts val="2870"/>
-              </a:lnSpc>
-              <a:spcBef>
-                <a:spcPts val="143"/>
-              </a:spcBef>
-            </a:pPr>
-            <a:r>
-              <a:rPr sz="2700" b="1" spc="0" dirty="0">
-                <a:solidFill>
-                  <a:srgbClr val="1A5275"/>
-                </a:solidFill>
-                <a:latin typeface="Times New Roman"/>
-                <a:cs typeface="Times New Roman"/>
-              </a:rPr>
-              <a:t>Diagrama</a:t>
-            </a:r>
-            <a:endParaRPr sz="2700">
-              <a:latin typeface="Times New Roman"/>
-              <a:cs typeface="Times New Roman"/>
-            </a:endParaRPr>
-          </a:p>
-        </p:txBody>
-      </p:sp>
-      <p:sp>
-        <p:nvSpPr>
-          <p:cNvPr id="12" name="object 12"/>
-          <p:cNvSpPr txBox="1"/>
-          <p:nvPr/>
-        </p:nvSpPr>
-        <p:spPr>
-          <a:xfrm>
-            <a:off x="5816283" y="461918"/>
-            <a:ext cx="476996" cy="368299"/>
-          </a:xfrm>
-          <a:prstGeom prst="rect">
-            <a:avLst/>
-          </a:prstGeom>
-        </p:spPr>
-        <p:txBody>
-          <a:bodyPr wrap="square" lIns="0" tIns="0" rIns="0" bIns="0" rtlCol="0">
-            <a:noAutofit/>
-          </a:bodyPr>
-          <a:lstStyle/>
-          <a:p>
-            <a:pPr marL="12700">
-              <a:lnSpc>
-                <a:spcPts val="2870"/>
-              </a:lnSpc>
-              <a:spcBef>
-                <a:spcPts val="143"/>
-              </a:spcBef>
-            </a:pPr>
-            <a:r>
-              <a:rPr sz="2700" b="1" spc="0" dirty="0">
-                <a:solidFill>
-                  <a:srgbClr val="1A5275"/>
-                </a:solidFill>
-                <a:latin typeface="Times New Roman"/>
-                <a:cs typeface="Times New Roman"/>
-              </a:rPr>
-              <a:t>de</a:t>
-            </a:r>
-            <a:endParaRPr sz="2700">
-              <a:latin typeface="Times New Roman"/>
-              <a:cs typeface="Times New Roman"/>
-            </a:endParaRPr>
-          </a:p>
-        </p:txBody>
-      </p:sp>
-      <p:sp>
-        <p:nvSpPr>
-          <p:cNvPr id="11" name="object 11"/>
-          <p:cNvSpPr txBox="1"/>
-          <p:nvPr/>
-        </p:nvSpPr>
-        <p:spPr>
-          <a:xfrm>
-            <a:off x="6311713" y="461918"/>
-            <a:ext cx="1773252" cy="368299"/>
-          </a:xfrm>
-          <a:prstGeom prst="rect">
-            <a:avLst/>
-          </a:prstGeom>
-        </p:spPr>
-        <p:txBody>
-          <a:bodyPr wrap="square" lIns="0" tIns="0" rIns="0" bIns="0" rtlCol="0">
-            <a:noAutofit/>
-          </a:bodyPr>
-          <a:lstStyle/>
-          <a:p>
-            <a:pPr marL="12700">
-              <a:lnSpc>
-                <a:spcPts val="2870"/>
-              </a:lnSpc>
-              <a:spcBef>
-                <a:spcPts val="143"/>
-              </a:spcBef>
-            </a:pPr>
-            <a:r>
-              <a:rPr sz="2700" b="1" spc="0" dirty="0">
-                <a:solidFill>
-                  <a:srgbClr val="1A5275"/>
-                </a:solidFill>
-                <a:latin typeface="Times New Roman"/>
-                <a:cs typeface="Times New Roman"/>
-              </a:rPr>
-              <a:t>Secuencia</a:t>
-            </a:r>
-            <a:endParaRPr sz="2700">
-              <a:latin typeface="Times New Roman"/>
-              <a:cs typeface="Times New Roman"/>
-            </a:endParaRPr>
-          </a:p>
-        </p:txBody>
-      </p:sp>
-      <p:sp>
-        <p:nvSpPr>
-          <p:cNvPr id="31" name="CuadroTexto 30">
-            <a:extLst>
-              <a:ext uri="{FF2B5EF4-FFF2-40B4-BE49-F238E27FC236}">
-                <a16:creationId xmlns:a16="http://schemas.microsoft.com/office/drawing/2014/main" id="{6B7E6383-FC95-CFCA-3F5A-7ED65FF80B27}"/>
-              </a:ext>
-            </a:extLst>
-          </p:cNvPr>
-          <p:cNvSpPr txBox="1"/>
-          <p:nvPr/>
-        </p:nvSpPr>
-        <p:spPr>
-          <a:xfrm>
-            <a:off x="543555" y="1301655"/>
-            <a:ext cx="6478633" cy="461665"/>
-          </a:xfrm>
-          <a:prstGeom prst="rect">
-            <a:avLst/>
-          </a:prstGeom>
-          <a:noFill/>
-        </p:spPr>
-        <p:txBody>
-          <a:bodyPr wrap="none" rtlCol="0">
-            <a:spAutoFit/>
-          </a:bodyPr>
-          <a:lstStyle/>
-          <a:p>
-            <a:r>
-              <a:rPr lang="es-ES" sz="2400" dirty="0">
-                <a:latin typeface="Times New Roman" panose="02020603050405020304" pitchFamily="18" charset="0"/>
-                <a:cs typeface="Times New Roman" panose="02020603050405020304" pitchFamily="18" charset="0"/>
-              </a:rPr>
-              <a:t>Muestra cómo interactúan usuarios y sistema para</a:t>
-            </a:r>
-            <a:endParaRPr lang="es-PE" sz="2400" dirty="0">
-              <a:latin typeface="Times New Roman" panose="02020603050405020304" pitchFamily="18" charset="0"/>
-              <a:cs typeface="Times New Roman" panose="02020603050405020304" pitchFamily="18" charset="0"/>
-            </a:endParaRPr>
-          </a:p>
-        </p:txBody>
-      </p:sp>
-      <p:pic>
-        <p:nvPicPr>
-          <p:cNvPr id="33" name="Gráfico 32">
-            <a:extLst>
-              <a:ext uri="{FF2B5EF4-FFF2-40B4-BE49-F238E27FC236}">
-                <a16:creationId xmlns:a16="http://schemas.microsoft.com/office/drawing/2014/main" id="{0F58813E-4081-19F8-7B85-5E91B9FF9A56}"/>
-              </a:ext>
-            </a:extLst>
-          </p:cNvPr>
-          <p:cNvPicPr>
-            <a:picLocks noChangeAspect="1"/>
-          </p:cNvPicPr>
-          <p:nvPr/>
-        </p:nvPicPr>
-        <p:blipFill rotWithShape="1">
-          <a:blip r:embed="rId2">
-            <a:extLst>
-              <a:ext uri="{96DAC541-7B7A-43D3-8B79-37D633B846F1}">
-                <asvg:svgBlip xmlns:asvg="http://schemas.microsoft.com/office/drawing/2016/SVG/main" r:embed="rId3"/>
-              </a:ext>
-            </a:extLst>
-          </a:blip>
-          <a:srcRect r="1326" b="59678"/>
-          <a:stretch/>
-        </p:blipFill>
-        <p:spPr>
-          <a:xfrm>
-            <a:off x="1724455" y="3200400"/>
-            <a:ext cx="8743090" cy="4186282"/>
-          </a:xfrm>
-          <a:prstGeom prst="rect">
-            <a:avLst/>
-          </a:prstGeom>
-        </p:spPr>
-      </p:pic>
-      <p:sp>
-        <p:nvSpPr>
           <p:cNvPr id="34" name="CuadroTexto 33">
             <a:extLst>
               <a:ext uri="{FF2B5EF4-FFF2-40B4-BE49-F238E27FC236}">
@@ -1453,8 +1239,8 @@
         </p:nvSpPr>
         <p:spPr>
           <a:xfrm>
-            <a:off x="527789" y="2003925"/>
-            <a:ext cx="2968954" cy="461665"/>
+            <a:off x="254876" y="1667249"/>
+            <a:ext cx="3163045" cy="461665"/>
           </a:xfrm>
           <a:prstGeom prst="rect">
             <a:avLst/>
@@ -1476,16 +1262,101 @@
                 <a:latin typeface="Times New Roman" panose="02020603050405020304" pitchFamily="18" charset="0"/>
                 <a:cs typeface="Times New Roman" panose="02020603050405020304" pitchFamily="18" charset="0"/>
               </a:rPr>
-              <a:t>Ver reservas del día</a:t>
-            </a:r>
-            <a:r>
-              <a:rPr lang="es-PE" dirty="0"/>
-              <a:t>.</a:t>
-            </a:r>
+              <a:t>Registrar una reserva.</a:t>
+            </a:r>
+          </a:p>
+        </p:txBody>
+      </p:sp>
+      <p:pic>
+        <p:nvPicPr>
+          <p:cNvPr id="3" name="Gráfico 2">
+            <a:extLst>
+              <a:ext uri="{FF2B5EF4-FFF2-40B4-BE49-F238E27FC236}">
+                <a16:creationId xmlns:a16="http://schemas.microsoft.com/office/drawing/2014/main" id="{55839197-76FC-81F8-EC3A-1214604B227B}"/>
+              </a:ext>
+            </a:extLst>
+          </p:cNvPr>
+          <p:cNvPicPr>
+            <a:picLocks noChangeAspect="1"/>
+          </p:cNvPicPr>
+          <p:nvPr/>
+        </p:nvPicPr>
+        <p:blipFill>
+          <a:blip r:embed="rId2">
+            <a:extLst>
+              <a:ext uri="{96DAC541-7B7A-43D3-8B79-37D633B846F1}">
+                <asvg:svgBlip xmlns:asvg="http://schemas.microsoft.com/office/drawing/2016/SVG/main" r:embed="rId3"/>
+              </a:ext>
+            </a:extLst>
+          </a:blip>
+          <a:stretch>
+            <a:fillRect/>
+          </a:stretch>
+        </p:blipFill>
+        <p:spPr>
+          <a:xfrm>
+            <a:off x="3977536" y="304800"/>
+            <a:ext cx="7686675" cy="6991350"/>
+          </a:xfrm>
+          <a:prstGeom prst="rect">
+            <a:avLst/>
+          </a:prstGeom>
+        </p:spPr>
+      </p:pic>
+      <p:sp>
+        <p:nvSpPr>
+          <p:cNvPr id="4" name="CuadroTexto 3">
+            <a:extLst>
+              <a:ext uri="{FF2B5EF4-FFF2-40B4-BE49-F238E27FC236}">
+                <a16:creationId xmlns:a16="http://schemas.microsoft.com/office/drawing/2014/main" id="{5EAE8D3D-F571-1DA2-914A-B28B188CF2AF}"/>
+              </a:ext>
+            </a:extLst>
+          </p:cNvPr>
+          <p:cNvSpPr txBox="1"/>
+          <p:nvPr/>
+        </p:nvSpPr>
+        <p:spPr>
+          <a:xfrm>
+            <a:off x="254876" y="838200"/>
+            <a:ext cx="3209533" cy="830997"/>
+          </a:xfrm>
+          <a:prstGeom prst="rect">
+            <a:avLst/>
+          </a:prstGeom>
+          <a:noFill/>
+        </p:spPr>
+        <p:txBody>
+          <a:bodyPr wrap="none" rtlCol="0">
+            <a:spAutoFit/>
+          </a:bodyPr>
+          <a:lstStyle/>
+          <a:p>
+            <a:r>
+              <a:rPr lang="es-PE" sz="2400" b="1" spc="0" dirty="0">
+                <a:solidFill>
+                  <a:srgbClr val="1A5275"/>
+                </a:solidFill>
+                <a:latin typeface="Times New Roman"/>
+                <a:cs typeface="Times New Roman"/>
+              </a:rPr>
+              <a:t>Diagrama de secuencia</a:t>
+            </a:r>
+            <a:endParaRPr lang="es-PE" sz="2400" dirty="0">
+              <a:latin typeface="Times New Roman"/>
+              <a:cs typeface="Times New Roman"/>
+            </a:endParaRPr>
+          </a:p>
+          <a:p>
+            <a:endParaRPr lang="es-PE" sz="2400" dirty="0"/>
           </a:p>
         </p:txBody>
       </p:sp>
     </p:spTree>
+    <p:extLst>
+      <p:ext uri="{BB962C8B-B14F-4D97-AF65-F5344CB8AC3E}">
+        <p14:creationId xmlns:p14="http://schemas.microsoft.com/office/powerpoint/2010/main" val="923370061"/>
+      </p:ext>
+    </p:extLst>
   </p:cSld>
   <p:clrMapOvr>
     <a:masterClrMapping/>
@@ -1512,10 +1383,914 @@
       </p:grpSpPr>
       <p:sp>
         <p:nvSpPr>
-          <p:cNvPr id="34" name="CuadroTexto 33">
+          <p:cNvPr id="23" name="object 23"/>
+          <p:cNvSpPr/>
+          <p:nvPr/>
+        </p:nvSpPr>
+        <p:spPr>
+          <a:xfrm>
+            <a:off x="316858" y="2140299"/>
+            <a:ext cx="5467349" cy="1217709"/>
+          </a:xfrm>
+          <a:custGeom>
+            <a:avLst/>
+            <a:gdLst/>
+            <a:ahLst/>
+            <a:cxnLst/>
+            <a:rect l="l" t="t" r="r" b="b"/>
+            <a:pathLst>
+              <a:path w="5467349" h="1142999">
+                <a:moveTo>
+                  <a:pt x="0" y="1104899"/>
+                </a:moveTo>
+                <a:lnTo>
+                  <a:pt x="0" y="33047"/>
+                </a:lnTo>
+                <a:lnTo>
+                  <a:pt x="5579" y="11159"/>
+                </a:lnTo>
+                <a:lnTo>
+                  <a:pt x="7365" y="7586"/>
+                </a:lnTo>
+                <a:lnTo>
+                  <a:pt x="9425" y="4833"/>
+                </a:lnTo>
+                <a:lnTo>
+                  <a:pt x="11759" y="2900"/>
+                </a:lnTo>
+                <a:lnTo>
+                  <a:pt x="14093" y="966"/>
+                </a:lnTo>
+                <a:lnTo>
+                  <a:pt x="16523" y="0"/>
+                </a:lnTo>
+                <a:lnTo>
+                  <a:pt x="5434301" y="0"/>
+                </a:lnTo>
+                <a:lnTo>
+                  <a:pt x="5464448" y="23519"/>
+                </a:lnTo>
+                <a:lnTo>
+                  <a:pt x="5466382" y="28187"/>
+                </a:lnTo>
+                <a:lnTo>
+                  <a:pt x="5467349" y="33047"/>
+                </a:lnTo>
+                <a:lnTo>
+                  <a:pt x="5467349" y="1109952"/>
+                </a:lnTo>
+                <a:lnTo>
+                  <a:pt x="5466382" y="1114812"/>
+                </a:lnTo>
+                <a:lnTo>
+                  <a:pt x="5464448" y="1119479"/>
+                </a:lnTo>
+                <a:lnTo>
+                  <a:pt x="5462515" y="1124147"/>
+                </a:lnTo>
+                <a:lnTo>
+                  <a:pt x="5434301" y="1142999"/>
+                </a:lnTo>
+                <a:lnTo>
+                  <a:pt x="16523" y="1142999"/>
+                </a:lnTo>
+                <a:lnTo>
+                  <a:pt x="5579" y="1131840"/>
+                </a:lnTo>
+                <a:lnTo>
+                  <a:pt x="3793" y="1128268"/>
+                </a:lnTo>
+                <a:lnTo>
+                  <a:pt x="2416" y="1124147"/>
+                </a:lnTo>
+                <a:lnTo>
+                  <a:pt x="1450" y="1119479"/>
+                </a:lnTo>
+                <a:lnTo>
+                  <a:pt x="483" y="1114812"/>
+                </a:lnTo>
+                <a:lnTo>
+                  <a:pt x="0" y="1109952"/>
+                </a:lnTo>
+                <a:lnTo>
+                  <a:pt x="0" y="1104899"/>
+                </a:lnTo>
+                <a:close/>
+              </a:path>
+            </a:pathLst>
+          </a:custGeom>
+          <a:solidFill>
+            <a:srgbClr val="F7F9FA"/>
+          </a:solidFill>
+        </p:spPr>
+        <p:txBody>
+          <a:bodyPr wrap="square" lIns="0" tIns="0" rIns="0" bIns="0" rtlCol="0">
+            <a:noAutofit/>
+          </a:bodyPr>
+          <a:lstStyle/>
+          <a:p>
+            <a:endParaRPr dirty="0"/>
+          </a:p>
+        </p:txBody>
+      </p:sp>
+      <p:sp>
+        <p:nvSpPr>
+          <p:cNvPr id="24" name="object 24"/>
+          <p:cNvSpPr/>
+          <p:nvPr/>
+        </p:nvSpPr>
+        <p:spPr>
+          <a:xfrm>
+            <a:off x="297808" y="2140299"/>
+            <a:ext cx="5486399" cy="1300395"/>
+          </a:xfrm>
+          <a:custGeom>
+            <a:avLst/>
+            <a:gdLst/>
+            <a:ahLst/>
+            <a:cxnLst/>
+            <a:rect l="l" t="t" r="r" b="b"/>
+            <a:pathLst>
+              <a:path w="5486399" h="1142999">
+                <a:moveTo>
+                  <a:pt x="38099" y="0"/>
+                </a:moveTo>
+                <a:lnTo>
+                  <a:pt x="2116" y="25230"/>
+                </a:lnTo>
+                <a:lnTo>
+                  <a:pt x="0" y="38099"/>
+                </a:lnTo>
+                <a:lnTo>
+                  <a:pt x="0" y="1104899"/>
+                </a:lnTo>
+                <a:lnTo>
+                  <a:pt x="25230" y="1140883"/>
+                </a:lnTo>
+                <a:lnTo>
+                  <a:pt x="38099" y="1142999"/>
+                </a:lnTo>
+                <a:lnTo>
+                  <a:pt x="38099" y="0"/>
+                </a:lnTo>
+                <a:close/>
+              </a:path>
+            </a:pathLst>
+          </a:custGeom>
+          <a:solidFill>
+            <a:srgbClr val="2ECC70"/>
+          </a:solidFill>
+        </p:spPr>
+        <p:txBody>
+          <a:bodyPr wrap="square" lIns="0" tIns="0" rIns="0" bIns="0" rtlCol="0">
+            <a:noAutofit/>
+          </a:bodyPr>
+          <a:lstStyle/>
+          <a:p>
+            <a:endParaRPr/>
+          </a:p>
+        </p:txBody>
+      </p:sp>
+      <p:sp>
+        <p:nvSpPr>
+          <p:cNvPr id="21" name="object 21"/>
+          <p:cNvSpPr/>
+          <p:nvPr/>
+        </p:nvSpPr>
+        <p:spPr>
+          <a:xfrm>
+            <a:off x="329558" y="3566665"/>
+            <a:ext cx="5467349" cy="926928"/>
+          </a:xfrm>
+          <a:custGeom>
+            <a:avLst/>
+            <a:gdLst/>
+            <a:ahLst/>
+            <a:cxnLst/>
+            <a:rect l="l" t="t" r="r" b="b"/>
+            <a:pathLst>
+              <a:path w="5467349" h="1428749">
+                <a:moveTo>
+                  <a:pt x="0" y="1390649"/>
+                </a:moveTo>
+                <a:lnTo>
+                  <a:pt x="0" y="33047"/>
+                </a:lnTo>
+                <a:lnTo>
+                  <a:pt x="483" y="28187"/>
+                </a:lnTo>
+                <a:lnTo>
+                  <a:pt x="1450" y="23519"/>
+                </a:lnTo>
+                <a:lnTo>
+                  <a:pt x="2416" y="18851"/>
+                </a:lnTo>
+                <a:lnTo>
+                  <a:pt x="3793" y="14731"/>
+                </a:lnTo>
+                <a:lnTo>
+                  <a:pt x="5579" y="11159"/>
+                </a:lnTo>
+                <a:lnTo>
+                  <a:pt x="7365" y="7586"/>
+                </a:lnTo>
+                <a:lnTo>
+                  <a:pt x="9425" y="4833"/>
+                </a:lnTo>
+                <a:lnTo>
+                  <a:pt x="11759" y="2900"/>
+                </a:lnTo>
+                <a:lnTo>
+                  <a:pt x="14093" y="966"/>
+                </a:lnTo>
+                <a:lnTo>
+                  <a:pt x="16523" y="0"/>
+                </a:lnTo>
+                <a:lnTo>
+                  <a:pt x="5434301" y="0"/>
+                </a:lnTo>
+                <a:lnTo>
+                  <a:pt x="5464448" y="23519"/>
+                </a:lnTo>
+                <a:lnTo>
+                  <a:pt x="5467349" y="33047"/>
+                </a:lnTo>
+                <a:lnTo>
+                  <a:pt x="5467349" y="1395702"/>
+                </a:lnTo>
+                <a:lnTo>
+                  <a:pt x="5466382" y="1400561"/>
+                </a:lnTo>
+                <a:lnTo>
+                  <a:pt x="5464448" y="1405229"/>
+                </a:lnTo>
+                <a:lnTo>
+                  <a:pt x="5462515" y="1409897"/>
+                </a:lnTo>
+                <a:lnTo>
+                  <a:pt x="5434301" y="1428749"/>
+                </a:lnTo>
+                <a:lnTo>
+                  <a:pt x="16523" y="1428749"/>
+                </a:lnTo>
+                <a:lnTo>
+                  <a:pt x="1450" y="1405229"/>
+                </a:lnTo>
+                <a:lnTo>
+                  <a:pt x="483" y="1400561"/>
+                </a:lnTo>
+                <a:lnTo>
+                  <a:pt x="0" y="1395702"/>
+                </a:lnTo>
+                <a:lnTo>
+                  <a:pt x="0" y="1390649"/>
+                </a:lnTo>
+                <a:close/>
+              </a:path>
+            </a:pathLst>
+          </a:custGeom>
+          <a:solidFill>
+            <a:srgbClr val="F7F9FA"/>
+          </a:solidFill>
+        </p:spPr>
+        <p:txBody>
+          <a:bodyPr wrap="square" lIns="0" tIns="0" rIns="0" bIns="0" rtlCol="0">
+            <a:noAutofit/>
+          </a:bodyPr>
+          <a:lstStyle/>
+          <a:p>
+            <a:endParaRPr/>
+          </a:p>
+        </p:txBody>
+      </p:sp>
+      <p:sp>
+        <p:nvSpPr>
+          <p:cNvPr id="22" name="object 22"/>
+          <p:cNvSpPr/>
+          <p:nvPr/>
+        </p:nvSpPr>
+        <p:spPr>
+          <a:xfrm>
+            <a:off x="310508" y="3566665"/>
+            <a:ext cx="5486399" cy="954083"/>
+          </a:xfrm>
+          <a:custGeom>
+            <a:avLst/>
+            <a:gdLst/>
+            <a:ahLst/>
+            <a:cxnLst/>
+            <a:rect l="l" t="t" r="r" b="b"/>
+            <a:pathLst>
+              <a:path w="5486399" h="1428749">
+                <a:moveTo>
+                  <a:pt x="38099" y="0"/>
+                </a:moveTo>
+                <a:lnTo>
+                  <a:pt x="34106" y="185"/>
+                </a:lnTo>
+                <a:lnTo>
+                  <a:pt x="2116" y="25230"/>
+                </a:lnTo>
+                <a:lnTo>
+                  <a:pt x="0" y="38099"/>
+                </a:lnTo>
+                <a:lnTo>
+                  <a:pt x="0" y="1390649"/>
+                </a:lnTo>
+                <a:lnTo>
+                  <a:pt x="25230" y="1426633"/>
+                </a:lnTo>
+                <a:lnTo>
+                  <a:pt x="38099" y="1428749"/>
+                </a:lnTo>
+                <a:lnTo>
+                  <a:pt x="38099" y="0"/>
+                </a:lnTo>
+                <a:close/>
+              </a:path>
+            </a:pathLst>
+          </a:custGeom>
+          <a:solidFill>
+            <a:srgbClr val="2ECC70"/>
+          </a:solidFill>
+        </p:spPr>
+        <p:txBody>
+          <a:bodyPr wrap="square" lIns="0" tIns="0" rIns="0" bIns="0" rtlCol="0">
+            <a:noAutofit/>
+          </a:bodyPr>
+          <a:lstStyle/>
+          <a:p>
+            <a:endParaRPr/>
+          </a:p>
+        </p:txBody>
+      </p:sp>
+      <p:sp>
+        <p:nvSpPr>
+          <p:cNvPr id="17" name="object 17"/>
+          <p:cNvSpPr/>
+          <p:nvPr/>
+        </p:nvSpPr>
+        <p:spPr>
+          <a:xfrm>
+            <a:off x="6273156" y="2171417"/>
+            <a:ext cx="5467350" cy="990940"/>
+          </a:xfrm>
+          <a:custGeom>
+            <a:avLst/>
+            <a:gdLst/>
+            <a:ahLst/>
+            <a:cxnLst/>
+            <a:rect l="l" t="t" r="r" b="b"/>
+            <a:pathLst>
+              <a:path w="5467350" h="1428749">
+                <a:moveTo>
+                  <a:pt x="0" y="1390649"/>
+                </a:moveTo>
+                <a:lnTo>
+                  <a:pt x="0" y="33047"/>
+                </a:lnTo>
+                <a:lnTo>
+                  <a:pt x="5579" y="11159"/>
+                </a:lnTo>
+                <a:lnTo>
+                  <a:pt x="7365" y="7586"/>
+                </a:lnTo>
+                <a:lnTo>
+                  <a:pt x="9425" y="4833"/>
+                </a:lnTo>
+                <a:lnTo>
+                  <a:pt x="11759" y="2900"/>
+                </a:lnTo>
+                <a:lnTo>
+                  <a:pt x="14093" y="966"/>
+                </a:lnTo>
+                <a:lnTo>
+                  <a:pt x="16523" y="0"/>
+                </a:lnTo>
+                <a:lnTo>
+                  <a:pt x="5434302" y="0"/>
+                </a:lnTo>
+                <a:lnTo>
+                  <a:pt x="5464449" y="23519"/>
+                </a:lnTo>
+                <a:lnTo>
+                  <a:pt x="5466382" y="28187"/>
+                </a:lnTo>
+                <a:lnTo>
+                  <a:pt x="5467350" y="33047"/>
+                </a:lnTo>
+                <a:lnTo>
+                  <a:pt x="5467350" y="1395702"/>
+                </a:lnTo>
+                <a:lnTo>
+                  <a:pt x="5443829" y="1425849"/>
+                </a:lnTo>
+                <a:lnTo>
+                  <a:pt x="5439161" y="1427782"/>
+                </a:lnTo>
+                <a:lnTo>
+                  <a:pt x="5434302" y="1428749"/>
+                </a:lnTo>
+                <a:lnTo>
+                  <a:pt x="16523" y="1428749"/>
+                </a:lnTo>
+                <a:lnTo>
+                  <a:pt x="5579" y="1417590"/>
+                </a:lnTo>
+                <a:lnTo>
+                  <a:pt x="3792" y="1414017"/>
+                </a:lnTo>
+                <a:lnTo>
+                  <a:pt x="2416" y="1409897"/>
+                </a:lnTo>
+                <a:lnTo>
+                  <a:pt x="1449" y="1405229"/>
+                </a:lnTo>
+                <a:lnTo>
+                  <a:pt x="483" y="1400561"/>
+                </a:lnTo>
+                <a:lnTo>
+                  <a:pt x="0" y="1395702"/>
+                </a:lnTo>
+                <a:lnTo>
+                  <a:pt x="0" y="1390649"/>
+                </a:lnTo>
+                <a:close/>
+              </a:path>
+            </a:pathLst>
+          </a:custGeom>
+          <a:solidFill>
+            <a:srgbClr val="F7F9FA"/>
+          </a:solidFill>
+        </p:spPr>
+        <p:txBody>
+          <a:bodyPr wrap="square" lIns="0" tIns="0" rIns="0" bIns="0" rtlCol="0">
+            <a:noAutofit/>
+          </a:bodyPr>
+          <a:lstStyle/>
+          <a:p>
+            <a:endParaRPr/>
+          </a:p>
+        </p:txBody>
+      </p:sp>
+      <p:sp>
+        <p:nvSpPr>
+          <p:cNvPr id="18" name="object 18"/>
+          <p:cNvSpPr/>
+          <p:nvPr/>
+        </p:nvSpPr>
+        <p:spPr>
+          <a:xfrm>
+            <a:off x="6254106" y="2171416"/>
+            <a:ext cx="5486399" cy="954107"/>
+          </a:xfrm>
+          <a:custGeom>
+            <a:avLst/>
+            <a:gdLst/>
+            <a:ahLst/>
+            <a:cxnLst/>
+            <a:rect l="l" t="t" r="r" b="b"/>
+            <a:pathLst>
+              <a:path w="5486399" h="1428749">
+                <a:moveTo>
+                  <a:pt x="38099" y="0"/>
+                </a:moveTo>
+                <a:lnTo>
+                  <a:pt x="2116" y="25230"/>
+                </a:lnTo>
+                <a:lnTo>
+                  <a:pt x="0" y="38099"/>
+                </a:lnTo>
+                <a:lnTo>
+                  <a:pt x="0" y="1390649"/>
+                </a:lnTo>
+                <a:lnTo>
+                  <a:pt x="25230" y="1426633"/>
+                </a:lnTo>
+                <a:lnTo>
+                  <a:pt x="38099" y="1428749"/>
+                </a:lnTo>
+                <a:lnTo>
+                  <a:pt x="38099" y="0"/>
+                </a:lnTo>
+                <a:close/>
+              </a:path>
+            </a:pathLst>
+          </a:custGeom>
+          <a:solidFill>
+            <a:srgbClr val="2ECC70"/>
+          </a:solidFill>
+        </p:spPr>
+        <p:txBody>
+          <a:bodyPr wrap="square" lIns="0" tIns="0" rIns="0" bIns="0" rtlCol="0">
+            <a:noAutofit/>
+          </a:bodyPr>
+          <a:lstStyle/>
+          <a:p>
+            <a:endParaRPr/>
+          </a:p>
+        </p:txBody>
+      </p:sp>
+      <p:sp>
+        <p:nvSpPr>
+          <p:cNvPr id="15" name="object 15"/>
+          <p:cNvSpPr/>
+          <p:nvPr/>
+        </p:nvSpPr>
+        <p:spPr>
+          <a:xfrm>
+            <a:off x="6304904" y="3512746"/>
+            <a:ext cx="5467350" cy="1196907"/>
+          </a:xfrm>
+          <a:custGeom>
+            <a:avLst/>
+            <a:gdLst/>
+            <a:ahLst/>
+            <a:cxnLst/>
+            <a:rect l="l" t="t" r="r" b="b"/>
+            <a:pathLst>
+              <a:path w="5467350" h="1428749">
+                <a:moveTo>
+                  <a:pt x="0" y="1390649"/>
+                </a:moveTo>
+                <a:lnTo>
+                  <a:pt x="0" y="33047"/>
+                </a:lnTo>
+                <a:lnTo>
+                  <a:pt x="5579" y="11158"/>
+                </a:lnTo>
+                <a:lnTo>
+                  <a:pt x="7365" y="7586"/>
+                </a:lnTo>
+                <a:lnTo>
+                  <a:pt x="9425" y="4833"/>
+                </a:lnTo>
+                <a:lnTo>
+                  <a:pt x="11759" y="2899"/>
+                </a:lnTo>
+                <a:lnTo>
+                  <a:pt x="14093" y="966"/>
+                </a:lnTo>
+                <a:lnTo>
+                  <a:pt x="16523" y="0"/>
+                </a:lnTo>
+                <a:lnTo>
+                  <a:pt x="5434302" y="0"/>
+                </a:lnTo>
+                <a:lnTo>
+                  <a:pt x="5464449" y="23519"/>
+                </a:lnTo>
+                <a:lnTo>
+                  <a:pt x="5466382" y="28186"/>
+                </a:lnTo>
+                <a:lnTo>
+                  <a:pt x="5467350" y="33047"/>
+                </a:lnTo>
+                <a:lnTo>
+                  <a:pt x="5467350" y="1395702"/>
+                </a:lnTo>
+                <a:lnTo>
+                  <a:pt x="5443829" y="1425849"/>
+                </a:lnTo>
+                <a:lnTo>
+                  <a:pt x="5434302" y="1428749"/>
+                </a:lnTo>
+                <a:lnTo>
+                  <a:pt x="16523" y="1428749"/>
+                </a:lnTo>
+                <a:lnTo>
+                  <a:pt x="5579" y="1417590"/>
+                </a:lnTo>
+                <a:lnTo>
+                  <a:pt x="3792" y="1414017"/>
+                </a:lnTo>
+                <a:lnTo>
+                  <a:pt x="2416" y="1409897"/>
+                </a:lnTo>
+                <a:lnTo>
+                  <a:pt x="1449" y="1405229"/>
+                </a:lnTo>
+                <a:lnTo>
+                  <a:pt x="483" y="1400562"/>
+                </a:lnTo>
+                <a:lnTo>
+                  <a:pt x="0" y="1395702"/>
+                </a:lnTo>
+                <a:lnTo>
+                  <a:pt x="0" y="1390649"/>
+                </a:lnTo>
+                <a:close/>
+              </a:path>
+            </a:pathLst>
+          </a:custGeom>
+          <a:solidFill>
+            <a:srgbClr val="F7F9FA"/>
+          </a:solidFill>
+        </p:spPr>
+        <p:txBody>
+          <a:bodyPr wrap="square" lIns="0" tIns="0" rIns="0" bIns="0" rtlCol="0">
+            <a:noAutofit/>
+          </a:bodyPr>
+          <a:lstStyle/>
+          <a:p>
+            <a:endParaRPr/>
+          </a:p>
+        </p:txBody>
+      </p:sp>
+      <p:sp>
+        <p:nvSpPr>
+          <p:cNvPr id="16" name="object 16"/>
+          <p:cNvSpPr/>
+          <p:nvPr/>
+        </p:nvSpPr>
+        <p:spPr>
+          <a:xfrm>
+            <a:off x="6285854" y="3512746"/>
+            <a:ext cx="5486399" cy="1231106"/>
+          </a:xfrm>
+          <a:custGeom>
+            <a:avLst/>
+            <a:gdLst/>
+            <a:ahLst/>
+            <a:cxnLst/>
+            <a:rect l="l" t="t" r="r" b="b"/>
+            <a:pathLst>
+              <a:path w="5486399" h="1428749">
+                <a:moveTo>
+                  <a:pt x="38099" y="0"/>
+                </a:moveTo>
+                <a:lnTo>
+                  <a:pt x="2116" y="25230"/>
+                </a:lnTo>
+                <a:lnTo>
+                  <a:pt x="0" y="38099"/>
+                </a:lnTo>
+                <a:lnTo>
+                  <a:pt x="0" y="1390649"/>
+                </a:lnTo>
+                <a:lnTo>
+                  <a:pt x="25230" y="1426633"/>
+                </a:lnTo>
+                <a:lnTo>
+                  <a:pt x="38099" y="1428749"/>
+                </a:lnTo>
+                <a:lnTo>
+                  <a:pt x="38099" y="0"/>
+                </a:lnTo>
+                <a:close/>
+              </a:path>
+            </a:pathLst>
+          </a:custGeom>
+          <a:solidFill>
+            <a:srgbClr val="2ECC70"/>
+          </a:solidFill>
+        </p:spPr>
+        <p:txBody>
+          <a:bodyPr wrap="square" lIns="0" tIns="0" rIns="0" bIns="0" rtlCol="0">
+            <a:noAutofit/>
+          </a:bodyPr>
+          <a:lstStyle/>
+          <a:p>
+            <a:endParaRPr/>
+          </a:p>
+        </p:txBody>
+      </p:sp>
+      <p:sp>
+        <p:nvSpPr>
+          <p:cNvPr id="13" name="object 13"/>
+          <p:cNvSpPr txBox="1"/>
+          <p:nvPr/>
+        </p:nvSpPr>
+        <p:spPr>
+          <a:xfrm>
+            <a:off x="4959052" y="461918"/>
+            <a:ext cx="2325106" cy="368299"/>
+          </a:xfrm>
+          <a:prstGeom prst="rect">
+            <a:avLst/>
+          </a:prstGeom>
+        </p:spPr>
+        <p:txBody>
+          <a:bodyPr wrap="square" lIns="0" tIns="0" rIns="0" bIns="0" rtlCol="0">
+            <a:noAutofit/>
+          </a:bodyPr>
+          <a:lstStyle/>
+          <a:p>
+            <a:pPr marL="12700">
+              <a:lnSpc>
+                <a:spcPts val="2870"/>
+              </a:lnSpc>
+              <a:spcBef>
+                <a:spcPts val="143"/>
+              </a:spcBef>
+            </a:pPr>
+            <a:r>
+              <a:rPr sz="3200" b="1" spc="0" dirty="0">
+                <a:solidFill>
+                  <a:srgbClr val="1A5275"/>
+                </a:solidFill>
+                <a:latin typeface="Times New Roman"/>
+                <a:cs typeface="Times New Roman"/>
+              </a:rPr>
+              <a:t>Conclusiones</a:t>
+            </a:r>
+            <a:endParaRPr sz="3200" dirty="0">
+              <a:latin typeface="Times New Roman"/>
+              <a:cs typeface="Times New Roman"/>
+            </a:endParaRPr>
+          </a:p>
+        </p:txBody>
+      </p:sp>
+      <p:sp>
+        <p:nvSpPr>
+          <p:cNvPr id="12" name="object 12"/>
+          <p:cNvSpPr txBox="1"/>
+          <p:nvPr/>
+        </p:nvSpPr>
+        <p:spPr>
+          <a:xfrm>
+            <a:off x="466083" y="2313336"/>
+            <a:ext cx="244474" cy="215899"/>
+          </a:xfrm>
+          <a:prstGeom prst="rect">
+            <a:avLst/>
+          </a:prstGeom>
+        </p:spPr>
+        <p:txBody>
+          <a:bodyPr wrap="square" lIns="0" tIns="0" rIns="0" bIns="0" rtlCol="0">
+            <a:noAutofit/>
+          </a:bodyPr>
+          <a:lstStyle/>
+          <a:p>
+            <a:pPr marL="12700">
+              <a:lnSpc>
+                <a:spcPts val="1689"/>
+              </a:lnSpc>
+              <a:spcBef>
+                <a:spcPts val="94"/>
+              </a:spcBef>
+            </a:pPr>
+            <a:r>
+              <a:rPr sz="2250" baseline="-1932" dirty="0">
+                <a:solidFill>
+                  <a:srgbClr val="1A5275"/>
+                </a:solidFill>
+                <a:latin typeface="Times New Roman"/>
+                <a:cs typeface="Times New Roman"/>
+              </a:rPr>
+              <a:t></a:t>
+            </a:r>
+            <a:endParaRPr sz="1500">
+              <a:latin typeface="Times New Roman"/>
+              <a:cs typeface="Times New Roman"/>
+            </a:endParaRPr>
+          </a:p>
+        </p:txBody>
+      </p:sp>
+      <p:sp>
+        <p:nvSpPr>
+          <p:cNvPr id="10" name="object 10"/>
+          <p:cNvSpPr txBox="1"/>
+          <p:nvPr/>
+        </p:nvSpPr>
+        <p:spPr>
+          <a:xfrm>
+            <a:off x="6422381" y="2344453"/>
+            <a:ext cx="244474" cy="215899"/>
+          </a:xfrm>
+          <a:prstGeom prst="rect">
+            <a:avLst/>
+          </a:prstGeom>
+        </p:spPr>
+        <p:txBody>
+          <a:bodyPr wrap="square" lIns="0" tIns="0" rIns="0" bIns="0" rtlCol="0">
+            <a:noAutofit/>
+          </a:bodyPr>
+          <a:lstStyle/>
+          <a:p>
+            <a:pPr marL="12700">
+              <a:lnSpc>
+                <a:spcPts val="1689"/>
+              </a:lnSpc>
+              <a:spcBef>
+                <a:spcPts val="94"/>
+              </a:spcBef>
+            </a:pPr>
+            <a:r>
+              <a:rPr sz="2250" baseline="-1932" dirty="0">
+                <a:solidFill>
+                  <a:srgbClr val="1A5275"/>
+                </a:solidFill>
+                <a:latin typeface="Times New Roman"/>
+                <a:cs typeface="Times New Roman"/>
+              </a:rPr>
+              <a:t></a:t>
+            </a:r>
+            <a:endParaRPr sz="1500">
+              <a:latin typeface="Times New Roman"/>
+              <a:cs typeface="Times New Roman"/>
+            </a:endParaRPr>
+          </a:p>
+        </p:txBody>
+      </p:sp>
+      <p:sp>
+        <p:nvSpPr>
+          <p:cNvPr id="8" name="object 8"/>
+          <p:cNvSpPr txBox="1"/>
+          <p:nvPr/>
+        </p:nvSpPr>
+        <p:spPr>
+          <a:xfrm>
+            <a:off x="478783" y="3739702"/>
+            <a:ext cx="244474" cy="215899"/>
+          </a:xfrm>
+          <a:prstGeom prst="rect">
+            <a:avLst/>
+          </a:prstGeom>
+        </p:spPr>
+        <p:txBody>
+          <a:bodyPr wrap="square" lIns="0" tIns="0" rIns="0" bIns="0" rtlCol="0">
+            <a:noAutofit/>
+          </a:bodyPr>
+          <a:lstStyle/>
+          <a:p>
+            <a:pPr marL="12700">
+              <a:lnSpc>
+                <a:spcPts val="1689"/>
+              </a:lnSpc>
+              <a:spcBef>
+                <a:spcPts val="94"/>
+              </a:spcBef>
+            </a:pPr>
+            <a:r>
+              <a:rPr sz="2250" baseline="-1932" dirty="0">
+                <a:solidFill>
+                  <a:srgbClr val="1A5275"/>
+                </a:solidFill>
+                <a:latin typeface="Times New Roman"/>
+                <a:cs typeface="Times New Roman"/>
+              </a:rPr>
+              <a:t></a:t>
+            </a:r>
+            <a:endParaRPr sz="1500" dirty="0">
+              <a:latin typeface="Times New Roman"/>
+              <a:cs typeface="Times New Roman"/>
+            </a:endParaRPr>
+          </a:p>
+        </p:txBody>
+      </p:sp>
+      <p:sp>
+        <p:nvSpPr>
+          <p:cNvPr id="6" name="object 6"/>
+          <p:cNvSpPr txBox="1"/>
+          <p:nvPr/>
+        </p:nvSpPr>
+        <p:spPr>
+          <a:xfrm>
+            <a:off x="6454129" y="3685783"/>
+            <a:ext cx="244474" cy="215899"/>
+          </a:xfrm>
+          <a:prstGeom prst="rect">
+            <a:avLst/>
+          </a:prstGeom>
+        </p:spPr>
+        <p:txBody>
+          <a:bodyPr wrap="square" lIns="0" tIns="0" rIns="0" bIns="0" rtlCol="0">
+            <a:noAutofit/>
+          </a:bodyPr>
+          <a:lstStyle/>
+          <a:p>
+            <a:pPr marL="12700">
+              <a:lnSpc>
+                <a:spcPts val="1689"/>
+              </a:lnSpc>
+              <a:spcBef>
+                <a:spcPts val="94"/>
+              </a:spcBef>
+            </a:pPr>
+            <a:r>
+              <a:rPr sz="2250" baseline="-1932" dirty="0">
+                <a:solidFill>
+                  <a:srgbClr val="1A5275"/>
+                </a:solidFill>
+                <a:latin typeface="Times New Roman"/>
+                <a:cs typeface="Times New Roman"/>
+              </a:rPr>
+              <a:t></a:t>
+            </a:r>
+            <a:endParaRPr sz="1500">
+              <a:latin typeface="Times New Roman"/>
+              <a:cs typeface="Times New Roman"/>
+            </a:endParaRPr>
+          </a:p>
+        </p:txBody>
+      </p:sp>
+      <p:sp>
+        <p:nvSpPr>
+          <p:cNvPr id="36" name="CuadroTexto 35">
             <a:extLst>
               <a:ext uri="{FF2B5EF4-FFF2-40B4-BE49-F238E27FC236}">
-                <a16:creationId xmlns:a16="http://schemas.microsoft.com/office/drawing/2014/main" id="{545B257C-951B-8197-8030-D341D25FE7E3}"/>
+                <a16:creationId xmlns:a16="http://schemas.microsoft.com/office/drawing/2014/main" id="{FB062492-BF78-3048-AA9B-F31271318B81}"/>
               </a:ext>
             </a:extLst>
           </p:cNvPr>
@@ -1524,8 +2299,8 @@
         </p:nvSpPr>
         <p:spPr>
           <a:xfrm>
-            <a:off x="254876" y="1667249"/>
-            <a:ext cx="3163045" cy="461665"/>
+            <a:off x="767707" y="2157978"/>
+            <a:ext cx="5066653" cy="1231106"/>
           </a:xfrm>
           <a:prstGeom prst="rect">
             <a:avLst/>
@@ -1533,67 +2308,47 @@
           <a:noFill/>
         </p:spPr>
         <p:txBody>
-          <a:bodyPr wrap="none" rtlCol="0">
+          <a:bodyPr wrap="square" rtlCol="0">
             <a:spAutoFit/>
           </a:bodyPr>
           <a:lstStyle/>
           <a:p>
-            <a:pPr marL="285750" indent="-285750">
-              <a:buFont typeface="Arial" panose="020B0604020202020204" pitchFamily="34" charset="0"/>
-              <a:buChar char="•"/>
-            </a:pPr>
-            <a:r>
-              <a:rPr lang="es-PE" sz="2400" dirty="0">
+            <a:r>
+              <a:rPr lang="es-ES" sz="2000" b="1" dirty="0">
+                <a:solidFill>
+                  <a:srgbClr val="333333"/>
+                </a:solidFill>
+                <a:effectLst/>
                 <a:latin typeface="Times New Roman" panose="02020603050405020304" pitchFamily="18" charset="0"/>
                 <a:cs typeface="Times New Roman" panose="02020603050405020304" pitchFamily="18" charset="0"/>
               </a:rPr>
-              <a:t>Registrar una reserva.</a:t>
-            </a:r>
-          </a:p>
-        </p:txBody>
-      </p:sp>
-      <p:pic>
-        <p:nvPicPr>
-          <p:cNvPr id="3" name="Gráfico 2">
+              <a:t>Validación inicial</a:t>
+            </a:r>
+          </a:p>
+          <a:p>
+            <a:r>
+              <a:rPr lang="es-ES" sz="1800" dirty="0">
+                <a:solidFill>
+                  <a:srgbClr val="333333"/>
+                </a:solidFill>
+                <a:effectLst/>
+                <a:latin typeface="LiberationSans"/>
+              </a:rPr>
+              <a:t>La prueba piloto confirmó que el sistema cumple funciones clave (registro, consulta, pagos y anulación) de forma clara y sencilla.</a:t>
+            </a:r>
+            <a:endParaRPr lang="es-PE" sz="2400" dirty="0">
+              <a:latin typeface="Times New Roman" panose="02020603050405020304" pitchFamily="18" charset="0"/>
+              <a:cs typeface="Times New Roman" panose="02020603050405020304" pitchFamily="18" charset="0"/>
+            </a:endParaRPr>
+          </a:p>
+        </p:txBody>
+      </p:sp>
+      <p:sp>
+        <p:nvSpPr>
+          <p:cNvPr id="37" name="CuadroTexto 36">
             <a:extLst>
               <a:ext uri="{FF2B5EF4-FFF2-40B4-BE49-F238E27FC236}">
-                <a16:creationId xmlns:a16="http://schemas.microsoft.com/office/drawing/2014/main" id="{55839197-76FC-81F8-EC3A-1214604B227B}"/>
-              </a:ext>
-            </a:extLst>
-          </p:cNvPr>
-          <p:cNvPicPr>
-            <a:picLocks noChangeAspect="1"/>
-          </p:cNvPicPr>
-          <p:nvPr/>
-        </p:nvPicPr>
-        <p:blipFill>
-          <a:blip r:embed="rId2">
-            <a:extLst>
-              <a:ext uri="{96DAC541-7B7A-43D3-8B79-37D633B846F1}">
-                <asvg:svgBlip xmlns:asvg="http://schemas.microsoft.com/office/drawing/2016/SVG/main" r:embed="rId3"/>
-              </a:ext>
-            </a:extLst>
-          </a:blip>
-          <a:stretch>
-            <a:fillRect/>
-          </a:stretch>
-        </p:blipFill>
-        <p:spPr>
-          <a:xfrm>
-            <a:off x="3977536" y="304800"/>
-            <a:ext cx="7686675" cy="6991350"/>
-          </a:xfrm>
-          <a:prstGeom prst="rect">
-            <a:avLst/>
-          </a:prstGeom>
-        </p:spPr>
-      </p:pic>
-      <p:sp>
-        <p:nvSpPr>
-          <p:cNvPr id="4" name="CuadroTexto 3">
-            <a:extLst>
-              <a:ext uri="{FF2B5EF4-FFF2-40B4-BE49-F238E27FC236}">
-                <a16:creationId xmlns:a16="http://schemas.microsoft.com/office/drawing/2014/main" id="{5EAE8D3D-F571-1DA2-914A-B28B188CF2AF}"/>
+                <a16:creationId xmlns:a16="http://schemas.microsoft.com/office/drawing/2014/main" id="{4FEFED3A-B036-0464-9C8F-9B5BCE207524}"/>
               </a:ext>
             </a:extLst>
           </p:cNvPr>
@@ -1602,8 +2357,8 @@
         </p:nvSpPr>
         <p:spPr>
           <a:xfrm>
-            <a:off x="254876" y="838200"/>
-            <a:ext cx="3209533" cy="830997"/>
+            <a:off x="710557" y="3566665"/>
+            <a:ext cx="5066653" cy="1231106"/>
           </a:xfrm>
           <a:prstGeom prst="rect">
             <a:avLst/>
@@ -1611,37 +2366,162 @@
           <a:noFill/>
         </p:spPr>
         <p:txBody>
-          <a:bodyPr wrap="none" rtlCol="0">
+          <a:bodyPr wrap="square" rtlCol="0">
             <a:spAutoFit/>
           </a:bodyPr>
           <a:lstStyle/>
           <a:p>
             <a:r>
-              <a:rPr lang="es-PE" sz="2400" b="1" spc="0" dirty="0">
-                <a:solidFill>
-                  <a:srgbClr val="1A5275"/>
-                </a:solidFill>
-                <a:latin typeface="Times New Roman"/>
-                <a:cs typeface="Times New Roman"/>
-              </a:rPr>
-              <a:t>Diagrama de secuencia</a:t>
+              <a:rPr lang="es-ES" sz="2000" b="1" dirty="0">
+                <a:solidFill>
+                  <a:srgbClr val="333333"/>
+                </a:solidFill>
+                <a:effectLst/>
+                <a:latin typeface="Times New Roman" panose="02020603050405020304" pitchFamily="18" charset="0"/>
+                <a:cs typeface="Times New Roman" panose="02020603050405020304" pitchFamily="18" charset="0"/>
+              </a:rPr>
+              <a:t>Mejora operativa </a:t>
+            </a:r>
+            <a:endParaRPr lang="es-ES" sz="2000" dirty="0">
+              <a:latin typeface="Times New Roman" panose="02020603050405020304" pitchFamily="18" charset="0"/>
+              <a:cs typeface="Times New Roman" panose="02020603050405020304" pitchFamily="18" charset="0"/>
+            </a:endParaRPr>
+          </a:p>
+          <a:p>
+            <a:r>
+              <a:rPr lang="es-ES" sz="1800" dirty="0">
+                <a:solidFill>
+                  <a:srgbClr val="333333"/>
+                </a:solidFill>
+                <a:effectLst/>
+                <a:latin typeface="LiberationSans"/>
+              </a:rPr>
+              <a:t>Mayor agilidad y orden frente al método manual, con potencial para reducir errores y tiempos de respuesta.</a:t>
             </a:r>
             <a:endParaRPr lang="es-PE" sz="2400" dirty="0">
-              <a:latin typeface="Times New Roman"/>
-              <a:cs typeface="Times New Roman"/>
+              <a:latin typeface="Times New Roman" panose="02020603050405020304" pitchFamily="18" charset="0"/>
+              <a:cs typeface="Times New Roman" panose="02020603050405020304" pitchFamily="18" charset="0"/>
             </a:endParaRPr>
           </a:p>
-          <a:p>
-            <a:endParaRPr lang="es-PE" sz="2400" dirty="0"/>
+        </p:txBody>
+      </p:sp>
+      <p:sp>
+        <p:nvSpPr>
+          <p:cNvPr id="38" name="CuadroTexto 37">
+            <a:extLst>
+              <a:ext uri="{FF2B5EF4-FFF2-40B4-BE49-F238E27FC236}">
+                <a16:creationId xmlns:a16="http://schemas.microsoft.com/office/drawing/2014/main" id="{66ECF5B5-CF89-FE6E-9948-CE3CE368F0F6}"/>
+              </a:ext>
+            </a:extLst>
+          </p:cNvPr>
+          <p:cNvSpPr txBox="1"/>
+          <p:nvPr/>
+        </p:nvSpPr>
+        <p:spPr>
+          <a:xfrm>
+            <a:off x="6705600" y="3634145"/>
+            <a:ext cx="5066653" cy="954107"/>
+          </a:xfrm>
+          <a:prstGeom prst="rect">
+            <a:avLst/>
+          </a:prstGeom>
+          <a:noFill/>
+        </p:spPr>
+        <p:txBody>
+          <a:bodyPr wrap="square" rtlCol="0">
+            <a:spAutoFit/>
+          </a:bodyPr>
+          <a:lstStyle/>
+          <a:p>
+            <a:r>
+              <a:rPr lang="es-ES" sz="2000" b="1" dirty="0">
+                <a:solidFill>
+                  <a:srgbClr val="333333"/>
+                </a:solidFill>
+                <a:effectLst/>
+                <a:latin typeface="Times New Roman" panose="02020603050405020304" pitchFamily="18" charset="0"/>
+                <a:cs typeface="Times New Roman" panose="02020603050405020304" pitchFamily="18" charset="0"/>
+              </a:rPr>
+              <a:t>Trazabilidad y control</a:t>
+            </a:r>
+          </a:p>
+          <a:p>
+            <a:r>
+              <a:rPr lang="es-ES" sz="1800" dirty="0">
+                <a:solidFill>
+                  <a:srgbClr val="333333"/>
+                </a:solidFill>
+                <a:effectLst/>
+                <a:latin typeface="LiberationSans"/>
+              </a:rPr>
+              <a:t>Reportes funcionales que permiten mejor seguimiento y control administrativo.</a:t>
+            </a:r>
+            <a:endParaRPr lang="es-PE" sz="2400" dirty="0">
+              <a:latin typeface="Times New Roman" panose="02020603050405020304" pitchFamily="18" charset="0"/>
+              <a:cs typeface="Times New Roman" panose="02020603050405020304" pitchFamily="18" charset="0"/>
+            </a:endParaRPr>
+          </a:p>
+        </p:txBody>
+      </p:sp>
+      <p:sp>
+        <p:nvSpPr>
+          <p:cNvPr id="39" name="CuadroTexto 38">
+            <a:extLst>
+              <a:ext uri="{FF2B5EF4-FFF2-40B4-BE49-F238E27FC236}">
+                <a16:creationId xmlns:a16="http://schemas.microsoft.com/office/drawing/2014/main" id="{86060689-F0FE-AD0B-3A47-B7527CEB15F3}"/>
+              </a:ext>
+            </a:extLst>
+          </p:cNvPr>
+          <p:cNvSpPr txBox="1"/>
+          <p:nvPr/>
+        </p:nvSpPr>
+        <p:spPr>
+          <a:xfrm>
+            <a:off x="6705600" y="2133600"/>
+            <a:ext cx="5066653" cy="1231106"/>
+          </a:xfrm>
+          <a:prstGeom prst="rect">
+            <a:avLst/>
+          </a:prstGeom>
+          <a:noFill/>
+        </p:spPr>
+        <p:txBody>
+          <a:bodyPr wrap="square" rtlCol="0">
+            <a:spAutoFit/>
+          </a:bodyPr>
+          <a:lstStyle/>
+          <a:p>
+            <a:r>
+              <a:rPr lang="es-ES" sz="2000" b="1" dirty="0">
+                <a:solidFill>
+                  <a:srgbClr val="333333"/>
+                </a:solidFill>
+                <a:effectLst/>
+                <a:latin typeface="Times New Roman" panose="02020603050405020304" pitchFamily="18" charset="0"/>
+                <a:cs typeface="Times New Roman" panose="02020603050405020304" pitchFamily="18" charset="0"/>
+              </a:rPr>
+              <a:t>Adaptación futura</a:t>
+            </a:r>
+          </a:p>
+          <a:p>
+            <a:r>
+              <a:rPr lang="es-ES" sz="1800" dirty="0">
+                <a:solidFill>
+                  <a:srgbClr val="333333"/>
+                </a:solidFill>
+                <a:effectLst/>
+                <a:latin typeface="LiberationSans"/>
+              </a:rPr>
+              <a:t>Arquitectura modular que facilita incorporar mejoras como pagos en línea y notificaciones automáticas.</a:t>
+            </a:r>
+            <a:endParaRPr lang="es-PE" sz="2400" dirty="0">
+              <a:latin typeface="Times New Roman" panose="02020603050405020304" pitchFamily="18" charset="0"/>
+              <a:cs typeface="Times New Roman" panose="02020603050405020304" pitchFamily="18" charset="0"/>
+            </a:endParaRPr>
           </a:p>
         </p:txBody>
       </p:sp>
     </p:spTree>
-    <p:extLst>
-      <p:ext uri="{BB962C8B-B14F-4D97-AF65-F5344CB8AC3E}">
-        <p14:creationId xmlns:p14="http://schemas.microsoft.com/office/powerpoint/2010/main" val="923370061"/>
-      </p:ext>
-    </p:extLst>
   </p:cSld>
   <p:clrMapOvr>
     <a:masterClrMapping/>
@@ -1668,10 +2548,778 @@
       </p:grpSpPr>
       <p:sp>
         <p:nvSpPr>
-          <p:cNvPr id="34" name="CuadroTexto 33">
+          <p:cNvPr id="20" name="object 20"/>
+          <p:cNvSpPr txBox="1"/>
+          <p:nvPr/>
+        </p:nvSpPr>
+        <p:spPr>
+          <a:xfrm>
+            <a:off x="4568229" y="461918"/>
+            <a:ext cx="3106845" cy="368299"/>
+          </a:xfrm>
+          <a:prstGeom prst="rect">
+            <a:avLst/>
+          </a:prstGeom>
+        </p:spPr>
+        <p:txBody>
+          <a:bodyPr wrap="square" lIns="0" tIns="0" rIns="0" bIns="0" rtlCol="0">
+            <a:noAutofit/>
+          </a:bodyPr>
+          <a:lstStyle/>
+          <a:p>
+            <a:pPr marL="12700">
+              <a:lnSpc>
+                <a:spcPts val="2870"/>
+              </a:lnSpc>
+              <a:spcBef>
+                <a:spcPts val="143"/>
+              </a:spcBef>
+            </a:pPr>
+            <a:r>
+              <a:rPr sz="2700" b="1" spc="0" dirty="0">
+                <a:solidFill>
+                  <a:srgbClr val="1A5275"/>
+                </a:solidFill>
+                <a:latin typeface="Times New Roman"/>
+                <a:cs typeface="Times New Roman"/>
+              </a:rPr>
+              <a:t>Recomendaciones</a:t>
+            </a:r>
+            <a:endParaRPr sz="2700">
+              <a:latin typeface="Times New Roman"/>
+              <a:cs typeface="Times New Roman"/>
+            </a:endParaRPr>
+          </a:p>
+        </p:txBody>
+      </p:sp>
+      <p:sp>
+        <p:nvSpPr>
+          <p:cNvPr id="39" name="object 23">
             <a:extLst>
               <a:ext uri="{FF2B5EF4-FFF2-40B4-BE49-F238E27FC236}">
-                <a16:creationId xmlns:a16="http://schemas.microsoft.com/office/drawing/2014/main" id="{545B257C-951B-8197-8030-D341D25FE7E3}"/>
+                <a16:creationId xmlns:a16="http://schemas.microsoft.com/office/drawing/2014/main" id="{6BB63957-BAA9-16EA-C382-A7C8EF176A80}"/>
+              </a:ext>
+            </a:extLst>
+          </p:cNvPr>
+          <p:cNvSpPr/>
+          <p:nvPr/>
+        </p:nvSpPr>
+        <p:spPr>
+          <a:xfrm>
+            <a:off x="316858" y="1585161"/>
+            <a:ext cx="5467349" cy="1217709"/>
+          </a:xfrm>
+          <a:custGeom>
+            <a:avLst/>
+            <a:gdLst/>
+            <a:ahLst/>
+            <a:cxnLst/>
+            <a:rect l="l" t="t" r="r" b="b"/>
+            <a:pathLst>
+              <a:path w="5467349" h="1142999">
+                <a:moveTo>
+                  <a:pt x="0" y="1104899"/>
+                </a:moveTo>
+                <a:lnTo>
+                  <a:pt x="0" y="33047"/>
+                </a:lnTo>
+                <a:lnTo>
+                  <a:pt x="5579" y="11159"/>
+                </a:lnTo>
+                <a:lnTo>
+                  <a:pt x="7365" y="7586"/>
+                </a:lnTo>
+                <a:lnTo>
+                  <a:pt x="9425" y="4833"/>
+                </a:lnTo>
+                <a:lnTo>
+                  <a:pt x="11759" y="2900"/>
+                </a:lnTo>
+                <a:lnTo>
+                  <a:pt x="14093" y="966"/>
+                </a:lnTo>
+                <a:lnTo>
+                  <a:pt x="16523" y="0"/>
+                </a:lnTo>
+                <a:lnTo>
+                  <a:pt x="5434301" y="0"/>
+                </a:lnTo>
+                <a:lnTo>
+                  <a:pt x="5464448" y="23519"/>
+                </a:lnTo>
+                <a:lnTo>
+                  <a:pt x="5466382" y="28187"/>
+                </a:lnTo>
+                <a:lnTo>
+                  <a:pt x="5467349" y="33047"/>
+                </a:lnTo>
+                <a:lnTo>
+                  <a:pt x="5467349" y="1109952"/>
+                </a:lnTo>
+                <a:lnTo>
+                  <a:pt x="5466382" y="1114812"/>
+                </a:lnTo>
+                <a:lnTo>
+                  <a:pt x="5464448" y="1119479"/>
+                </a:lnTo>
+                <a:lnTo>
+                  <a:pt x="5462515" y="1124147"/>
+                </a:lnTo>
+                <a:lnTo>
+                  <a:pt x="5434301" y="1142999"/>
+                </a:lnTo>
+                <a:lnTo>
+                  <a:pt x="16523" y="1142999"/>
+                </a:lnTo>
+                <a:lnTo>
+                  <a:pt x="5579" y="1131840"/>
+                </a:lnTo>
+                <a:lnTo>
+                  <a:pt x="3793" y="1128268"/>
+                </a:lnTo>
+                <a:lnTo>
+                  <a:pt x="2416" y="1124147"/>
+                </a:lnTo>
+                <a:lnTo>
+                  <a:pt x="1450" y="1119479"/>
+                </a:lnTo>
+                <a:lnTo>
+                  <a:pt x="483" y="1114812"/>
+                </a:lnTo>
+                <a:lnTo>
+                  <a:pt x="0" y="1109952"/>
+                </a:lnTo>
+                <a:lnTo>
+                  <a:pt x="0" y="1104899"/>
+                </a:lnTo>
+                <a:close/>
+              </a:path>
+            </a:pathLst>
+          </a:custGeom>
+          <a:solidFill>
+            <a:srgbClr val="F7F9FA"/>
+          </a:solidFill>
+        </p:spPr>
+        <p:txBody>
+          <a:bodyPr wrap="square" lIns="0" tIns="0" rIns="0" bIns="0" rtlCol="0">
+            <a:noAutofit/>
+          </a:bodyPr>
+          <a:lstStyle/>
+          <a:p>
+            <a:endParaRPr dirty="0"/>
+          </a:p>
+        </p:txBody>
+      </p:sp>
+      <p:sp>
+        <p:nvSpPr>
+          <p:cNvPr id="40" name="object 24">
+            <a:extLst>
+              <a:ext uri="{FF2B5EF4-FFF2-40B4-BE49-F238E27FC236}">
+                <a16:creationId xmlns:a16="http://schemas.microsoft.com/office/drawing/2014/main" id="{55AD0FB3-9E2B-83A3-912D-54104F81A095}"/>
+              </a:ext>
+            </a:extLst>
+          </p:cNvPr>
+          <p:cNvSpPr/>
+          <p:nvPr/>
+        </p:nvSpPr>
+        <p:spPr>
+          <a:xfrm>
+            <a:off x="297808" y="1585161"/>
+            <a:ext cx="5486399" cy="1300395"/>
+          </a:xfrm>
+          <a:custGeom>
+            <a:avLst/>
+            <a:gdLst/>
+            <a:ahLst/>
+            <a:cxnLst/>
+            <a:rect l="l" t="t" r="r" b="b"/>
+            <a:pathLst>
+              <a:path w="5486399" h="1142999">
+                <a:moveTo>
+                  <a:pt x="38099" y="0"/>
+                </a:moveTo>
+                <a:lnTo>
+                  <a:pt x="2116" y="25230"/>
+                </a:lnTo>
+                <a:lnTo>
+                  <a:pt x="0" y="38099"/>
+                </a:lnTo>
+                <a:lnTo>
+                  <a:pt x="0" y="1104899"/>
+                </a:lnTo>
+                <a:lnTo>
+                  <a:pt x="25230" y="1140883"/>
+                </a:lnTo>
+                <a:lnTo>
+                  <a:pt x="38099" y="1142999"/>
+                </a:lnTo>
+                <a:lnTo>
+                  <a:pt x="38099" y="0"/>
+                </a:lnTo>
+                <a:close/>
+              </a:path>
+            </a:pathLst>
+          </a:custGeom>
+          <a:solidFill>
+            <a:srgbClr val="2ECC70"/>
+          </a:solidFill>
+        </p:spPr>
+        <p:txBody>
+          <a:bodyPr wrap="square" lIns="0" tIns="0" rIns="0" bIns="0" rtlCol="0">
+            <a:noAutofit/>
+          </a:bodyPr>
+          <a:lstStyle/>
+          <a:p>
+            <a:endParaRPr/>
+          </a:p>
+        </p:txBody>
+      </p:sp>
+      <p:sp>
+        <p:nvSpPr>
+          <p:cNvPr id="41" name="object 21">
+            <a:extLst>
+              <a:ext uri="{FF2B5EF4-FFF2-40B4-BE49-F238E27FC236}">
+                <a16:creationId xmlns:a16="http://schemas.microsoft.com/office/drawing/2014/main" id="{12F2B039-D661-5977-D74D-ED5CEED4AF2F}"/>
+              </a:ext>
+            </a:extLst>
+          </p:cNvPr>
+          <p:cNvSpPr/>
+          <p:nvPr/>
+        </p:nvSpPr>
+        <p:spPr>
+          <a:xfrm>
+            <a:off x="329558" y="3011527"/>
+            <a:ext cx="5467349" cy="1231106"/>
+          </a:xfrm>
+          <a:custGeom>
+            <a:avLst/>
+            <a:gdLst/>
+            <a:ahLst/>
+            <a:cxnLst/>
+            <a:rect l="l" t="t" r="r" b="b"/>
+            <a:pathLst>
+              <a:path w="5467349" h="1428749">
+                <a:moveTo>
+                  <a:pt x="0" y="1390649"/>
+                </a:moveTo>
+                <a:lnTo>
+                  <a:pt x="0" y="33047"/>
+                </a:lnTo>
+                <a:lnTo>
+                  <a:pt x="483" y="28187"/>
+                </a:lnTo>
+                <a:lnTo>
+                  <a:pt x="1450" y="23519"/>
+                </a:lnTo>
+                <a:lnTo>
+                  <a:pt x="2416" y="18851"/>
+                </a:lnTo>
+                <a:lnTo>
+                  <a:pt x="3793" y="14731"/>
+                </a:lnTo>
+                <a:lnTo>
+                  <a:pt x="5579" y="11159"/>
+                </a:lnTo>
+                <a:lnTo>
+                  <a:pt x="7365" y="7586"/>
+                </a:lnTo>
+                <a:lnTo>
+                  <a:pt x="9425" y="4833"/>
+                </a:lnTo>
+                <a:lnTo>
+                  <a:pt x="11759" y="2900"/>
+                </a:lnTo>
+                <a:lnTo>
+                  <a:pt x="14093" y="966"/>
+                </a:lnTo>
+                <a:lnTo>
+                  <a:pt x="16523" y="0"/>
+                </a:lnTo>
+                <a:lnTo>
+                  <a:pt x="5434301" y="0"/>
+                </a:lnTo>
+                <a:lnTo>
+                  <a:pt x="5464448" y="23519"/>
+                </a:lnTo>
+                <a:lnTo>
+                  <a:pt x="5467349" y="33047"/>
+                </a:lnTo>
+                <a:lnTo>
+                  <a:pt x="5467349" y="1395702"/>
+                </a:lnTo>
+                <a:lnTo>
+                  <a:pt x="5466382" y="1400561"/>
+                </a:lnTo>
+                <a:lnTo>
+                  <a:pt x="5464448" y="1405229"/>
+                </a:lnTo>
+                <a:lnTo>
+                  <a:pt x="5462515" y="1409897"/>
+                </a:lnTo>
+                <a:lnTo>
+                  <a:pt x="5434301" y="1428749"/>
+                </a:lnTo>
+                <a:lnTo>
+                  <a:pt x="16523" y="1428749"/>
+                </a:lnTo>
+                <a:lnTo>
+                  <a:pt x="1450" y="1405229"/>
+                </a:lnTo>
+                <a:lnTo>
+                  <a:pt x="483" y="1400561"/>
+                </a:lnTo>
+                <a:lnTo>
+                  <a:pt x="0" y="1395702"/>
+                </a:lnTo>
+                <a:lnTo>
+                  <a:pt x="0" y="1390649"/>
+                </a:lnTo>
+                <a:close/>
+              </a:path>
+            </a:pathLst>
+          </a:custGeom>
+          <a:solidFill>
+            <a:srgbClr val="F7F9FA"/>
+          </a:solidFill>
+        </p:spPr>
+        <p:txBody>
+          <a:bodyPr wrap="square" lIns="0" tIns="0" rIns="0" bIns="0" rtlCol="0">
+            <a:noAutofit/>
+          </a:bodyPr>
+          <a:lstStyle/>
+          <a:p>
+            <a:endParaRPr/>
+          </a:p>
+        </p:txBody>
+      </p:sp>
+      <p:sp>
+        <p:nvSpPr>
+          <p:cNvPr id="42" name="object 22">
+            <a:extLst>
+              <a:ext uri="{FF2B5EF4-FFF2-40B4-BE49-F238E27FC236}">
+                <a16:creationId xmlns:a16="http://schemas.microsoft.com/office/drawing/2014/main" id="{2700CC72-AA97-41E3-1D60-6B206ED34A16}"/>
+              </a:ext>
+            </a:extLst>
+          </p:cNvPr>
+          <p:cNvSpPr/>
+          <p:nvPr/>
+        </p:nvSpPr>
+        <p:spPr>
+          <a:xfrm>
+            <a:off x="310508" y="3011527"/>
+            <a:ext cx="5486399" cy="1231106"/>
+          </a:xfrm>
+          <a:custGeom>
+            <a:avLst/>
+            <a:gdLst/>
+            <a:ahLst/>
+            <a:cxnLst/>
+            <a:rect l="l" t="t" r="r" b="b"/>
+            <a:pathLst>
+              <a:path w="5486399" h="1428749">
+                <a:moveTo>
+                  <a:pt x="38099" y="0"/>
+                </a:moveTo>
+                <a:lnTo>
+                  <a:pt x="34106" y="185"/>
+                </a:lnTo>
+                <a:lnTo>
+                  <a:pt x="2116" y="25230"/>
+                </a:lnTo>
+                <a:lnTo>
+                  <a:pt x="0" y="38099"/>
+                </a:lnTo>
+                <a:lnTo>
+                  <a:pt x="0" y="1390649"/>
+                </a:lnTo>
+                <a:lnTo>
+                  <a:pt x="25230" y="1426633"/>
+                </a:lnTo>
+                <a:lnTo>
+                  <a:pt x="38099" y="1428749"/>
+                </a:lnTo>
+                <a:lnTo>
+                  <a:pt x="38099" y="0"/>
+                </a:lnTo>
+                <a:close/>
+              </a:path>
+            </a:pathLst>
+          </a:custGeom>
+          <a:solidFill>
+            <a:srgbClr val="2ECC70"/>
+          </a:solidFill>
+        </p:spPr>
+        <p:txBody>
+          <a:bodyPr wrap="square" lIns="0" tIns="0" rIns="0" bIns="0" rtlCol="0">
+            <a:noAutofit/>
+          </a:bodyPr>
+          <a:lstStyle/>
+          <a:p>
+            <a:endParaRPr/>
+          </a:p>
+        </p:txBody>
+      </p:sp>
+      <p:sp>
+        <p:nvSpPr>
+          <p:cNvPr id="45" name="object 17">
+            <a:extLst>
+              <a:ext uri="{FF2B5EF4-FFF2-40B4-BE49-F238E27FC236}">
+                <a16:creationId xmlns:a16="http://schemas.microsoft.com/office/drawing/2014/main" id="{C6095352-2BCF-8265-6444-D3BD591DF3B7}"/>
+              </a:ext>
+            </a:extLst>
+          </p:cNvPr>
+          <p:cNvSpPr/>
+          <p:nvPr/>
+        </p:nvSpPr>
+        <p:spPr>
+          <a:xfrm>
+            <a:off x="6273156" y="1616279"/>
+            <a:ext cx="5467350" cy="950489"/>
+          </a:xfrm>
+          <a:custGeom>
+            <a:avLst/>
+            <a:gdLst/>
+            <a:ahLst/>
+            <a:cxnLst/>
+            <a:rect l="l" t="t" r="r" b="b"/>
+            <a:pathLst>
+              <a:path w="5467350" h="1428749">
+                <a:moveTo>
+                  <a:pt x="0" y="1390649"/>
+                </a:moveTo>
+                <a:lnTo>
+                  <a:pt x="0" y="33047"/>
+                </a:lnTo>
+                <a:lnTo>
+                  <a:pt x="5579" y="11159"/>
+                </a:lnTo>
+                <a:lnTo>
+                  <a:pt x="7365" y="7586"/>
+                </a:lnTo>
+                <a:lnTo>
+                  <a:pt x="9425" y="4833"/>
+                </a:lnTo>
+                <a:lnTo>
+                  <a:pt x="11759" y="2900"/>
+                </a:lnTo>
+                <a:lnTo>
+                  <a:pt x="14093" y="966"/>
+                </a:lnTo>
+                <a:lnTo>
+                  <a:pt x="16523" y="0"/>
+                </a:lnTo>
+                <a:lnTo>
+                  <a:pt x="5434302" y="0"/>
+                </a:lnTo>
+                <a:lnTo>
+                  <a:pt x="5464449" y="23519"/>
+                </a:lnTo>
+                <a:lnTo>
+                  <a:pt x="5466382" y="28187"/>
+                </a:lnTo>
+                <a:lnTo>
+                  <a:pt x="5467350" y="33047"/>
+                </a:lnTo>
+                <a:lnTo>
+                  <a:pt x="5467350" y="1395702"/>
+                </a:lnTo>
+                <a:lnTo>
+                  <a:pt x="5443829" y="1425849"/>
+                </a:lnTo>
+                <a:lnTo>
+                  <a:pt x="5439161" y="1427782"/>
+                </a:lnTo>
+                <a:lnTo>
+                  <a:pt x="5434302" y="1428749"/>
+                </a:lnTo>
+                <a:lnTo>
+                  <a:pt x="16523" y="1428749"/>
+                </a:lnTo>
+                <a:lnTo>
+                  <a:pt x="5579" y="1417590"/>
+                </a:lnTo>
+                <a:lnTo>
+                  <a:pt x="3792" y="1414017"/>
+                </a:lnTo>
+                <a:lnTo>
+                  <a:pt x="2416" y="1409897"/>
+                </a:lnTo>
+                <a:lnTo>
+                  <a:pt x="1449" y="1405229"/>
+                </a:lnTo>
+                <a:lnTo>
+                  <a:pt x="483" y="1400561"/>
+                </a:lnTo>
+                <a:lnTo>
+                  <a:pt x="0" y="1395702"/>
+                </a:lnTo>
+                <a:lnTo>
+                  <a:pt x="0" y="1390649"/>
+                </a:lnTo>
+                <a:close/>
+              </a:path>
+            </a:pathLst>
+          </a:custGeom>
+          <a:solidFill>
+            <a:srgbClr val="F7F9FA"/>
+          </a:solidFill>
+        </p:spPr>
+        <p:txBody>
+          <a:bodyPr wrap="square" lIns="0" tIns="0" rIns="0" bIns="0" rtlCol="0">
+            <a:noAutofit/>
+          </a:bodyPr>
+          <a:lstStyle/>
+          <a:p>
+            <a:endParaRPr/>
+          </a:p>
+        </p:txBody>
+      </p:sp>
+      <p:sp>
+        <p:nvSpPr>
+          <p:cNvPr id="46" name="object 18">
+            <a:extLst>
+              <a:ext uri="{FF2B5EF4-FFF2-40B4-BE49-F238E27FC236}">
+                <a16:creationId xmlns:a16="http://schemas.microsoft.com/office/drawing/2014/main" id="{E033518E-105C-5710-011B-707CC8DEDAE4}"/>
+              </a:ext>
+            </a:extLst>
+          </p:cNvPr>
+          <p:cNvSpPr/>
+          <p:nvPr/>
+        </p:nvSpPr>
+        <p:spPr>
+          <a:xfrm>
+            <a:off x="6254106" y="1616278"/>
+            <a:ext cx="5486399" cy="1089328"/>
+          </a:xfrm>
+          <a:custGeom>
+            <a:avLst/>
+            <a:gdLst/>
+            <a:ahLst/>
+            <a:cxnLst/>
+            <a:rect l="l" t="t" r="r" b="b"/>
+            <a:pathLst>
+              <a:path w="5486399" h="1428749">
+                <a:moveTo>
+                  <a:pt x="38099" y="0"/>
+                </a:moveTo>
+                <a:lnTo>
+                  <a:pt x="2116" y="25230"/>
+                </a:lnTo>
+                <a:lnTo>
+                  <a:pt x="0" y="38099"/>
+                </a:lnTo>
+                <a:lnTo>
+                  <a:pt x="0" y="1390649"/>
+                </a:lnTo>
+                <a:lnTo>
+                  <a:pt x="25230" y="1426633"/>
+                </a:lnTo>
+                <a:lnTo>
+                  <a:pt x="38099" y="1428749"/>
+                </a:lnTo>
+                <a:lnTo>
+                  <a:pt x="38099" y="0"/>
+                </a:lnTo>
+                <a:close/>
+              </a:path>
+            </a:pathLst>
+          </a:custGeom>
+          <a:solidFill>
+            <a:srgbClr val="2ECC70"/>
+          </a:solidFill>
+        </p:spPr>
+        <p:txBody>
+          <a:bodyPr wrap="square" lIns="0" tIns="0" rIns="0" bIns="0" rtlCol="0">
+            <a:noAutofit/>
+          </a:bodyPr>
+          <a:lstStyle/>
+          <a:p>
+            <a:endParaRPr/>
+          </a:p>
+        </p:txBody>
+      </p:sp>
+      <p:sp>
+        <p:nvSpPr>
+          <p:cNvPr id="47" name="object 15">
+            <a:extLst>
+              <a:ext uri="{FF2B5EF4-FFF2-40B4-BE49-F238E27FC236}">
+                <a16:creationId xmlns:a16="http://schemas.microsoft.com/office/drawing/2014/main" id="{FC92D2D2-178F-BC6D-0E93-FBA0F9E66B7F}"/>
+              </a:ext>
+            </a:extLst>
+          </p:cNvPr>
+          <p:cNvSpPr/>
+          <p:nvPr/>
+        </p:nvSpPr>
+        <p:spPr>
+          <a:xfrm>
+            <a:off x="6223651" y="3315301"/>
+            <a:ext cx="5467350" cy="1174997"/>
+          </a:xfrm>
+          <a:custGeom>
+            <a:avLst/>
+            <a:gdLst/>
+            <a:ahLst/>
+            <a:cxnLst/>
+            <a:rect l="l" t="t" r="r" b="b"/>
+            <a:pathLst>
+              <a:path w="5467350" h="1428749">
+                <a:moveTo>
+                  <a:pt x="0" y="1390649"/>
+                </a:moveTo>
+                <a:lnTo>
+                  <a:pt x="0" y="33047"/>
+                </a:lnTo>
+                <a:lnTo>
+                  <a:pt x="5579" y="11158"/>
+                </a:lnTo>
+                <a:lnTo>
+                  <a:pt x="7365" y="7586"/>
+                </a:lnTo>
+                <a:lnTo>
+                  <a:pt x="9425" y="4833"/>
+                </a:lnTo>
+                <a:lnTo>
+                  <a:pt x="11759" y="2899"/>
+                </a:lnTo>
+                <a:lnTo>
+                  <a:pt x="14093" y="966"/>
+                </a:lnTo>
+                <a:lnTo>
+                  <a:pt x="16523" y="0"/>
+                </a:lnTo>
+                <a:lnTo>
+                  <a:pt x="5434302" y="0"/>
+                </a:lnTo>
+                <a:lnTo>
+                  <a:pt x="5464449" y="23519"/>
+                </a:lnTo>
+                <a:lnTo>
+                  <a:pt x="5466382" y="28186"/>
+                </a:lnTo>
+                <a:lnTo>
+                  <a:pt x="5467350" y="33047"/>
+                </a:lnTo>
+                <a:lnTo>
+                  <a:pt x="5467350" y="1395702"/>
+                </a:lnTo>
+                <a:lnTo>
+                  <a:pt x="5443829" y="1425849"/>
+                </a:lnTo>
+                <a:lnTo>
+                  <a:pt x="5434302" y="1428749"/>
+                </a:lnTo>
+                <a:lnTo>
+                  <a:pt x="16523" y="1428749"/>
+                </a:lnTo>
+                <a:lnTo>
+                  <a:pt x="5579" y="1417590"/>
+                </a:lnTo>
+                <a:lnTo>
+                  <a:pt x="3792" y="1414017"/>
+                </a:lnTo>
+                <a:lnTo>
+                  <a:pt x="2416" y="1409897"/>
+                </a:lnTo>
+                <a:lnTo>
+                  <a:pt x="1449" y="1405229"/>
+                </a:lnTo>
+                <a:lnTo>
+                  <a:pt x="483" y="1400562"/>
+                </a:lnTo>
+                <a:lnTo>
+                  <a:pt x="0" y="1395702"/>
+                </a:lnTo>
+                <a:lnTo>
+                  <a:pt x="0" y="1390649"/>
+                </a:lnTo>
+                <a:close/>
+              </a:path>
+            </a:pathLst>
+          </a:custGeom>
+          <a:solidFill>
+            <a:srgbClr val="F7F9FA"/>
+          </a:solidFill>
+        </p:spPr>
+        <p:txBody>
+          <a:bodyPr wrap="square" lIns="0" tIns="0" rIns="0" bIns="0" rtlCol="0">
+            <a:noAutofit/>
+          </a:bodyPr>
+          <a:lstStyle/>
+          <a:p>
+            <a:endParaRPr/>
+          </a:p>
+        </p:txBody>
+      </p:sp>
+      <p:sp>
+        <p:nvSpPr>
+          <p:cNvPr id="48" name="object 16">
+            <a:extLst>
+              <a:ext uri="{FF2B5EF4-FFF2-40B4-BE49-F238E27FC236}">
+                <a16:creationId xmlns:a16="http://schemas.microsoft.com/office/drawing/2014/main" id="{BA6659D4-F940-0C47-11F4-91A3FC4D6A45}"/>
+              </a:ext>
+            </a:extLst>
+          </p:cNvPr>
+          <p:cNvSpPr/>
+          <p:nvPr/>
+        </p:nvSpPr>
+        <p:spPr>
+          <a:xfrm>
+            <a:off x="6204601" y="3315301"/>
+            <a:ext cx="5486399" cy="954107"/>
+          </a:xfrm>
+          <a:custGeom>
+            <a:avLst/>
+            <a:gdLst/>
+            <a:ahLst/>
+            <a:cxnLst/>
+            <a:rect l="l" t="t" r="r" b="b"/>
+            <a:pathLst>
+              <a:path w="5486399" h="1428749">
+                <a:moveTo>
+                  <a:pt x="38099" y="0"/>
+                </a:moveTo>
+                <a:lnTo>
+                  <a:pt x="2116" y="25230"/>
+                </a:lnTo>
+                <a:lnTo>
+                  <a:pt x="0" y="38099"/>
+                </a:lnTo>
+                <a:lnTo>
+                  <a:pt x="0" y="1390649"/>
+                </a:lnTo>
+                <a:lnTo>
+                  <a:pt x="25230" y="1426633"/>
+                </a:lnTo>
+                <a:lnTo>
+                  <a:pt x="38099" y="1428749"/>
+                </a:lnTo>
+                <a:lnTo>
+                  <a:pt x="38099" y="0"/>
+                </a:lnTo>
+                <a:close/>
+              </a:path>
+            </a:pathLst>
+          </a:custGeom>
+          <a:solidFill>
+            <a:srgbClr val="2ECC70"/>
+          </a:solidFill>
+        </p:spPr>
+        <p:txBody>
+          <a:bodyPr wrap="square" lIns="0" tIns="0" rIns="0" bIns="0" rtlCol="0">
+            <a:noAutofit/>
+          </a:bodyPr>
+          <a:lstStyle/>
+          <a:p>
+            <a:endParaRPr/>
+          </a:p>
+        </p:txBody>
+      </p:sp>
+      <p:sp>
+        <p:nvSpPr>
+          <p:cNvPr id="49" name="object 12">
+            <a:extLst>
+              <a:ext uri="{FF2B5EF4-FFF2-40B4-BE49-F238E27FC236}">
+                <a16:creationId xmlns:a16="http://schemas.microsoft.com/office/drawing/2014/main" id="{9C08B1A8-C009-57EC-8F5B-ADC04A07D139}"/>
               </a:ext>
             </a:extLst>
           </p:cNvPr>
@@ -1680,44 +3328,50 @@
         </p:nvSpPr>
         <p:spPr>
           <a:xfrm>
-            <a:off x="254876" y="1667249"/>
-            <a:ext cx="2661754" cy="461665"/>
+            <a:off x="466083" y="1758198"/>
+            <a:ext cx="244474" cy="215899"/>
           </a:xfrm>
           <a:prstGeom prst="rect">
             <a:avLst/>
           </a:prstGeom>
-          <a:noFill/>
-        </p:spPr>
-        <p:txBody>
-          <a:bodyPr wrap="none" rtlCol="0">
-            <a:spAutoFit/>
-          </a:bodyPr>
-          <a:lstStyle/>
-          <a:p>
-            <a:pPr marL="285750" indent="-285750">
-              <a:buFont typeface="Arial" panose="020B0604020202020204" pitchFamily="34" charset="0"/>
-              <a:buChar char="•"/>
+        </p:spPr>
+        <p:txBody>
+          <a:bodyPr wrap="square" lIns="0" tIns="0" rIns="0" bIns="0" rtlCol="0">
+            <a:noAutofit/>
+          </a:bodyPr>
+          <a:lstStyle/>
+          <a:p>
+            <a:pPr marL="12700">
+              <a:lnSpc>
+                <a:spcPts val="1689"/>
+              </a:lnSpc>
+              <a:spcBef>
+                <a:spcPts val="94"/>
+              </a:spcBef>
             </a:pPr>
             <a:r>
-              <a:rPr lang="es-PE" sz="2400" dirty="0"/>
-              <a:t>Completar pagos</a:t>
-            </a:r>
-            <a:r>
-              <a:rPr lang="es-PE" sz="2400" dirty="0">
-                <a:latin typeface="Times New Roman" panose="02020603050405020304" pitchFamily="18" charset="0"/>
-                <a:cs typeface="Times New Roman" panose="02020603050405020304" pitchFamily="18" charset="0"/>
-              </a:rPr>
-              <a:t>.</a:t>
-            </a:r>
-          </a:p>
-        </p:txBody>
-      </p:sp>
-      <p:sp>
-        <p:nvSpPr>
-          <p:cNvPr id="4" name="CuadroTexto 3">
+              <a:rPr sz="2250" baseline="-1932" dirty="0">
+                <a:solidFill>
+                  <a:srgbClr val="1A5275"/>
+                </a:solidFill>
+                <a:latin typeface="Times New Roman"/>
+                <a:cs typeface="Times New Roman"/>
+              </a:rPr>
+              <a:t></a:t>
+            </a:r>
+            <a:endParaRPr sz="1500">
+              <a:latin typeface="Times New Roman"/>
+              <a:cs typeface="Times New Roman"/>
+            </a:endParaRPr>
+          </a:p>
+        </p:txBody>
+      </p:sp>
+      <p:sp>
+        <p:nvSpPr>
+          <p:cNvPr id="50" name="object 10">
             <a:extLst>
               <a:ext uri="{FF2B5EF4-FFF2-40B4-BE49-F238E27FC236}">
-                <a16:creationId xmlns:a16="http://schemas.microsoft.com/office/drawing/2014/main" id="{5EAE8D3D-F571-1DA2-914A-B28B188CF2AF}"/>
+                <a16:creationId xmlns:a16="http://schemas.microsoft.com/office/drawing/2014/main" id="{D741BA09-D754-8D94-5B12-AD23E3D0B0EB}"/>
               </a:ext>
             </a:extLst>
           </p:cNvPr>
@@ -1726,82 +3380,667 @@
         </p:nvSpPr>
         <p:spPr>
           <a:xfrm>
-            <a:off x="254876" y="838200"/>
-            <a:ext cx="3209533" cy="830997"/>
+            <a:off x="6422381" y="1789315"/>
+            <a:ext cx="244474" cy="215899"/>
           </a:xfrm>
           <a:prstGeom prst="rect">
             <a:avLst/>
           </a:prstGeom>
-          <a:noFill/>
-        </p:spPr>
-        <p:txBody>
-          <a:bodyPr wrap="none" rtlCol="0">
-            <a:spAutoFit/>
-          </a:bodyPr>
-          <a:lstStyle/>
-          <a:p>
-            <a:r>
-              <a:rPr lang="es-PE" sz="2400" b="1" spc="0" dirty="0">
+        </p:spPr>
+        <p:txBody>
+          <a:bodyPr wrap="square" lIns="0" tIns="0" rIns="0" bIns="0" rtlCol="0">
+            <a:noAutofit/>
+          </a:bodyPr>
+          <a:lstStyle/>
+          <a:p>
+            <a:pPr marL="12700">
+              <a:lnSpc>
+                <a:spcPts val="1689"/>
+              </a:lnSpc>
+              <a:spcBef>
+                <a:spcPts val="94"/>
+              </a:spcBef>
+            </a:pPr>
+            <a:r>
+              <a:rPr sz="2250" baseline="-1932" dirty="0">
                 <a:solidFill>
                   <a:srgbClr val="1A5275"/>
                 </a:solidFill>
                 <a:latin typeface="Times New Roman"/>
                 <a:cs typeface="Times New Roman"/>
               </a:rPr>
-              <a:t>Diagrama de secuencia</a:t>
-            </a:r>
-            <a:endParaRPr lang="es-PE" sz="2400" dirty="0">
+              <a:t></a:t>
+            </a:r>
+            <a:endParaRPr sz="1500">
               <a:latin typeface="Times New Roman"/>
               <a:cs typeface="Times New Roman"/>
             </a:endParaRPr>
           </a:p>
-          <a:p>
-            <a:endParaRPr lang="es-PE" sz="2400" dirty="0"/>
-          </a:p>
-        </p:txBody>
-      </p:sp>
-      <p:pic>
-        <p:nvPicPr>
-          <p:cNvPr id="5" name="Gráfico 4">
+        </p:txBody>
+      </p:sp>
+      <p:sp>
+        <p:nvSpPr>
+          <p:cNvPr id="51" name="object 8">
             <a:extLst>
               <a:ext uri="{FF2B5EF4-FFF2-40B4-BE49-F238E27FC236}">
-                <a16:creationId xmlns:a16="http://schemas.microsoft.com/office/drawing/2014/main" id="{3F891498-C96D-601B-AE0A-E1807263940B}"/>
+                <a16:creationId xmlns:a16="http://schemas.microsoft.com/office/drawing/2014/main" id="{BDA1C49C-C5B2-1365-32A6-5C0E7C848314}"/>
               </a:ext>
             </a:extLst>
           </p:cNvPr>
-          <p:cNvPicPr>
-            <a:picLocks noChangeAspect="1"/>
-          </p:cNvPicPr>
-          <p:nvPr/>
-        </p:nvPicPr>
-        <p:blipFill>
-          <a:blip r:embed="rId2">
+          <p:cNvSpPr txBox="1"/>
+          <p:nvPr/>
+        </p:nvSpPr>
+        <p:spPr>
+          <a:xfrm>
+            <a:off x="478783" y="3184564"/>
+            <a:ext cx="244474" cy="215899"/>
+          </a:xfrm>
+          <a:prstGeom prst="rect">
+            <a:avLst/>
+          </a:prstGeom>
+        </p:spPr>
+        <p:txBody>
+          <a:bodyPr wrap="square" lIns="0" tIns="0" rIns="0" bIns="0" rtlCol="0">
+            <a:noAutofit/>
+          </a:bodyPr>
+          <a:lstStyle/>
+          <a:p>
+            <a:pPr marL="12700">
+              <a:lnSpc>
+                <a:spcPts val="1689"/>
+              </a:lnSpc>
+              <a:spcBef>
+                <a:spcPts val="94"/>
+              </a:spcBef>
+            </a:pPr>
+            <a:r>
+              <a:rPr sz="2250" baseline="-1932" dirty="0">
+                <a:solidFill>
+                  <a:srgbClr val="1A5275"/>
+                </a:solidFill>
+                <a:latin typeface="Times New Roman"/>
+                <a:cs typeface="Times New Roman"/>
+              </a:rPr>
+              <a:t></a:t>
+            </a:r>
+            <a:endParaRPr sz="1500" dirty="0">
+              <a:latin typeface="Times New Roman"/>
+              <a:cs typeface="Times New Roman"/>
+            </a:endParaRPr>
+          </a:p>
+        </p:txBody>
+      </p:sp>
+      <p:sp>
+        <p:nvSpPr>
+          <p:cNvPr id="52" name="object 6">
             <a:extLst>
-              <a:ext uri="{96DAC541-7B7A-43D3-8B79-37D633B846F1}">
-                <asvg:svgBlip xmlns:asvg="http://schemas.microsoft.com/office/drawing/2016/SVG/main" r:embed="rId3"/>
+              <a:ext uri="{FF2B5EF4-FFF2-40B4-BE49-F238E27FC236}">
+                <a16:creationId xmlns:a16="http://schemas.microsoft.com/office/drawing/2014/main" id="{9C943086-11EA-5890-A8AB-F636F2F58C06}"/>
               </a:ext>
             </a:extLst>
-          </a:blip>
-          <a:stretch>
-            <a:fillRect/>
-          </a:stretch>
-        </p:blipFill>
-        <p:spPr>
-          <a:xfrm>
-            <a:off x="4572000" y="361603"/>
-            <a:ext cx="6540062" cy="6896793"/>
+          </p:cNvPr>
+          <p:cNvSpPr txBox="1"/>
+          <p:nvPr/>
+        </p:nvSpPr>
+        <p:spPr>
+          <a:xfrm>
+            <a:off x="6372876" y="3488338"/>
+            <a:ext cx="244474" cy="215899"/>
           </a:xfrm>
           <a:prstGeom prst="rect">
             <a:avLst/>
           </a:prstGeom>
         </p:spPr>
-      </p:pic>
+        <p:txBody>
+          <a:bodyPr wrap="square" lIns="0" tIns="0" rIns="0" bIns="0" rtlCol="0">
+            <a:noAutofit/>
+          </a:bodyPr>
+          <a:lstStyle/>
+          <a:p>
+            <a:pPr marL="12700">
+              <a:lnSpc>
+                <a:spcPts val="1689"/>
+              </a:lnSpc>
+              <a:spcBef>
+                <a:spcPts val="94"/>
+              </a:spcBef>
+            </a:pPr>
+            <a:r>
+              <a:rPr sz="2250" baseline="-1932" dirty="0">
+                <a:solidFill>
+                  <a:srgbClr val="1A5275"/>
+                </a:solidFill>
+                <a:latin typeface="Times New Roman"/>
+                <a:cs typeface="Times New Roman"/>
+              </a:rPr>
+              <a:t></a:t>
+            </a:r>
+            <a:endParaRPr sz="1500">
+              <a:latin typeface="Times New Roman"/>
+              <a:cs typeface="Times New Roman"/>
+            </a:endParaRPr>
+          </a:p>
+        </p:txBody>
+      </p:sp>
+      <p:sp>
+        <p:nvSpPr>
+          <p:cNvPr id="54" name="CuadroTexto 53">
+            <a:extLst>
+              <a:ext uri="{FF2B5EF4-FFF2-40B4-BE49-F238E27FC236}">
+                <a16:creationId xmlns:a16="http://schemas.microsoft.com/office/drawing/2014/main" id="{6A8CA673-CECE-B260-286A-60B4AADEFB70}"/>
+              </a:ext>
+            </a:extLst>
+          </p:cNvPr>
+          <p:cNvSpPr txBox="1"/>
+          <p:nvPr/>
+        </p:nvSpPr>
+        <p:spPr>
+          <a:xfrm>
+            <a:off x="767707" y="1602840"/>
+            <a:ext cx="5066653" cy="954107"/>
+          </a:xfrm>
+          <a:prstGeom prst="rect">
+            <a:avLst/>
+          </a:prstGeom>
+          <a:noFill/>
+        </p:spPr>
+        <p:txBody>
+          <a:bodyPr wrap="square" rtlCol="0">
+            <a:spAutoFit/>
+          </a:bodyPr>
+          <a:lstStyle/>
+          <a:p>
+            <a:r>
+              <a:rPr lang="es-ES" sz="2000" b="1" dirty="0">
+                <a:solidFill>
+                  <a:srgbClr val="333333"/>
+                </a:solidFill>
+                <a:effectLst/>
+                <a:latin typeface="Times New Roman" panose="02020603050405020304" pitchFamily="18" charset="0"/>
+                <a:cs typeface="Times New Roman" panose="02020603050405020304" pitchFamily="18" charset="0"/>
+              </a:rPr>
+              <a:t>Extender pruebas</a:t>
+            </a:r>
+          </a:p>
+          <a:p>
+            <a:r>
+              <a:rPr lang="es-ES" sz="1800" dirty="0">
+                <a:solidFill>
+                  <a:srgbClr val="333333"/>
+                </a:solidFill>
+                <a:effectLst/>
+                <a:latin typeface="LiberationSans"/>
+              </a:rPr>
+              <a:t>Uso continuo de 2–4 semanas para evaluar rendimiento real y medir indicadores clave.</a:t>
+            </a:r>
+            <a:endParaRPr lang="es-PE" sz="2400" dirty="0">
+              <a:latin typeface="Times New Roman" panose="02020603050405020304" pitchFamily="18" charset="0"/>
+              <a:cs typeface="Times New Roman" panose="02020603050405020304" pitchFamily="18" charset="0"/>
+            </a:endParaRPr>
+          </a:p>
+        </p:txBody>
+      </p:sp>
+      <p:sp>
+        <p:nvSpPr>
+          <p:cNvPr id="55" name="CuadroTexto 54">
+            <a:extLst>
+              <a:ext uri="{FF2B5EF4-FFF2-40B4-BE49-F238E27FC236}">
+                <a16:creationId xmlns:a16="http://schemas.microsoft.com/office/drawing/2014/main" id="{78061E61-02B7-10DE-CE46-D71F6DDB0185}"/>
+              </a:ext>
+            </a:extLst>
+          </p:cNvPr>
+          <p:cNvSpPr txBox="1"/>
+          <p:nvPr/>
+        </p:nvSpPr>
+        <p:spPr>
+          <a:xfrm>
+            <a:off x="710557" y="3011527"/>
+            <a:ext cx="5066653" cy="954107"/>
+          </a:xfrm>
+          <a:prstGeom prst="rect">
+            <a:avLst/>
+          </a:prstGeom>
+          <a:noFill/>
+        </p:spPr>
+        <p:txBody>
+          <a:bodyPr wrap="square" rtlCol="0">
+            <a:spAutoFit/>
+          </a:bodyPr>
+          <a:lstStyle/>
+          <a:p>
+            <a:r>
+              <a:rPr lang="es-ES" sz="2000" b="1" dirty="0">
+                <a:solidFill>
+                  <a:srgbClr val="333333"/>
+                </a:solidFill>
+                <a:effectLst/>
+                <a:latin typeface="Times New Roman" panose="02020603050405020304" pitchFamily="18" charset="0"/>
+                <a:cs typeface="Times New Roman" panose="02020603050405020304" pitchFamily="18" charset="0"/>
+              </a:rPr>
+              <a:t>Optimizar experiencia</a:t>
+            </a:r>
+          </a:p>
+          <a:p>
+            <a:r>
+              <a:rPr lang="es-ES" sz="1800" dirty="0">
+                <a:solidFill>
+                  <a:srgbClr val="333333"/>
+                </a:solidFill>
+                <a:effectLst/>
+                <a:latin typeface="LiberationSans"/>
+              </a:rPr>
+              <a:t>Mejorar el diseño responsivo para un uso claro y rápido en todo tipo de pantallas.</a:t>
+            </a:r>
+            <a:endParaRPr lang="es-PE" sz="2400" dirty="0">
+              <a:latin typeface="Times New Roman" panose="02020603050405020304" pitchFamily="18" charset="0"/>
+              <a:cs typeface="Times New Roman" panose="02020603050405020304" pitchFamily="18" charset="0"/>
+            </a:endParaRPr>
+          </a:p>
+        </p:txBody>
+      </p:sp>
+      <p:sp>
+        <p:nvSpPr>
+          <p:cNvPr id="57" name="CuadroTexto 56">
+            <a:extLst>
+              <a:ext uri="{FF2B5EF4-FFF2-40B4-BE49-F238E27FC236}">
+                <a16:creationId xmlns:a16="http://schemas.microsoft.com/office/drawing/2014/main" id="{770CAC84-B140-D06F-7AE5-238082061BCE}"/>
+              </a:ext>
+            </a:extLst>
+          </p:cNvPr>
+          <p:cNvSpPr txBox="1"/>
+          <p:nvPr/>
+        </p:nvSpPr>
+        <p:spPr>
+          <a:xfrm>
+            <a:off x="6705600" y="1578462"/>
+            <a:ext cx="5066653" cy="954107"/>
+          </a:xfrm>
+          <a:prstGeom prst="rect">
+            <a:avLst/>
+          </a:prstGeom>
+          <a:noFill/>
+        </p:spPr>
+        <p:txBody>
+          <a:bodyPr wrap="square" rtlCol="0">
+            <a:spAutoFit/>
+          </a:bodyPr>
+          <a:lstStyle/>
+          <a:p>
+            <a:r>
+              <a:rPr lang="es-ES" sz="2000" b="1" dirty="0">
+                <a:solidFill>
+                  <a:srgbClr val="333333"/>
+                </a:solidFill>
+                <a:effectLst/>
+                <a:latin typeface="Times New Roman" panose="02020603050405020304" pitchFamily="18" charset="0"/>
+                <a:cs typeface="Times New Roman" panose="02020603050405020304" pitchFamily="18" charset="0"/>
+              </a:rPr>
+              <a:t>Monitorear reportes</a:t>
+            </a:r>
+          </a:p>
+          <a:p>
+            <a:r>
+              <a:rPr lang="es-ES" sz="1800" dirty="0">
+                <a:solidFill>
+                  <a:srgbClr val="333333"/>
+                </a:solidFill>
+                <a:effectLst/>
+                <a:latin typeface="LiberationSans"/>
+              </a:rPr>
+              <a:t>Revisar periódicamente su uso y hacer ajustes para mayor utilidad y claridad.</a:t>
+            </a:r>
+            <a:endParaRPr lang="es-PE" sz="2400" dirty="0">
+              <a:latin typeface="Times New Roman" panose="02020603050405020304" pitchFamily="18" charset="0"/>
+              <a:cs typeface="Times New Roman" panose="02020603050405020304" pitchFamily="18" charset="0"/>
+            </a:endParaRPr>
+          </a:p>
+        </p:txBody>
+      </p:sp>
+      <p:sp>
+        <p:nvSpPr>
+          <p:cNvPr id="58" name="CuadroTexto 57">
+            <a:extLst>
+              <a:ext uri="{FF2B5EF4-FFF2-40B4-BE49-F238E27FC236}">
+                <a16:creationId xmlns:a16="http://schemas.microsoft.com/office/drawing/2014/main" id="{6FFEFCD4-422F-B1F4-CCD6-0C8CFD557C5E}"/>
+              </a:ext>
+            </a:extLst>
+          </p:cNvPr>
+          <p:cNvSpPr txBox="1"/>
+          <p:nvPr/>
+        </p:nvSpPr>
+        <p:spPr>
+          <a:xfrm>
+            <a:off x="6648452" y="3281102"/>
+            <a:ext cx="5066653" cy="954107"/>
+          </a:xfrm>
+          <a:prstGeom prst="rect">
+            <a:avLst/>
+          </a:prstGeom>
+          <a:noFill/>
+        </p:spPr>
+        <p:txBody>
+          <a:bodyPr wrap="square" rtlCol="0">
+            <a:spAutoFit/>
+          </a:bodyPr>
+          <a:lstStyle/>
+          <a:p>
+            <a:r>
+              <a:rPr lang="es-ES" sz="2000" b="1" dirty="0">
+                <a:solidFill>
+                  <a:srgbClr val="333333"/>
+                </a:solidFill>
+                <a:effectLst/>
+                <a:latin typeface="Times New Roman" panose="02020603050405020304" pitchFamily="18" charset="0"/>
+                <a:cs typeface="Times New Roman" panose="02020603050405020304" pitchFamily="18" charset="0"/>
+              </a:rPr>
+              <a:t>Planificar mejoras</a:t>
+            </a:r>
+          </a:p>
+          <a:p>
+            <a:r>
+              <a:rPr lang="es-ES" sz="1800" dirty="0">
+                <a:solidFill>
+                  <a:srgbClr val="333333"/>
+                </a:solidFill>
+                <a:effectLst/>
+                <a:latin typeface="LiberationSans"/>
+              </a:rPr>
+              <a:t> Incorporar funciones avanzadas solo tras estabilizar el sistema, priorizando las de mayor valor.</a:t>
+            </a:r>
+            <a:endParaRPr lang="es-PE" sz="2400" dirty="0">
+              <a:latin typeface="Times New Roman" panose="02020603050405020304" pitchFamily="18" charset="0"/>
+              <a:cs typeface="Times New Roman" panose="02020603050405020304" pitchFamily="18" charset="0"/>
+            </a:endParaRPr>
+          </a:p>
+        </p:txBody>
+      </p:sp>
+      <p:sp>
+        <p:nvSpPr>
+          <p:cNvPr id="2" name="object 15">
+            <a:extLst>
+              <a:ext uri="{FF2B5EF4-FFF2-40B4-BE49-F238E27FC236}">
+                <a16:creationId xmlns:a16="http://schemas.microsoft.com/office/drawing/2014/main" id="{AAF81FD9-89AC-9114-6753-3F6DB7C84BD0}"/>
+              </a:ext>
+            </a:extLst>
+          </p:cNvPr>
+          <p:cNvSpPr/>
+          <p:nvPr/>
+        </p:nvSpPr>
+        <p:spPr>
+          <a:xfrm>
+            <a:off x="3414748" y="4927785"/>
+            <a:ext cx="5467350" cy="1174997"/>
+          </a:xfrm>
+          <a:custGeom>
+            <a:avLst/>
+            <a:gdLst/>
+            <a:ahLst/>
+            <a:cxnLst/>
+            <a:rect l="l" t="t" r="r" b="b"/>
+            <a:pathLst>
+              <a:path w="5467350" h="1428749">
+                <a:moveTo>
+                  <a:pt x="0" y="1390649"/>
+                </a:moveTo>
+                <a:lnTo>
+                  <a:pt x="0" y="33047"/>
+                </a:lnTo>
+                <a:lnTo>
+                  <a:pt x="5579" y="11158"/>
+                </a:lnTo>
+                <a:lnTo>
+                  <a:pt x="7365" y="7586"/>
+                </a:lnTo>
+                <a:lnTo>
+                  <a:pt x="9425" y="4833"/>
+                </a:lnTo>
+                <a:lnTo>
+                  <a:pt x="11759" y="2899"/>
+                </a:lnTo>
+                <a:lnTo>
+                  <a:pt x="14093" y="966"/>
+                </a:lnTo>
+                <a:lnTo>
+                  <a:pt x="16523" y="0"/>
+                </a:lnTo>
+                <a:lnTo>
+                  <a:pt x="5434302" y="0"/>
+                </a:lnTo>
+                <a:lnTo>
+                  <a:pt x="5464449" y="23519"/>
+                </a:lnTo>
+                <a:lnTo>
+                  <a:pt x="5466382" y="28186"/>
+                </a:lnTo>
+                <a:lnTo>
+                  <a:pt x="5467350" y="33047"/>
+                </a:lnTo>
+                <a:lnTo>
+                  <a:pt x="5467350" y="1395702"/>
+                </a:lnTo>
+                <a:lnTo>
+                  <a:pt x="5443829" y="1425849"/>
+                </a:lnTo>
+                <a:lnTo>
+                  <a:pt x="5434302" y="1428749"/>
+                </a:lnTo>
+                <a:lnTo>
+                  <a:pt x="16523" y="1428749"/>
+                </a:lnTo>
+                <a:lnTo>
+                  <a:pt x="5579" y="1417590"/>
+                </a:lnTo>
+                <a:lnTo>
+                  <a:pt x="3792" y="1414017"/>
+                </a:lnTo>
+                <a:lnTo>
+                  <a:pt x="2416" y="1409897"/>
+                </a:lnTo>
+                <a:lnTo>
+                  <a:pt x="1449" y="1405229"/>
+                </a:lnTo>
+                <a:lnTo>
+                  <a:pt x="483" y="1400562"/>
+                </a:lnTo>
+                <a:lnTo>
+                  <a:pt x="0" y="1395702"/>
+                </a:lnTo>
+                <a:lnTo>
+                  <a:pt x="0" y="1390649"/>
+                </a:lnTo>
+                <a:close/>
+              </a:path>
+            </a:pathLst>
+          </a:custGeom>
+          <a:solidFill>
+            <a:srgbClr val="F7F9FA"/>
+          </a:solidFill>
+        </p:spPr>
+        <p:txBody>
+          <a:bodyPr wrap="square" lIns="0" tIns="0" rIns="0" bIns="0" rtlCol="0">
+            <a:noAutofit/>
+          </a:bodyPr>
+          <a:lstStyle/>
+          <a:p>
+            <a:endParaRPr/>
+          </a:p>
+        </p:txBody>
+      </p:sp>
+      <p:sp>
+        <p:nvSpPr>
+          <p:cNvPr id="3" name="object 16">
+            <a:extLst>
+              <a:ext uri="{FF2B5EF4-FFF2-40B4-BE49-F238E27FC236}">
+                <a16:creationId xmlns:a16="http://schemas.microsoft.com/office/drawing/2014/main" id="{12E8BB6A-94FE-ADAF-20FC-717A19303A76}"/>
+              </a:ext>
+            </a:extLst>
+          </p:cNvPr>
+          <p:cNvSpPr/>
+          <p:nvPr/>
+        </p:nvSpPr>
+        <p:spPr>
+          <a:xfrm>
+            <a:off x="3395698" y="4927785"/>
+            <a:ext cx="5486399" cy="954107"/>
+          </a:xfrm>
+          <a:custGeom>
+            <a:avLst/>
+            <a:gdLst/>
+            <a:ahLst/>
+            <a:cxnLst/>
+            <a:rect l="l" t="t" r="r" b="b"/>
+            <a:pathLst>
+              <a:path w="5486399" h="1428749">
+                <a:moveTo>
+                  <a:pt x="38099" y="0"/>
+                </a:moveTo>
+                <a:lnTo>
+                  <a:pt x="2116" y="25230"/>
+                </a:lnTo>
+                <a:lnTo>
+                  <a:pt x="0" y="38099"/>
+                </a:lnTo>
+                <a:lnTo>
+                  <a:pt x="0" y="1390649"/>
+                </a:lnTo>
+                <a:lnTo>
+                  <a:pt x="25230" y="1426633"/>
+                </a:lnTo>
+                <a:lnTo>
+                  <a:pt x="38099" y="1428749"/>
+                </a:lnTo>
+                <a:lnTo>
+                  <a:pt x="38099" y="0"/>
+                </a:lnTo>
+                <a:close/>
+              </a:path>
+            </a:pathLst>
+          </a:custGeom>
+          <a:solidFill>
+            <a:srgbClr val="2ECC70"/>
+          </a:solidFill>
+        </p:spPr>
+        <p:txBody>
+          <a:bodyPr wrap="square" lIns="0" tIns="0" rIns="0" bIns="0" rtlCol="0">
+            <a:noAutofit/>
+          </a:bodyPr>
+          <a:lstStyle/>
+          <a:p>
+            <a:endParaRPr/>
+          </a:p>
+        </p:txBody>
+      </p:sp>
+      <p:sp>
+        <p:nvSpPr>
+          <p:cNvPr id="4" name="object 6">
+            <a:extLst>
+              <a:ext uri="{FF2B5EF4-FFF2-40B4-BE49-F238E27FC236}">
+                <a16:creationId xmlns:a16="http://schemas.microsoft.com/office/drawing/2014/main" id="{08B0A379-9817-CD94-51C1-00159C3A3391}"/>
+              </a:ext>
+            </a:extLst>
+          </p:cNvPr>
+          <p:cNvSpPr txBox="1"/>
+          <p:nvPr/>
+        </p:nvSpPr>
+        <p:spPr>
+          <a:xfrm>
+            <a:off x="3563973" y="5100822"/>
+            <a:ext cx="244474" cy="215899"/>
+          </a:xfrm>
+          <a:prstGeom prst="rect">
+            <a:avLst/>
+          </a:prstGeom>
+        </p:spPr>
+        <p:txBody>
+          <a:bodyPr wrap="square" lIns="0" tIns="0" rIns="0" bIns="0" rtlCol="0">
+            <a:noAutofit/>
+          </a:bodyPr>
+          <a:lstStyle/>
+          <a:p>
+            <a:pPr marL="12700">
+              <a:lnSpc>
+                <a:spcPts val="1689"/>
+              </a:lnSpc>
+              <a:spcBef>
+                <a:spcPts val="94"/>
+              </a:spcBef>
+            </a:pPr>
+            <a:r>
+              <a:rPr sz="2250" baseline="-1932" dirty="0">
+                <a:solidFill>
+                  <a:srgbClr val="1A5275"/>
+                </a:solidFill>
+                <a:latin typeface="Times New Roman"/>
+                <a:cs typeface="Times New Roman"/>
+              </a:rPr>
+              <a:t></a:t>
+            </a:r>
+            <a:endParaRPr sz="1500">
+              <a:latin typeface="Times New Roman"/>
+              <a:cs typeface="Times New Roman"/>
+            </a:endParaRPr>
+          </a:p>
+        </p:txBody>
+      </p:sp>
+      <p:sp>
+        <p:nvSpPr>
+          <p:cNvPr id="5" name="CuadroTexto 4">
+            <a:extLst>
+              <a:ext uri="{FF2B5EF4-FFF2-40B4-BE49-F238E27FC236}">
+                <a16:creationId xmlns:a16="http://schemas.microsoft.com/office/drawing/2014/main" id="{55CEFB6D-B81E-0541-B6AD-168688191E6B}"/>
+              </a:ext>
+            </a:extLst>
+          </p:cNvPr>
+          <p:cNvSpPr txBox="1"/>
+          <p:nvPr/>
+        </p:nvSpPr>
+        <p:spPr>
+          <a:xfrm>
+            <a:off x="3839549" y="4893586"/>
+            <a:ext cx="5066653" cy="954107"/>
+          </a:xfrm>
+          <a:prstGeom prst="rect">
+            <a:avLst/>
+          </a:prstGeom>
+          <a:noFill/>
+        </p:spPr>
+        <p:txBody>
+          <a:bodyPr wrap="square" rtlCol="0">
+            <a:spAutoFit/>
+          </a:bodyPr>
+          <a:lstStyle/>
+          <a:p>
+            <a:r>
+              <a:rPr lang="es-ES" sz="2000" b="1" dirty="0">
+                <a:solidFill>
+                  <a:srgbClr val="333333"/>
+                </a:solidFill>
+                <a:effectLst/>
+                <a:latin typeface="Times New Roman" panose="02020603050405020304" pitchFamily="18" charset="0"/>
+                <a:cs typeface="Times New Roman" panose="02020603050405020304" pitchFamily="18" charset="0"/>
+              </a:rPr>
+              <a:t>Registro de incidencias</a:t>
+            </a:r>
+          </a:p>
+          <a:p>
+            <a:r>
+              <a:rPr lang="es-ES" sz="1800" dirty="0">
+                <a:solidFill>
+                  <a:srgbClr val="333333"/>
+                </a:solidFill>
+                <a:effectLst/>
+                <a:latin typeface="LiberationSans"/>
+              </a:rPr>
+              <a:t>Implementar un canal interno para reportar problemas y sugerencias de mejora.</a:t>
+            </a:r>
+            <a:endParaRPr lang="es-PE" sz="2400" dirty="0">
+              <a:latin typeface="Times New Roman" panose="02020603050405020304" pitchFamily="18" charset="0"/>
+              <a:cs typeface="Times New Roman" panose="02020603050405020304" pitchFamily="18" charset="0"/>
+            </a:endParaRPr>
+          </a:p>
+        </p:txBody>
+      </p:sp>
     </p:spTree>
-    <p:extLst>
-      <p:ext uri="{BB962C8B-B14F-4D97-AF65-F5344CB8AC3E}">
-        <p14:creationId xmlns:p14="http://schemas.microsoft.com/office/powerpoint/2010/main" val="138309209"/>
-      </p:ext>
-    </p:extLst>
   </p:cSld>
   <p:clrMapOvr>
     <a:masterClrMapping/>
@@ -1828,134 +4067,54 @@
       </p:grpSpPr>
       <p:sp>
         <p:nvSpPr>
-          <p:cNvPr id="34" name="CuadroTexto 33">
-            <a:extLst>
-              <a:ext uri="{FF2B5EF4-FFF2-40B4-BE49-F238E27FC236}">
-                <a16:creationId xmlns:a16="http://schemas.microsoft.com/office/drawing/2014/main" id="{545B257C-951B-8197-8030-D341D25FE7E3}"/>
-              </a:ext>
-            </a:extLst>
-          </p:cNvPr>
+          <p:cNvPr id="20" name="object 20"/>
           <p:cNvSpPr txBox="1"/>
           <p:nvPr/>
         </p:nvSpPr>
         <p:spPr>
           <a:xfrm>
-            <a:off x="254876" y="1667249"/>
-            <a:ext cx="2412840" cy="461665"/>
+            <a:off x="4542577" y="2819400"/>
+            <a:ext cx="3106845" cy="368299"/>
           </a:xfrm>
           <a:prstGeom prst="rect">
             <a:avLst/>
           </a:prstGeom>
-          <a:noFill/>
-        </p:spPr>
-        <p:txBody>
-          <a:bodyPr wrap="none" rtlCol="0">
-            <a:spAutoFit/>
-          </a:bodyPr>
-          <a:lstStyle/>
-          <a:p>
-            <a:pPr marL="285750" indent="-285750">
-              <a:buFont typeface="Arial" panose="020B0604020202020204" pitchFamily="34" charset="0"/>
-              <a:buChar char="•"/>
+        </p:spPr>
+        <p:txBody>
+          <a:bodyPr wrap="square" lIns="0" tIns="0" rIns="0" bIns="0" rtlCol="0">
+            <a:noAutofit/>
+          </a:bodyPr>
+          <a:lstStyle/>
+          <a:p>
+            <a:pPr marL="12700" algn="ctr">
+              <a:lnSpc>
+                <a:spcPts val="2870"/>
+              </a:lnSpc>
+              <a:spcBef>
+                <a:spcPts val="143"/>
+              </a:spcBef>
             </a:pPr>
             <a:r>
-              <a:rPr lang="es-PE" sz="2400" dirty="0">
-                <a:latin typeface="Times New Roman" panose="02020603050405020304" pitchFamily="18" charset="0"/>
-                <a:cs typeface="Times New Roman" panose="02020603050405020304" pitchFamily="18" charset="0"/>
-              </a:rPr>
-              <a:t>Anular reservas</a:t>
-            </a:r>
-          </a:p>
-        </p:txBody>
-      </p:sp>
-      <p:sp>
-        <p:nvSpPr>
-          <p:cNvPr id="4" name="CuadroTexto 3">
-            <a:extLst>
-              <a:ext uri="{FF2B5EF4-FFF2-40B4-BE49-F238E27FC236}">
-                <a16:creationId xmlns:a16="http://schemas.microsoft.com/office/drawing/2014/main" id="{5EAE8D3D-F571-1DA2-914A-B28B188CF2AF}"/>
-              </a:ext>
-            </a:extLst>
-          </p:cNvPr>
-          <p:cNvSpPr txBox="1"/>
-          <p:nvPr/>
-        </p:nvSpPr>
-        <p:spPr>
-          <a:xfrm>
-            <a:off x="254876" y="838200"/>
-            <a:ext cx="3209533" cy="830997"/>
-          </a:xfrm>
-          <a:prstGeom prst="rect">
-            <a:avLst/>
-          </a:prstGeom>
-          <a:noFill/>
-        </p:spPr>
-        <p:txBody>
-          <a:bodyPr wrap="none" rtlCol="0">
-            <a:spAutoFit/>
-          </a:bodyPr>
-          <a:lstStyle/>
-          <a:p>
-            <a:r>
-              <a:rPr lang="es-PE" sz="2400" b="1" spc="0" dirty="0">
+              <a:rPr lang="es-ES" sz="4400" b="1" spc="0" dirty="0">
                 <a:solidFill>
                   <a:srgbClr val="1A5275"/>
                 </a:solidFill>
                 <a:latin typeface="Times New Roman"/>
                 <a:cs typeface="Times New Roman"/>
               </a:rPr>
-              <a:t>Diagrama de secuencia</a:t>
-            </a:r>
-            <a:endParaRPr lang="es-PE" sz="2400" dirty="0">
+              <a:t>Anexos</a:t>
+            </a:r>
+            <a:endParaRPr sz="4400" dirty="0">
               <a:latin typeface="Times New Roman"/>
               <a:cs typeface="Times New Roman"/>
             </a:endParaRPr>
           </a:p>
-          <a:p>
-            <a:endParaRPr lang="es-PE" sz="2400" dirty="0"/>
-          </a:p>
-        </p:txBody>
-      </p:sp>
-      <p:pic>
-        <p:nvPicPr>
-          <p:cNvPr id="9" name="Gráfico 8">
-            <a:extLst>
-              <a:ext uri="{FF2B5EF4-FFF2-40B4-BE49-F238E27FC236}">
-                <a16:creationId xmlns:a16="http://schemas.microsoft.com/office/drawing/2014/main" id="{0788D5DD-264B-68C4-740A-696F223F4E9D}"/>
-              </a:ext>
-            </a:extLst>
-          </p:cNvPr>
-          <p:cNvPicPr>
-            <a:picLocks noChangeAspect="1"/>
-          </p:cNvPicPr>
-          <p:nvPr/>
-        </p:nvPicPr>
-        <p:blipFill>
-          <a:blip r:embed="rId2">
-            <a:extLst>
-              <a:ext uri="{96DAC541-7B7A-43D3-8B79-37D633B846F1}">
-                <asvg:svgBlip xmlns:asvg="http://schemas.microsoft.com/office/drawing/2016/SVG/main" r:embed="rId3"/>
-              </a:ext>
-            </a:extLst>
-          </a:blip>
-          <a:stretch>
-            <a:fillRect/>
-          </a:stretch>
-        </p:blipFill>
-        <p:spPr>
-          <a:xfrm>
-            <a:off x="3886200" y="705178"/>
-            <a:ext cx="7334250" cy="6105525"/>
-          </a:xfrm>
-          <a:prstGeom prst="rect">
-            <a:avLst/>
-          </a:prstGeom>
-        </p:spPr>
-      </p:pic>
+        </p:txBody>
+      </p:sp>
     </p:spTree>
     <p:extLst>
       <p:ext uri="{BB962C8B-B14F-4D97-AF65-F5344CB8AC3E}">
-        <p14:creationId xmlns:p14="http://schemas.microsoft.com/office/powerpoint/2010/main" val="136037848"/>
+        <p14:creationId xmlns:p14="http://schemas.microsoft.com/office/powerpoint/2010/main" val="1500590613"/>
       </p:ext>
     </p:extLst>
   </p:cSld>
@@ -2162,6 +4321,41 @@
           </a:p>
         </p:txBody>
       </p:sp>
+      <p:pic>
+        <p:nvPicPr>
+          <p:cNvPr id="33" name="Gráfico 32">
+            <a:extLst>
+              <a:ext uri="{FF2B5EF4-FFF2-40B4-BE49-F238E27FC236}">
+                <a16:creationId xmlns:a16="http://schemas.microsoft.com/office/drawing/2014/main" id="{0F58813E-4081-19F8-7B85-5E91B9FF9A56}"/>
+              </a:ext>
+            </a:extLst>
+          </p:cNvPr>
+          <p:cNvPicPr>
+            <a:picLocks noChangeAspect="1"/>
+          </p:cNvPicPr>
+          <p:nvPr/>
+        </p:nvPicPr>
+        <p:blipFill rotWithShape="1">
+          <a:blip r:embed="rId2">
+            <a:extLst>
+              <a:ext uri="{96DAC541-7B7A-43D3-8B79-37D633B846F1}">
+                <asvg:svgBlip xmlns:asvg="http://schemas.microsoft.com/office/drawing/2016/SVG/main" r:embed="rId3"/>
+              </a:ext>
+            </a:extLst>
+          </a:blip>
+          <a:srcRect r="1326" b="59678"/>
+          <a:stretch/>
+        </p:blipFill>
+        <p:spPr>
+          <a:xfrm>
+            <a:off x="1724455" y="3200400"/>
+            <a:ext cx="8743090" cy="4186282"/>
+          </a:xfrm>
+          <a:prstGeom prst="rect">
+            <a:avLst/>
+          </a:prstGeom>
+        </p:spPr>
+      </p:pic>
       <p:sp>
         <p:nvSpPr>
           <p:cNvPr id="34" name="CuadroTexto 33">
@@ -2177,7 +4371,7 @@
         <p:spPr>
           <a:xfrm>
             <a:off x="527789" y="2003925"/>
-            <a:ext cx="1994649" cy="369332"/>
+            <a:ext cx="2968954" cy="461665"/>
           </a:xfrm>
           <a:prstGeom prst="rect">
             <a:avLst/>
@@ -2195,63 +4389,20 @@
               <a:buChar char="•"/>
             </a:pPr>
             <a:r>
+              <a:rPr lang="es-PE" sz="2400" dirty="0">
+                <a:latin typeface="Times New Roman" panose="02020603050405020304" pitchFamily="18" charset="0"/>
+                <a:cs typeface="Times New Roman" panose="02020603050405020304" pitchFamily="18" charset="0"/>
+              </a:rPr>
+              <a:t>Ver reservas del día</a:t>
+            </a:r>
+            <a:r>
               <a:rPr lang="es-PE" dirty="0"/>
-              <a:t>Ingresos del día.</a:t>
-            </a:r>
-          </a:p>
-        </p:txBody>
-      </p:sp>
-      <p:pic>
-        <p:nvPicPr>
-          <p:cNvPr id="7170" name="Picture 2">
-            <a:extLst>
-              <a:ext uri="{FF2B5EF4-FFF2-40B4-BE49-F238E27FC236}">
-                <a16:creationId xmlns:a16="http://schemas.microsoft.com/office/drawing/2014/main" id="{D0CE381E-B1E3-EAF8-A6F2-95E30B0EB61F}"/>
-              </a:ext>
-            </a:extLst>
-          </p:cNvPr>
-          <p:cNvPicPr>
-            <a:picLocks noChangeAspect="1" noChangeArrowheads="1"/>
-          </p:cNvPicPr>
-          <p:nvPr/>
-        </p:nvPicPr>
-        <p:blipFill rotWithShape="1">
-          <a:blip r:embed="rId2" cstate="print">
-            <a:extLst>
-              <a:ext uri="{28A0092B-C50C-407E-A947-70E740481C1C}">
-                <a14:useLocalDpi xmlns:a14="http://schemas.microsoft.com/office/drawing/2010/main" val="0"/>
-              </a:ext>
-            </a:extLst>
-          </a:blip>
-          <a:srcRect r="5056" b="57692"/>
-          <a:stretch/>
-        </p:blipFill>
-        <p:spPr bwMode="auto">
-          <a:xfrm>
-            <a:off x="1756519" y="2743962"/>
-            <a:ext cx="8678962" cy="4519223"/>
-          </a:xfrm>
-          <a:prstGeom prst="rect">
-            <a:avLst/>
-          </a:prstGeom>
-          <a:noFill/>
-          <a:extLst>
-            <a:ext uri="{909E8E84-426E-40DD-AFC4-6F175D3DCCD1}">
-              <a14:hiddenFill xmlns:a14="http://schemas.microsoft.com/office/drawing/2010/main">
-                <a:solidFill>
-                  <a:srgbClr val="FFFFFF"/>
-                </a:solidFill>
-              </a14:hiddenFill>
-            </a:ext>
-          </a:extLst>
-        </p:spPr>
-      </p:pic>
+              <a:t>.</a:t>
+            </a:r>
+          </a:p>
+        </p:txBody>
+      </p:sp>
     </p:spTree>
-    <p:extLst>
-      <p:ext uri="{BB962C8B-B14F-4D97-AF65-F5344CB8AC3E}">
-        <p14:creationId xmlns:p14="http://schemas.microsoft.com/office/powerpoint/2010/main" val="2804702115"/>
-      </p:ext>
-    </p:extLst>
   </p:cSld>
   <p:clrMapOvr>
     <a:masterClrMapping/>
@@ -2278,837 +4429,14 @@
       </p:grpSpPr>
       <p:sp>
         <p:nvSpPr>
-          <p:cNvPr id="23" name="object 23"/>
-          <p:cNvSpPr/>
-          <p:nvPr/>
-        </p:nvSpPr>
-        <p:spPr>
-          <a:xfrm>
-            <a:off x="337200" y="1204162"/>
-            <a:ext cx="5467349" cy="1217709"/>
-          </a:xfrm>
-          <a:custGeom>
-            <a:avLst/>
-            <a:gdLst/>
-            <a:ahLst/>
-            <a:cxnLst/>
-            <a:rect l="l" t="t" r="r" b="b"/>
-            <a:pathLst>
-              <a:path w="5467349" h="1142999">
-                <a:moveTo>
-                  <a:pt x="0" y="1104899"/>
-                </a:moveTo>
-                <a:lnTo>
-                  <a:pt x="0" y="33047"/>
-                </a:lnTo>
-                <a:lnTo>
-                  <a:pt x="5579" y="11159"/>
-                </a:lnTo>
-                <a:lnTo>
-                  <a:pt x="7365" y="7586"/>
-                </a:lnTo>
-                <a:lnTo>
-                  <a:pt x="9425" y="4833"/>
-                </a:lnTo>
-                <a:lnTo>
-                  <a:pt x="11759" y="2900"/>
-                </a:lnTo>
-                <a:lnTo>
-                  <a:pt x="14093" y="966"/>
-                </a:lnTo>
-                <a:lnTo>
-                  <a:pt x="16523" y="0"/>
-                </a:lnTo>
-                <a:lnTo>
-                  <a:pt x="5434301" y="0"/>
-                </a:lnTo>
-                <a:lnTo>
-                  <a:pt x="5464448" y="23519"/>
-                </a:lnTo>
-                <a:lnTo>
-                  <a:pt x="5466382" y="28187"/>
-                </a:lnTo>
-                <a:lnTo>
-                  <a:pt x="5467349" y="33047"/>
-                </a:lnTo>
-                <a:lnTo>
-                  <a:pt x="5467349" y="1109952"/>
-                </a:lnTo>
-                <a:lnTo>
-                  <a:pt x="5466382" y="1114812"/>
-                </a:lnTo>
-                <a:lnTo>
-                  <a:pt x="5464448" y="1119479"/>
-                </a:lnTo>
-                <a:lnTo>
-                  <a:pt x="5462515" y="1124147"/>
-                </a:lnTo>
-                <a:lnTo>
-                  <a:pt x="5434301" y="1142999"/>
-                </a:lnTo>
-                <a:lnTo>
-                  <a:pt x="16523" y="1142999"/>
-                </a:lnTo>
-                <a:lnTo>
-                  <a:pt x="5579" y="1131840"/>
-                </a:lnTo>
-                <a:lnTo>
-                  <a:pt x="3793" y="1128268"/>
-                </a:lnTo>
-                <a:lnTo>
-                  <a:pt x="2416" y="1124147"/>
-                </a:lnTo>
-                <a:lnTo>
-                  <a:pt x="1450" y="1119479"/>
-                </a:lnTo>
-                <a:lnTo>
-                  <a:pt x="483" y="1114812"/>
-                </a:lnTo>
-                <a:lnTo>
-                  <a:pt x="0" y="1109952"/>
-                </a:lnTo>
-                <a:lnTo>
-                  <a:pt x="0" y="1104899"/>
-                </a:lnTo>
-                <a:close/>
-              </a:path>
-            </a:pathLst>
-          </a:custGeom>
-          <a:solidFill>
-            <a:srgbClr val="F7F9FA"/>
-          </a:solidFill>
-        </p:spPr>
-        <p:txBody>
-          <a:bodyPr wrap="square" lIns="0" tIns="0" rIns="0" bIns="0" rtlCol="0">
-            <a:noAutofit/>
-          </a:bodyPr>
-          <a:lstStyle/>
-          <a:p>
-            <a:endParaRPr dirty="0"/>
-          </a:p>
-        </p:txBody>
-      </p:sp>
-      <p:sp>
-        <p:nvSpPr>
-          <p:cNvPr id="24" name="object 24"/>
-          <p:cNvSpPr/>
-          <p:nvPr/>
-        </p:nvSpPr>
-        <p:spPr>
-          <a:xfrm>
-            <a:off x="318150" y="1204162"/>
-            <a:ext cx="5486399" cy="1300395"/>
-          </a:xfrm>
-          <a:custGeom>
-            <a:avLst/>
-            <a:gdLst/>
-            <a:ahLst/>
-            <a:cxnLst/>
-            <a:rect l="l" t="t" r="r" b="b"/>
-            <a:pathLst>
-              <a:path w="5486399" h="1142999">
-                <a:moveTo>
-                  <a:pt x="38099" y="0"/>
-                </a:moveTo>
-                <a:lnTo>
-                  <a:pt x="2116" y="25230"/>
-                </a:lnTo>
-                <a:lnTo>
-                  <a:pt x="0" y="38099"/>
-                </a:lnTo>
-                <a:lnTo>
-                  <a:pt x="0" y="1104899"/>
-                </a:lnTo>
-                <a:lnTo>
-                  <a:pt x="25230" y="1140883"/>
-                </a:lnTo>
-                <a:lnTo>
-                  <a:pt x="38099" y="1142999"/>
-                </a:lnTo>
-                <a:lnTo>
-                  <a:pt x="38099" y="0"/>
-                </a:lnTo>
-                <a:close/>
-              </a:path>
-            </a:pathLst>
-          </a:custGeom>
-          <a:solidFill>
-            <a:srgbClr val="2ECC70"/>
-          </a:solidFill>
-        </p:spPr>
-        <p:txBody>
-          <a:bodyPr wrap="square" lIns="0" tIns="0" rIns="0" bIns="0" rtlCol="0">
-            <a:noAutofit/>
-          </a:bodyPr>
-          <a:lstStyle/>
-          <a:p>
-            <a:endParaRPr/>
-          </a:p>
-        </p:txBody>
-      </p:sp>
-      <p:sp>
-        <p:nvSpPr>
-          <p:cNvPr id="21" name="object 21"/>
-          <p:cNvSpPr/>
-          <p:nvPr/>
-        </p:nvSpPr>
-        <p:spPr>
-          <a:xfrm>
-            <a:off x="349900" y="2630528"/>
-            <a:ext cx="5467349" cy="926928"/>
-          </a:xfrm>
-          <a:custGeom>
-            <a:avLst/>
-            <a:gdLst/>
-            <a:ahLst/>
-            <a:cxnLst/>
-            <a:rect l="l" t="t" r="r" b="b"/>
-            <a:pathLst>
-              <a:path w="5467349" h="1428749">
-                <a:moveTo>
-                  <a:pt x="0" y="1390649"/>
-                </a:moveTo>
-                <a:lnTo>
-                  <a:pt x="0" y="33047"/>
-                </a:lnTo>
-                <a:lnTo>
-                  <a:pt x="483" y="28187"/>
-                </a:lnTo>
-                <a:lnTo>
-                  <a:pt x="1450" y="23519"/>
-                </a:lnTo>
-                <a:lnTo>
-                  <a:pt x="2416" y="18851"/>
-                </a:lnTo>
-                <a:lnTo>
-                  <a:pt x="3793" y="14731"/>
-                </a:lnTo>
-                <a:lnTo>
-                  <a:pt x="5579" y="11159"/>
-                </a:lnTo>
-                <a:lnTo>
-                  <a:pt x="7365" y="7586"/>
-                </a:lnTo>
-                <a:lnTo>
-                  <a:pt x="9425" y="4833"/>
-                </a:lnTo>
-                <a:lnTo>
-                  <a:pt x="11759" y="2900"/>
-                </a:lnTo>
-                <a:lnTo>
-                  <a:pt x="14093" y="966"/>
-                </a:lnTo>
-                <a:lnTo>
-                  <a:pt x="16523" y="0"/>
-                </a:lnTo>
-                <a:lnTo>
-                  <a:pt x="5434301" y="0"/>
-                </a:lnTo>
-                <a:lnTo>
-                  <a:pt x="5464448" y="23519"/>
-                </a:lnTo>
-                <a:lnTo>
-                  <a:pt x="5467349" y="33047"/>
-                </a:lnTo>
-                <a:lnTo>
-                  <a:pt x="5467349" y="1395702"/>
-                </a:lnTo>
-                <a:lnTo>
-                  <a:pt x="5466382" y="1400561"/>
-                </a:lnTo>
-                <a:lnTo>
-                  <a:pt x="5464448" y="1405229"/>
-                </a:lnTo>
-                <a:lnTo>
-                  <a:pt x="5462515" y="1409897"/>
-                </a:lnTo>
-                <a:lnTo>
-                  <a:pt x="5434301" y="1428749"/>
-                </a:lnTo>
-                <a:lnTo>
-                  <a:pt x="16523" y="1428749"/>
-                </a:lnTo>
-                <a:lnTo>
-                  <a:pt x="1450" y="1405229"/>
-                </a:lnTo>
-                <a:lnTo>
-                  <a:pt x="483" y="1400561"/>
-                </a:lnTo>
-                <a:lnTo>
-                  <a:pt x="0" y="1395702"/>
-                </a:lnTo>
-                <a:lnTo>
-                  <a:pt x="0" y="1390649"/>
-                </a:lnTo>
-                <a:close/>
-              </a:path>
-            </a:pathLst>
-          </a:custGeom>
-          <a:solidFill>
-            <a:srgbClr val="F7F9FA"/>
-          </a:solidFill>
-        </p:spPr>
-        <p:txBody>
-          <a:bodyPr wrap="square" lIns="0" tIns="0" rIns="0" bIns="0" rtlCol="0">
-            <a:noAutofit/>
-          </a:bodyPr>
-          <a:lstStyle/>
-          <a:p>
-            <a:endParaRPr/>
-          </a:p>
-        </p:txBody>
-      </p:sp>
-      <p:sp>
-        <p:nvSpPr>
-          <p:cNvPr id="22" name="object 22"/>
-          <p:cNvSpPr/>
-          <p:nvPr/>
-        </p:nvSpPr>
-        <p:spPr>
-          <a:xfrm>
-            <a:off x="330850" y="2630528"/>
-            <a:ext cx="5486399" cy="954083"/>
-          </a:xfrm>
-          <a:custGeom>
-            <a:avLst/>
-            <a:gdLst/>
-            <a:ahLst/>
-            <a:cxnLst/>
-            <a:rect l="l" t="t" r="r" b="b"/>
-            <a:pathLst>
-              <a:path w="5486399" h="1428749">
-                <a:moveTo>
-                  <a:pt x="38099" y="0"/>
-                </a:moveTo>
-                <a:lnTo>
-                  <a:pt x="34106" y="185"/>
-                </a:lnTo>
-                <a:lnTo>
-                  <a:pt x="2116" y="25230"/>
-                </a:lnTo>
-                <a:lnTo>
-                  <a:pt x="0" y="38099"/>
-                </a:lnTo>
-                <a:lnTo>
-                  <a:pt x="0" y="1390649"/>
-                </a:lnTo>
-                <a:lnTo>
-                  <a:pt x="25230" y="1426633"/>
-                </a:lnTo>
-                <a:lnTo>
-                  <a:pt x="38099" y="1428749"/>
-                </a:lnTo>
-                <a:lnTo>
-                  <a:pt x="38099" y="0"/>
-                </a:lnTo>
-                <a:close/>
-              </a:path>
-            </a:pathLst>
-          </a:custGeom>
-          <a:solidFill>
-            <a:srgbClr val="2ECC70"/>
-          </a:solidFill>
-        </p:spPr>
-        <p:txBody>
-          <a:bodyPr wrap="square" lIns="0" tIns="0" rIns="0" bIns="0" rtlCol="0">
-            <a:noAutofit/>
-          </a:bodyPr>
-          <a:lstStyle/>
-          <a:p>
-            <a:endParaRPr/>
-          </a:p>
-        </p:txBody>
-      </p:sp>
-      <p:sp>
-        <p:nvSpPr>
-          <p:cNvPr id="19" name="object 19"/>
-          <p:cNvSpPr/>
-          <p:nvPr/>
-        </p:nvSpPr>
-        <p:spPr>
-          <a:xfrm>
-            <a:off x="342903" y="3913163"/>
-            <a:ext cx="5467349" cy="954084"/>
-          </a:xfrm>
-          <a:custGeom>
-            <a:avLst/>
-            <a:gdLst/>
-            <a:ahLst/>
-            <a:cxnLst/>
-            <a:rect l="l" t="t" r="r" b="b"/>
-            <a:pathLst>
-              <a:path w="5467349" h="1428749">
-                <a:moveTo>
-                  <a:pt x="0" y="1390649"/>
-                </a:moveTo>
-                <a:lnTo>
-                  <a:pt x="0" y="33047"/>
-                </a:lnTo>
-                <a:lnTo>
-                  <a:pt x="5579" y="11158"/>
-                </a:lnTo>
-                <a:lnTo>
-                  <a:pt x="7365" y="7586"/>
-                </a:lnTo>
-                <a:lnTo>
-                  <a:pt x="9425" y="4833"/>
-                </a:lnTo>
-                <a:lnTo>
-                  <a:pt x="11759" y="2899"/>
-                </a:lnTo>
-                <a:lnTo>
-                  <a:pt x="14093" y="966"/>
-                </a:lnTo>
-                <a:lnTo>
-                  <a:pt x="16523" y="0"/>
-                </a:lnTo>
-                <a:lnTo>
-                  <a:pt x="5434301" y="0"/>
-                </a:lnTo>
-                <a:lnTo>
-                  <a:pt x="5464448" y="23519"/>
-                </a:lnTo>
-                <a:lnTo>
-                  <a:pt x="5466382" y="28186"/>
-                </a:lnTo>
-                <a:lnTo>
-                  <a:pt x="5467349" y="33047"/>
-                </a:lnTo>
-                <a:lnTo>
-                  <a:pt x="5467349" y="1395701"/>
-                </a:lnTo>
-                <a:lnTo>
-                  <a:pt x="5443829" y="1425849"/>
-                </a:lnTo>
-                <a:lnTo>
-                  <a:pt x="5434301" y="1428749"/>
-                </a:lnTo>
-                <a:lnTo>
-                  <a:pt x="16523" y="1428749"/>
-                </a:lnTo>
-                <a:lnTo>
-                  <a:pt x="0" y="1395701"/>
-                </a:lnTo>
-                <a:lnTo>
-                  <a:pt x="0" y="1390649"/>
-                </a:lnTo>
-                <a:close/>
-              </a:path>
-            </a:pathLst>
-          </a:custGeom>
-          <a:solidFill>
-            <a:srgbClr val="F7F9FA"/>
-          </a:solidFill>
-        </p:spPr>
-        <p:txBody>
-          <a:bodyPr wrap="square" lIns="0" tIns="0" rIns="0" bIns="0" rtlCol="0">
-            <a:noAutofit/>
-          </a:bodyPr>
-          <a:lstStyle/>
-          <a:p>
-            <a:endParaRPr dirty="0"/>
-          </a:p>
-        </p:txBody>
-      </p:sp>
-      <p:sp>
-        <p:nvSpPr>
-          <p:cNvPr id="20" name="object 20"/>
-          <p:cNvSpPr/>
-          <p:nvPr/>
-        </p:nvSpPr>
-        <p:spPr>
-          <a:xfrm>
-            <a:off x="323853" y="3913163"/>
-            <a:ext cx="5486399" cy="954083"/>
-          </a:xfrm>
-          <a:custGeom>
-            <a:avLst/>
-            <a:gdLst/>
-            <a:ahLst/>
-            <a:cxnLst/>
-            <a:rect l="l" t="t" r="r" b="b"/>
-            <a:pathLst>
-              <a:path w="5486399" h="1428749">
-                <a:moveTo>
-                  <a:pt x="38099" y="0"/>
-                </a:moveTo>
-                <a:lnTo>
-                  <a:pt x="2116" y="25230"/>
-                </a:lnTo>
-                <a:lnTo>
-                  <a:pt x="0" y="38099"/>
-                </a:lnTo>
-                <a:lnTo>
-                  <a:pt x="0" y="1390649"/>
-                </a:lnTo>
-                <a:lnTo>
-                  <a:pt x="25230" y="1426633"/>
-                </a:lnTo>
-                <a:lnTo>
-                  <a:pt x="38099" y="1428749"/>
-                </a:lnTo>
-                <a:lnTo>
-                  <a:pt x="38099" y="0"/>
-                </a:lnTo>
-                <a:close/>
-              </a:path>
-            </a:pathLst>
-          </a:custGeom>
-          <a:solidFill>
-            <a:srgbClr val="2ECC70"/>
-          </a:solidFill>
-        </p:spPr>
-        <p:txBody>
-          <a:bodyPr wrap="square" lIns="0" tIns="0" rIns="0" bIns="0" rtlCol="0">
-            <a:noAutofit/>
-          </a:bodyPr>
-          <a:lstStyle/>
-          <a:p>
-            <a:endParaRPr/>
-          </a:p>
-        </p:txBody>
-      </p:sp>
-      <p:sp>
-        <p:nvSpPr>
-          <p:cNvPr id="17" name="object 17"/>
-          <p:cNvSpPr/>
-          <p:nvPr/>
-        </p:nvSpPr>
-        <p:spPr>
-          <a:xfrm>
-            <a:off x="6293498" y="1235280"/>
-            <a:ext cx="5467350" cy="990940"/>
-          </a:xfrm>
-          <a:custGeom>
-            <a:avLst/>
-            <a:gdLst/>
-            <a:ahLst/>
-            <a:cxnLst/>
-            <a:rect l="l" t="t" r="r" b="b"/>
-            <a:pathLst>
-              <a:path w="5467350" h="1428749">
-                <a:moveTo>
-                  <a:pt x="0" y="1390649"/>
-                </a:moveTo>
-                <a:lnTo>
-                  <a:pt x="0" y="33047"/>
-                </a:lnTo>
-                <a:lnTo>
-                  <a:pt x="5579" y="11159"/>
-                </a:lnTo>
-                <a:lnTo>
-                  <a:pt x="7365" y="7586"/>
-                </a:lnTo>
-                <a:lnTo>
-                  <a:pt x="9425" y="4833"/>
-                </a:lnTo>
-                <a:lnTo>
-                  <a:pt x="11759" y="2900"/>
-                </a:lnTo>
-                <a:lnTo>
-                  <a:pt x="14093" y="966"/>
-                </a:lnTo>
-                <a:lnTo>
-                  <a:pt x="16523" y="0"/>
-                </a:lnTo>
-                <a:lnTo>
-                  <a:pt x="5434302" y="0"/>
-                </a:lnTo>
-                <a:lnTo>
-                  <a:pt x="5464449" y="23519"/>
-                </a:lnTo>
-                <a:lnTo>
-                  <a:pt x="5466382" y="28187"/>
-                </a:lnTo>
-                <a:lnTo>
-                  <a:pt x="5467350" y="33047"/>
-                </a:lnTo>
-                <a:lnTo>
-                  <a:pt x="5467350" y="1395702"/>
-                </a:lnTo>
-                <a:lnTo>
-                  <a:pt x="5443829" y="1425849"/>
-                </a:lnTo>
-                <a:lnTo>
-                  <a:pt x="5439161" y="1427782"/>
-                </a:lnTo>
-                <a:lnTo>
-                  <a:pt x="5434302" y="1428749"/>
-                </a:lnTo>
-                <a:lnTo>
-                  <a:pt x="16523" y="1428749"/>
-                </a:lnTo>
-                <a:lnTo>
-                  <a:pt x="5579" y="1417590"/>
-                </a:lnTo>
-                <a:lnTo>
-                  <a:pt x="3792" y="1414017"/>
-                </a:lnTo>
-                <a:lnTo>
-                  <a:pt x="2416" y="1409897"/>
-                </a:lnTo>
-                <a:lnTo>
-                  <a:pt x="1449" y="1405229"/>
-                </a:lnTo>
-                <a:lnTo>
-                  <a:pt x="483" y="1400561"/>
-                </a:lnTo>
-                <a:lnTo>
-                  <a:pt x="0" y="1395702"/>
-                </a:lnTo>
-                <a:lnTo>
-                  <a:pt x="0" y="1390649"/>
-                </a:lnTo>
-                <a:close/>
-              </a:path>
-            </a:pathLst>
-          </a:custGeom>
-          <a:solidFill>
-            <a:srgbClr val="F7F9FA"/>
-          </a:solidFill>
-        </p:spPr>
-        <p:txBody>
-          <a:bodyPr wrap="square" lIns="0" tIns="0" rIns="0" bIns="0" rtlCol="0">
-            <a:noAutofit/>
-          </a:bodyPr>
-          <a:lstStyle/>
-          <a:p>
-            <a:endParaRPr/>
-          </a:p>
-        </p:txBody>
-      </p:sp>
-      <p:sp>
-        <p:nvSpPr>
-          <p:cNvPr id="18" name="object 18"/>
-          <p:cNvSpPr/>
-          <p:nvPr/>
-        </p:nvSpPr>
-        <p:spPr>
-          <a:xfrm>
-            <a:off x="6274448" y="1235279"/>
-            <a:ext cx="5486399" cy="954107"/>
-          </a:xfrm>
-          <a:custGeom>
-            <a:avLst/>
-            <a:gdLst/>
-            <a:ahLst/>
-            <a:cxnLst/>
-            <a:rect l="l" t="t" r="r" b="b"/>
-            <a:pathLst>
-              <a:path w="5486399" h="1428749">
-                <a:moveTo>
-                  <a:pt x="38099" y="0"/>
-                </a:moveTo>
-                <a:lnTo>
-                  <a:pt x="2116" y="25230"/>
-                </a:lnTo>
-                <a:lnTo>
-                  <a:pt x="0" y="38099"/>
-                </a:lnTo>
-                <a:lnTo>
-                  <a:pt x="0" y="1390649"/>
-                </a:lnTo>
-                <a:lnTo>
-                  <a:pt x="25230" y="1426633"/>
-                </a:lnTo>
-                <a:lnTo>
-                  <a:pt x="38099" y="1428749"/>
-                </a:lnTo>
-                <a:lnTo>
-                  <a:pt x="38099" y="0"/>
-                </a:lnTo>
-                <a:close/>
-              </a:path>
-            </a:pathLst>
-          </a:custGeom>
-          <a:solidFill>
-            <a:srgbClr val="2ECC70"/>
-          </a:solidFill>
-        </p:spPr>
-        <p:txBody>
-          <a:bodyPr wrap="square" lIns="0" tIns="0" rIns="0" bIns="0" rtlCol="0">
-            <a:noAutofit/>
-          </a:bodyPr>
-          <a:lstStyle/>
-          <a:p>
-            <a:endParaRPr/>
-          </a:p>
-        </p:txBody>
-      </p:sp>
-      <p:sp>
-        <p:nvSpPr>
-          <p:cNvPr id="15" name="object 15"/>
-          <p:cNvSpPr/>
-          <p:nvPr/>
-        </p:nvSpPr>
-        <p:spPr>
-          <a:xfrm>
-            <a:off x="6325246" y="2576609"/>
-            <a:ext cx="5467350" cy="1196907"/>
-          </a:xfrm>
-          <a:custGeom>
-            <a:avLst/>
-            <a:gdLst/>
-            <a:ahLst/>
-            <a:cxnLst/>
-            <a:rect l="l" t="t" r="r" b="b"/>
-            <a:pathLst>
-              <a:path w="5467350" h="1428749">
-                <a:moveTo>
-                  <a:pt x="0" y="1390649"/>
-                </a:moveTo>
-                <a:lnTo>
-                  <a:pt x="0" y="33047"/>
-                </a:lnTo>
-                <a:lnTo>
-                  <a:pt x="5579" y="11158"/>
-                </a:lnTo>
-                <a:lnTo>
-                  <a:pt x="7365" y="7586"/>
-                </a:lnTo>
-                <a:lnTo>
-                  <a:pt x="9425" y="4833"/>
-                </a:lnTo>
-                <a:lnTo>
-                  <a:pt x="11759" y="2899"/>
-                </a:lnTo>
-                <a:lnTo>
-                  <a:pt x="14093" y="966"/>
-                </a:lnTo>
-                <a:lnTo>
-                  <a:pt x="16523" y="0"/>
-                </a:lnTo>
-                <a:lnTo>
-                  <a:pt x="5434302" y="0"/>
-                </a:lnTo>
-                <a:lnTo>
-                  <a:pt x="5464449" y="23519"/>
-                </a:lnTo>
-                <a:lnTo>
-                  <a:pt x="5466382" y="28186"/>
-                </a:lnTo>
-                <a:lnTo>
-                  <a:pt x="5467350" y="33047"/>
-                </a:lnTo>
-                <a:lnTo>
-                  <a:pt x="5467350" y="1395702"/>
-                </a:lnTo>
-                <a:lnTo>
-                  <a:pt x="5443829" y="1425849"/>
-                </a:lnTo>
-                <a:lnTo>
-                  <a:pt x="5434302" y="1428749"/>
-                </a:lnTo>
-                <a:lnTo>
-                  <a:pt x="16523" y="1428749"/>
-                </a:lnTo>
-                <a:lnTo>
-                  <a:pt x="5579" y="1417590"/>
-                </a:lnTo>
-                <a:lnTo>
-                  <a:pt x="3792" y="1414017"/>
-                </a:lnTo>
-                <a:lnTo>
-                  <a:pt x="2416" y="1409897"/>
-                </a:lnTo>
-                <a:lnTo>
-                  <a:pt x="1449" y="1405229"/>
-                </a:lnTo>
-                <a:lnTo>
-                  <a:pt x="483" y="1400562"/>
-                </a:lnTo>
-                <a:lnTo>
-                  <a:pt x="0" y="1395702"/>
-                </a:lnTo>
-                <a:lnTo>
-                  <a:pt x="0" y="1390649"/>
-                </a:lnTo>
-                <a:close/>
-              </a:path>
-            </a:pathLst>
-          </a:custGeom>
-          <a:solidFill>
-            <a:srgbClr val="F7F9FA"/>
-          </a:solidFill>
-        </p:spPr>
-        <p:txBody>
-          <a:bodyPr wrap="square" lIns="0" tIns="0" rIns="0" bIns="0" rtlCol="0">
-            <a:noAutofit/>
-          </a:bodyPr>
-          <a:lstStyle/>
-          <a:p>
-            <a:endParaRPr/>
-          </a:p>
-        </p:txBody>
-      </p:sp>
-      <p:sp>
-        <p:nvSpPr>
-          <p:cNvPr id="16" name="object 16"/>
-          <p:cNvSpPr/>
-          <p:nvPr/>
-        </p:nvSpPr>
-        <p:spPr>
-          <a:xfrm>
-            <a:off x="6306196" y="2576609"/>
-            <a:ext cx="5486399" cy="1231106"/>
-          </a:xfrm>
-          <a:custGeom>
-            <a:avLst/>
-            <a:gdLst/>
-            <a:ahLst/>
-            <a:cxnLst/>
-            <a:rect l="l" t="t" r="r" b="b"/>
-            <a:pathLst>
-              <a:path w="5486399" h="1428749">
-                <a:moveTo>
-                  <a:pt x="38099" y="0"/>
-                </a:moveTo>
-                <a:lnTo>
-                  <a:pt x="2116" y="25230"/>
-                </a:lnTo>
-                <a:lnTo>
-                  <a:pt x="0" y="38099"/>
-                </a:lnTo>
-                <a:lnTo>
-                  <a:pt x="0" y="1390649"/>
-                </a:lnTo>
-                <a:lnTo>
-                  <a:pt x="25230" y="1426633"/>
-                </a:lnTo>
-                <a:lnTo>
-                  <a:pt x="38099" y="1428749"/>
-                </a:lnTo>
-                <a:lnTo>
-                  <a:pt x="38099" y="0"/>
-                </a:lnTo>
-                <a:close/>
-              </a:path>
-            </a:pathLst>
-          </a:custGeom>
-          <a:solidFill>
-            <a:srgbClr val="2ECC70"/>
-          </a:solidFill>
-        </p:spPr>
-        <p:txBody>
-          <a:bodyPr wrap="square" lIns="0" tIns="0" rIns="0" bIns="0" rtlCol="0">
-            <a:noAutofit/>
-          </a:bodyPr>
-          <a:lstStyle/>
-          <a:p>
-            <a:endParaRPr/>
-          </a:p>
-        </p:txBody>
-      </p:sp>
-      <p:sp>
-        <p:nvSpPr>
           <p:cNvPr id="13" name="object 13"/>
           <p:cNvSpPr txBox="1"/>
           <p:nvPr/>
         </p:nvSpPr>
         <p:spPr>
           <a:xfrm>
-            <a:off x="4959052" y="461918"/>
-            <a:ext cx="2325106" cy="368299"/>
+            <a:off x="4158208" y="461918"/>
+            <a:ext cx="1639641" cy="368299"/>
           </a:xfrm>
           <a:prstGeom prst="rect">
             <a:avLst/>
@@ -3129,16 +4457,16 @@
               </a:spcBef>
             </a:pPr>
             <a:r>
-              <a:rPr sz="3200" b="1" spc="0" dirty="0">
+              <a:rPr sz="2700" b="1" spc="0" dirty="0">
                 <a:solidFill>
                   <a:srgbClr val="1A5275"/>
                 </a:solidFill>
                 <a:latin typeface="Times New Roman"/>
                 <a:cs typeface="Times New Roman"/>
               </a:rPr>
-              <a:t>Conclusiones</a:t>
-            </a:r>
-            <a:endParaRPr sz="3200" dirty="0">
+              <a:t>Diagrama</a:t>
+            </a:r>
+            <a:endParaRPr sz="2700">
               <a:latin typeface="Times New Roman"/>
               <a:cs typeface="Times New Roman"/>
             </a:endParaRPr>
@@ -3153,8 +4481,8 @@
         </p:nvSpPr>
         <p:spPr>
           <a:xfrm>
-            <a:off x="486425" y="1377199"/>
-            <a:ext cx="244474" cy="215899"/>
+            <a:off x="5816283" y="461918"/>
+            <a:ext cx="476996" cy="368299"/>
           </a:xfrm>
           <a:prstGeom prst="rect">
             <a:avLst/>
@@ -3168,23 +4496,23 @@
           <a:p>
             <a:pPr marL="12700">
               <a:lnSpc>
-                <a:spcPts val="1689"/>
+                <a:spcPts val="2870"/>
               </a:lnSpc>
               <a:spcBef>
-                <a:spcPts val="94"/>
+                <a:spcPts val="143"/>
               </a:spcBef>
             </a:pPr>
             <a:r>
-              <a:rPr sz="2250" baseline="-1932" dirty="0">
+              <a:rPr sz="2700" b="1" spc="0" dirty="0">
                 <a:solidFill>
                   <a:srgbClr val="1A5275"/>
                 </a:solidFill>
                 <a:latin typeface="Times New Roman"/>
                 <a:cs typeface="Times New Roman"/>
               </a:rPr>
-              <a:t></a:t>
-            </a:r>
-            <a:endParaRPr sz="1500">
+              <a:t>de</a:t>
+            </a:r>
+            <a:endParaRPr sz="2700">
               <a:latin typeface="Times New Roman"/>
               <a:cs typeface="Times New Roman"/>
             </a:endParaRPr>
@@ -3193,14 +4521,14 @@
       </p:sp>
       <p:sp>
         <p:nvSpPr>
-          <p:cNvPr id="10" name="object 10"/>
+          <p:cNvPr id="11" name="object 11"/>
           <p:cNvSpPr txBox="1"/>
           <p:nvPr/>
         </p:nvSpPr>
         <p:spPr>
           <a:xfrm>
-            <a:off x="6442723" y="1408316"/>
-            <a:ext cx="244474" cy="215899"/>
+            <a:off x="6311713" y="461918"/>
+            <a:ext cx="1773252" cy="368299"/>
           </a:xfrm>
           <a:prstGeom prst="rect">
             <a:avLst/>
@@ -3214,23 +4542,23 @@
           <a:p>
             <a:pPr marL="12700">
               <a:lnSpc>
-                <a:spcPts val="1689"/>
+                <a:spcPts val="2870"/>
               </a:lnSpc>
               <a:spcBef>
-                <a:spcPts val="94"/>
+                <a:spcPts val="143"/>
               </a:spcBef>
             </a:pPr>
             <a:r>
-              <a:rPr sz="2250" baseline="-1932" dirty="0">
+              <a:rPr sz="2700" b="1" spc="0" dirty="0">
                 <a:solidFill>
                   <a:srgbClr val="1A5275"/>
                 </a:solidFill>
                 <a:latin typeface="Times New Roman"/>
                 <a:cs typeface="Times New Roman"/>
               </a:rPr>
-              <a:t></a:t>
-            </a:r>
-            <a:endParaRPr sz="1500">
+              <a:t>Secuencia</a:t>
+            </a:r>
+            <a:endParaRPr sz="2700">
               <a:latin typeface="Times New Roman"/>
               <a:cs typeface="Times New Roman"/>
             </a:endParaRPr>
@@ -3239,314 +4567,10 @@
       </p:sp>
       <p:sp>
         <p:nvSpPr>
-          <p:cNvPr id="8" name="object 8"/>
-          <p:cNvSpPr txBox="1"/>
-          <p:nvPr/>
-        </p:nvSpPr>
-        <p:spPr>
-          <a:xfrm>
-            <a:off x="499125" y="2803565"/>
-            <a:ext cx="244474" cy="215899"/>
-          </a:xfrm>
-          <a:prstGeom prst="rect">
-            <a:avLst/>
-          </a:prstGeom>
-        </p:spPr>
-        <p:txBody>
-          <a:bodyPr wrap="square" lIns="0" tIns="0" rIns="0" bIns="0" rtlCol="0">
-            <a:noAutofit/>
-          </a:bodyPr>
-          <a:lstStyle/>
-          <a:p>
-            <a:pPr marL="12700">
-              <a:lnSpc>
-                <a:spcPts val="1689"/>
-              </a:lnSpc>
-              <a:spcBef>
-                <a:spcPts val="94"/>
-              </a:spcBef>
-            </a:pPr>
-            <a:r>
-              <a:rPr sz="2250" baseline="-1932" dirty="0">
-                <a:solidFill>
-                  <a:srgbClr val="1A5275"/>
-                </a:solidFill>
-                <a:latin typeface="Times New Roman"/>
-                <a:cs typeface="Times New Roman"/>
-              </a:rPr>
-              <a:t></a:t>
-            </a:r>
-            <a:endParaRPr sz="1500" dirty="0">
-              <a:latin typeface="Times New Roman"/>
-              <a:cs typeface="Times New Roman"/>
-            </a:endParaRPr>
-          </a:p>
-        </p:txBody>
-      </p:sp>
-      <p:sp>
-        <p:nvSpPr>
-          <p:cNvPr id="6" name="object 6"/>
-          <p:cNvSpPr txBox="1"/>
-          <p:nvPr/>
-        </p:nvSpPr>
-        <p:spPr>
-          <a:xfrm>
-            <a:off x="6474471" y="2749646"/>
-            <a:ext cx="244474" cy="215899"/>
-          </a:xfrm>
-          <a:prstGeom prst="rect">
-            <a:avLst/>
-          </a:prstGeom>
-        </p:spPr>
-        <p:txBody>
-          <a:bodyPr wrap="square" lIns="0" tIns="0" rIns="0" bIns="0" rtlCol="0">
-            <a:noAutofit/>
-          </a:bodyPr>
-          <a:lstStyle/>
-          <a:p>
-            <a:pPr marL="12700">
-              <a:lnSpc>
-                <a:spcPts val="1689"/>
-              </a:lnSpc>
-              <a:spcBef>
-                <a:spcPts val="94"/>
-              </a:spcBef>
-            </a:pPr>
-            <a:r>
-              <a:rPr sz="2250" baseline="-1932" dirty="0">
-                <a:solidFill>
-                  <a:srgbClr val="1A5275"/>
-                </a:solidFill>
-                <a:latin typeface="Times New Roman"/>
-                <a:cs typeface="Times New Roman"/>
-              </a:rPr>
-              <a:t></a:t>
-            </a:r>
-            <a:endParaRPr sz="1500">
-              <a:latin typeface="Times New Roman"/>
-              <a:cs typeface="Times New Roman"/>
-            </a:endParaRPr>
-          </a:p>
-        </p:txBody>
-      </p:sp>
-      <p:sp>
-        <p:nvSpPr>
-          <p:cNvPr id="4" name="object 4"/>
-          <p:cNvSpPr txBox="1"/>
-          <p:nvPr/>
-        </p:nvSpPr>
-        <p:spPr>
-          <a:xfrm>
-            <a:off x="492128" y="4086199"/>
-            <a:ext cx="244474" cy="215899"/>
-          </a:xfrm>
-          <a:prstGeom prst="rect">
-            <a:avLst/>
-          </a:prstGeom>
-        </p:spPr>
-        <p:txBody>
-          <a:bodyPr wrap="square" lIns="0" tIns="0" rIns="0" bIns="0" rtlCol="0">
-            <a:noAutofit/>
-          </a:bodyPr>
-          <a:lstStyle/>
-          <a:p>
-            <a:pPr marL="12700">
-              <a:lnSpc>
-                <a:spcPts val="1689"/>
-              </a:lnSpc>
-              <a:spcBef>
-                <a:spcPts val="94"/>
-              </a:spcBef>
-            </a:pPr>
-            <a:r>
-              <a:rPr sz="2250" baseline="-1932" dirty="0">
-                <a:solidFill>
-                  <a:srgbClr val="1A5275"/>
-                </a:solidFill>
-                <a:latin typeface="Times New Roman"/>
-                <a:cs typeface="Times New Roman"/>
-              </a:rPr>
-              <a:t></a:t>
-            </a:r>
-            <a:endParaRPr sz="1500">
-              <a:latin typeface="Times New Roman"/>
-              <a:cs typeface="Times New Roman"/>
-            </a:endParaRPr>
-          </a:p>
-        </p:txBody>
-      </p:sp>
-      <p:sp>
-        <p:nvSpPr>
-          <p:cNvPr id="2" name="object 2"/>
-          <p:cNvSpPr txBox="1"/>
-          <p:nvPr/>
-        </p:nvSpPr>
-        <p:spPr>
-          <a:xfrm>
-            <a:off x="7376169" y="6822969"/>
-            <a:ext cx="3403048" cy="158749"/>
-          </a:xfrm>
-          <a:prstGeom prst="rect">
-            <a:avLst/>
-          </a:prstGeom>
-        </p:spPr>
-        <p:txBody>
-          <a:bodyPr wrap="square" lIns="0" tIns="0" rIns="0" bIns="0" rtlCol="0">
-            <a:noAutofit/>
-          </a:bodyPr>
-          <a:lstStyle/>
-          <a:p>
-            <a:pPr marL="12700">
-              <a:lnSpc>
-                <a:spcPts val="1180"/>
-              </a:lnSpc>
-              <a:spcBef>
-                <a:spcPts val="59"/>
-              </a:spcBef>
-            </a:pPr>
-            <a:r>
-              <a:rPr sz="1050" i="1" spc="0" dirty="0">
-                <a:solidFill>
-                  <a:srgbClr val="333333"/>
-                </a:solidFill>
-                <a:latin typeface="Times New Roman"/>
-                <a:cs typeface="Times New Roman"/>
-              </a:rPr>
-              <a:t>Beneficios</a:t>
-            </a:r>
-            <a:r>
-              <a:rPr sz="1050" i="1" spc="-88" dirty="0">
-                <a:solidFill>
-                  <a:srgbClr val="333333"/>
-                </a:solidFill>
-                <a:latin typeface="Times New Roman"/>
-                <a:cs typeface="Times New Roman"/>
-              </a:rPr>
-              <a:t> </a:t>
-            </a:r>
-            <a:r>
-              <a:rPr sz="1050" i="1" spc="0" dirty="0">
-                <a:solidFill>
-                  <a:srgbClr val="333333"/>
-                </a:solidFill>
-                <a:latin typeface="Times New Roman"/>
-                <a:cs typeface="Times New Roman"/>
-              </a:rPr>
-              <a:t>esperados</a:t>
-            </a:r>
-            <a:r>
-              <a:rPr sz="1050" i="1" spc="126" dirty="0">
-                <a:solidFill>
-                  <a:srgbClr val="333333"/>
-                </a:solidFill>
-                <a:latin typeface="Times New Roman"/>
-                <a:cs typeface="Times New Roman"/>
-              </a:rPr>
-              <a:t> </a:t>
-            </a:r>
-            <a:r>
-              <a:rPr sz="1050" i="1" spc="0" dirty="0">
-                <a:solidFill>
-                  <a:srgbClr val="333333"/>
-                </a:solidFill>
-                <a:latin typeface="Times New Roman"/>
-                <a:cs typeface="Times New Roman"/>
-              </a:rPr>
-              <a:t>tras</a:t>
-            </a:r>
-            <a:r>
-              <a:rPr sz="1050" i="1" spc="144" dirty="0">
-                <a:solidFill>
-                  <a:srgbClr val="333333"/>
-                </a:solidFill>
-                <a:latin typeface="Times New Roman"/>
-                <a:cs typeface="Times New Roman"/>
-              </a:rPr>
-              <a:t> </a:t>
-            </a:r>
-            <a:r>
-              <a:rPr sz="1050" i="1" spc="0" dirty="0">
-                <a:solidFill>
-                  <a:srgbClr val="333333"/>
-                </a:solidFill>
-                <a:latin typeface="Times New Roman"/>
-                <a:cs typeface="Times New Roman"/>
-              </a:rPr>
-              <a:t>la</a:t>
-            </a:r>
-            <a:r>
-              <a:rPr sz="1050" i="1" spc="29" dirty="0">
-                <a:solidFill>
-                  <a:srgbClr val="333333"/>
-                </a:solidFill>
-                <a:latin typeface="Times New Roman"/>
-                <a:cs typeface="Times New Roman"/>
-              </a:rPr>
-              <a:t> </a:t>
-            </a:r>
-            <a:r>
-              <a:rPr sz="1050" i="1" spc="0" dirty="0">
-                <a:solidFill>
-                  <a:srgbClr val="333333"/>
-                </a:solidFill>
-                <a:latin typeface="Times New Roman"/>
-                <a:cs typeface="Times New Roman"/>
-              </a:rPr>
-              <a:t>implementación</a:t>
-            </a:r>
-            <a:r>
-              <a:rPr sz="1050" i="1" spc="6" dirty="0">
-                <a:solidFill>
-                  <a:srgbClr val="333333"/>
-                </a:solidFill>
-                <a:latin typeface="Times New Roman"/>
-                <a:cs typeface="Times New Roman"/>
-              </a:rPr>
-              <a:t> </a:t>
-            </a:r>
-            <a:r>
-              <a:rPr sz="1050" i="1" spc="0" dirty="0">
-                <a:solidFill>
-                  <a:srgbClr val="333333"/>
-                </a:solidFill>
-                <a:latin typeface="Times New Roman"/>
-                <a:cs typeface="Times New Roman"/>
-              </a:rPr>
-              <a:t>del</a:t>
-            </a:r>
-            <a:r>
-              <a:rPr sz="1050" i="1" spc="145" dirty="0">
-                <a:solidFill>
-                  <a:srgbClr val="333333"/>
-                </a:solidFill>
-                <a:latin typeface="Times New Roman"/>
-                <a:cs typeface="Times New Roman"/>
-              </a:rPr>
-              <a:t> </a:t>
-            </a:r>
-            <a:r>
-              <a:rPr sz="1050" i="1" spc="0" dirty="0">
-                <a:solidFill>
-                  <a:srgbClr val="333333"/>
-                </a:solidFill>
-                <a:latin typeface="Times New Roman"/>
-                <a:cs typeface="Times New Roman"/>
-              </a:rPr>
-              <a:t>sistema</a:t>
-            </a:r>
-            <a:endParaRPr sz="1050">
-              <a:latin typeface="Times New Roman"/>
-              <a:cs typeface="Times New Roman"/>
-            </a:endParaRPr>
-          </a:p>
-        </p:txBody>
-      </p:sp>
-      <p:sp>
-        <p:nvSpPr>
-          <p:cNvPr id="36" name="CuadroTexto 35">
+          <p:cNvPr id="31" name="CuadroTexto 30">
             <a:extLst>
               <a:ext uri="{FF2B5EF4-FFF2-40B4-BE49-F238E27FC236}">
-                <a16:creationId xmlns:a16="http://schemas.microsoft.com/office/drawing/2014/main" id="{FB062492-BF78-3048-AA9B-F31271318B81}"/>
+                <a16:creationId xmlns:a16="http://schemas.microsoft.com/office/drawing/2014/main" id="{6B7E6383-FC95-CFCA-3F5A-7ED65FF80B27}"/>
               </a:ext>
             </a:extLst>
           </p:cNvPr>
@@ -3555,8 +4579,8 @@
         </p:nvSpPr>
         <p:spPr>
           <a:xfrm>
-            <a:off x="788049" y="1221841"/>
-            <a:ext cx="5066653" cy="1231106"/>
+            <a:off x="543555" y="1301655"/>
+            <a:ext cx="6478633" cy="461665"/>
           </a:xfrm>
           <a:prstGeom prst="rect">
             <a:avLst/>
@@ -3564,37 +4588,17 @@
           <a:noFill/>
         </p:spPr>
         <p:txBody>
-          <a:bodyPr wrap="square" rtlCol="0">
+          <a:bodyPr wrap="none" rtlCol="0">
             <a:spAutoFit/>
           </a:bodyPr>
           <a:lstStyle/>
           <a:p>
             <a:r>
-              <a:rPr lang="es-ES" sz="2000" b="1" dirty="0">
-                <a:solidFill>
-                  <a:srgbClr val="333333"/>
-                </a:solidFill>
-                <a:effectLst/>
+              <a:rPr lang="es-ES" sz="2400" dirty="0">
                 <a:latin typeface="Times New Roman" panose="02020603050405020304" pitchFamily="18" charset="0"/>
                 <a:cs typeface="Times New Roman" panose="02020603050405020304" pitchFamily="18" charset="0"/>
               </a:rPr>
-              <a:t>Análisis de deficiencias y requerimientos </a:t>
-            </a:r>
-            <a:endParaRPr lang="es-ES" sz="2000" dirty="0">
-              <a:latin typeface="Times New Roman" panose="02020603050405020304" pitchFamily="18" charset="0"/>
-              <a:cs typeface="Times New Roman" panose="02020603050405020304" pitchFamily="18" charset="0"/>
-            </a:endParaRPr>
-          </a:p>
-          <a:p>
-            <a:r>
-              <a:rPr lang="es-ES" sz="1800" dirty="0">
-                <a:solidFill>
-                  <a:srgbClr val="333333"/>
-                </a:solidFill>
-                <a:effectLst/>
-                <a:latin typeface="LiberationSans"/>
-              </a:rPr>
-              <a:t>Se identificaron problemas del proceso actual y se definieron mejoras para una solución automatizada y eficiente.</a:t>
+              <a:t>Muestra cómo interactúan usuarios y sistema para</a:t>
             </a:r>
             <a:endParaRPr lang="es-PE" sz="2400" dirty="0">
               <a:latin typeface="Times New Roman" panose="02020603050405020304" pitchFamily="18" charset="0"/>
@@ -3605,10 +4609,10 @@
       </p:sp>
       <p:sp>
         <p:nvSpPr>
-          <p:cNvPr id="37" name="CuadroTexto 36">
+          <p:cNvPr id="34" name="CuadroTexto 33">
             <a:extLst>
               <a:ext uri="{FF2B5EF4-FFF2-40B4-BE49-F238E27FC236}">
-                <a16:creationId xmlns:a16="http://schemas.microsoft.com/office/drawing/2014/main" id="{4FEFED3A-B036-0464-9C8F-9B5BCE207524}"/>
+                <a16:creationId xmlns:a16="http://schemas.microsoft.com/office/drawing/2014/main" id="{545B257C-951B-8197-8030-D341D25FE7E3}"/>
               </a:ext>
             </a:extLst>
           </p:cNvPr>
@@ -3617,8 +4621,8 @@
         </p:nvSpPr>
         <p:spPr>
           <a:xfrm>
-            <a:off x="730899" y="2630528"/>
-            <a:ext cx="5066653" cy="954107"/>
+            <a:off x="527789" y="2003925"/>
+            <a:ext cx="1994649" cy="369332"/>
           </a:xfrm>
           <a:prstGeom prst="rect">
             <a:avLst/>
@@ -3626,232 +4630,73 @@
           <a:noFill/>
         </p:spPr>
         <p:txBody>
-          <a:bodyPr wrap="square" rtlCol="0">
+          <a:bodyPr wrap="none" rtlCol="0">
             <a:spAutoFit/>
           </a:bodyPr>
           <a:lstStyle/>
           <a:p>
-            <a:r>
-              <a:rPr lang="es-ES" sz="2000" b="1" dirty="0">
-                <a:solidFill>
-                  <a:srgbClr val="333333"/>
-                </a:solidFill>
-                <a:effectLst/>
-                <a:latin typeface="Times New Roman" panose="02020603050405020304" pitchFamily="18" charset="0"/>
-                <a:cs typeface="Times New Roman" panose="02020603050405020304" pitchFamily="18" charset="0"/>
-              </a:rPr>
-              <a:t>Eficiencia operativa mejorada </a:t>
-            </a:r>
-            <a:endParaRPr lang="es-ES" sz="2000" dirty="0">
-              <a:latin typeface="Times New Roman" panose="02020603050405020304" pitchFamily="18" charset="0"/>
-              <a:cs typeface="Times New Roman" panose="02020603050405020304" pitchFamily="18" charset="0"/>
-            </a:endParaRPr>
-          </a:p>
-          <a:p>
-            <a:r>
-              <a:rPr lang="es-ES" sz="1800" dirty="0">
-                <a:solidFill>
-                  <a:srgbClr val="333333"/>
-                </a:solidFill>
-                <a:effectLst/>
-                <a:latin typeface="LiberationSans"/>
-              </a:rPr>
-              <a:t>El sistema automatiza tareas, elimina errores y agiliza la gestión de reservas y pagos</a:t>
-            </a:r>
-            <a:endParaRPr lang="es-PE" sz="2400" dirty="0">
-              <a:latin typeface="Times New Roman" panose="02020603050405020304" pitchFamily="18" charset="0"/>
-              <a:cs typeface="Times New Roman" panose="02020603050405020304" pitchFamily="18" charset="0"/>
-            </a:endParaRPr>
-          </a:p>
-        </p:txBody>
-      </p:sp>
-      <p:sp>
-        <p:nvSpPr>
-          <p:cNvPr id="38" name="CuadroTexto 37">
+            <a:pPr marL="285750" indent="-285750">
+              <a:buFont typeface="Arial" panose="020B0604020202020204" pitchFamily="34" charset="0"/>
+              <a:buChar char="•"/>
+            </a:pPr>
+            <a:r>
+              <a:rPr lang="es-PE" dirty="0"/>
+              <a:t>Ingresos del día.</a:t>
+            </a:r>
+          </a:p>
+        </p:txBody>
+      </p:sp>
+      <p:pic>
+        <p:nvPicPr>
+          <p:cNvPr id="7170" name="Picture 2">
             <a:extLst>
               <a:ext uri="{FF2B5EF4-FFF2-40B4-BE49-F238E27FC236}">
-                <a16:creationId xmlns:a16="http://schemas.microsoft.com/office/drawing/2014/main" id="{66ECF5B5-CF89-FE6E-9948-CE3CE368F0F6}"/>
+                <a16:creationId xmlns:a16="http://schemas.microsoft.com/office/drawing/2014/main" id="{D0CE381E-B1E3-EAF8-A6F2-95E30B0EB61F}"/>
               </a:ext>
             </a:extLst>
           </p:cNvPr>
-          <p:cNvSpPr txBox="1"/>
-          <p:nvPr/>
-        </p:nvSpPr>
-        <p:spPr>
-          <a:xfrm>
-            <a:off x="705495" y="3913227"/>
-            <a:ext cx="5066653" cy="954107"/>
+          <p:cNvPicPr>
+            <a:picLocks noChangeAspect="1" noChangeArrowheads="1"/>
+          </p:cNvPicPr>
+          <p:nvPr/>
+        </p:nvPicPr>
+        <p:blipFill rotWithShape="1">
+          <a:blip r:embed="rId2" cstate="print">
+            <a:extLst>
+              <a:ext uri="{28A0092B-C50C-407E-A947-70E740481C1C}">
+                <a14:useLocalDpi xmlns:a14="http://schemas.microsoft.com/office/drawing/2010/main" val="0"/>
+              </a:ext>
+            </a:extLst>
+          </a:blip>
+          <a:srcRect r="5056" b="57692"/>
+          <a:stretch/>
+        </p:blipFill>
+        <p:spPr bwMode="auto">
+          <a:xfrm>
+            <a:off x="1756519" y="2743962"/>
+            <a:ext cx="8678962" cy="4519223"/>
           </a:xfrm>
           <a:prstGeom prst="rect">
             <a:avLst/>
           </a:prstGeom>
           <a:noFill/>
-        </p:spPr>
-        <p:txBody>
-          <a:bodyPr wrap="square" rtlCol="0">
-            <a:spAutoFit/>
-          </a:bodyPr>
-          <a:lstStyle/>
-          <a:p>
-            <a:r>
-              <a:rPr lang="es-ES" sz="2000" b="1" dirty="0">
-                <a:solidFill>
-                  <a:srgbClr val="333333"/>
-                </a:solidFill>
-                <a:effectLst/>
-                <a:latin typeface="Times New Roman" panose="02020603050405020304" pitchFamily="18" charset="0"/>
-                <a:cs typeface="Times New Roman" panose="02020603050405020304" pitchFamily="18" charset="0"/>
-              </a:rPr>
-              <a:t>Diseño web Eficaz </a:t>
-            </a:r>
-            <a:endParaRPr lang="es-ES" sz="2000" dirty="0">
-              <a:latin typeface="Times New Roman" panose="02020603050405020304" pitchFamily="18" charset="0"/>
-              <a:cs typeface="Times New Roman" panose="02020603050405020304" pitchFamily="18" charset="0"/>
-            </a:endParaRPr>
-          </a:p>
-          <a:p>
-            <a:r>
-              <a:rPr lang="es-ES" sz="1800" dirty="0">
-                <a:solidFill>
-                  <a:srgbClr val="333333"/>
-                </a:solidFill>
-                <a:effectLst/>
-                <a:latin typeface="LiberationSans"/>
-              </a:rPr>
-              <a:t>Arquitectura modular y escalable, enfocada en la facilidad de uso y la accesibilidad.</a:t>
-            </a:r>
-            <a:endParaRPr lang="es-PE" sz="2400" dirty="0">
-              <a:latin typeface="Times New Roman" panose="02020603050405020304" pitchFamily="18" charset="0"/>
-              <a:cs typeface="Times New Roman" panose="02020603050405020304" pitchFamily="18" charset="0"/>
-            </a:endParaRPr>
-          </a:p>
-        </p:txBody>
-      </p:sp>
-      <p:sp>
-        <p:nvSpPr>
-          <p:cNvPr id="39" name="CuadroTexto 38">
-            <a:extLst>
-              <a:ext uri="{FF2B5EF4-FFF2-40B4-BE49-F238E27FC236}">
-                <a16:creationId xmlns:a16="http://schemas.microsoft.com/office/drawing/2014/main" id="{86060689-F0FE-AD0B-3A47-B7527CEB15F3}"/>
-              </a:ext>
-            </a:extLst>
-          </p:cNvPr>
-          <p:cNvSpPr txBox="1"/>
-          <p:nvPr/>
-        </p:nvSpPr>
-        <p:spPr>
-          <a:xfrm>
-            <a:off x="6725942" y="1197463"/>
-            <a:ext cx="5066653" cy="954107"/>
-          </a:xfrm>
-          <a:prstGeom prst="rect">
-            <a:avLst/>
-          </a:prstGeom>
-          <a:noFill/>
-        </p:spPr>
-        <p:txBody>
-          <a:bodyPr wrap="square" rtlCol="0">
-            <a:spAutoFit/>
-          </a:bodyPr>
-          <a:lstStyle/>
-          <a:p>
-            <a:r>
-              <a:rPr lang="es-ES" sz="2000" b="1" dirty="0">
-                <a:solidFill>
-                  <a:srgbClr val="333333"/>
-                </a:solidFill>
-                <a:effectLst/>
-                <a:latin typeface="Times New Roman" panose="02020603050405020304" pitchFamily="18" charset="0"/>
-                <a:cs typeface="Times New Roman" panose="02020603050405020304" pitchFamily="18" charset="0"/>
-              </a:rPr>
-              <a:t>Sistema funcional y adaptable</a:t>
-            </a:r>
-            <a:endParaRPr lang="es-ES" sz="2000" dirty="0">
-              <a:latin typeface="Times New Roman" panose="02020603050405020304" pitchFamily="18" charset="0"/>
-              <a:cs typeface="Times New Roman" panose="02020603050405020304" pitchFamily="18" charset="0"/>
-            </a:endParaRPr>
-          </a:p>
-          <a:p>
-            <a:r>
-              <a:rPr lang="es-ES" sz="1800" dirty="0">
-                <a:solidFill>
-                  <a:srgbClr val="333333"/>
-                </a:solidFill>
-                <a:effectLst/>
-                <a:latin typeface="LiberationSans"/>
-              </a:rPr>
-              <a:t>Permite gestionar reservas en tiempo real y se puede adaptar a futuras mejoras.</a:t>
-            </a:r>
-            <a:endParaRPr lang="es-PE" sz="2400" dirty="0">
-              <a:latin typeface="Times New Roman" panose="02020603050405020304" pitchFamily="18" charset="0"/>
-              <a:cs typeface="Times New Roman" panose="02020603050405020304" pitchFamily="18" charset="0"/>
-            </a:endParaRPr>
-          </a:p>
-        </p:txBody>
-      </p:sp>
-      <p:sp>
-        <p:nvSpPr>
-          <p:cNvPr id="40" name="CuadroTexto 39">
-            <a:extLst>
-              <a:ext uri="{FF2B5EF4-FFF2-40B4-BE49-F238E27FC236}">
-                <a16:creationId xmlns:a16="http://schemas.microsoft.com/office/drawing/2014/main" id="{C8016EB9-B1EF-A69F-9ECA-1D020240E261}"/>
-              </a:ext>
-            </a:extLst>
-          </p:cNvPr>
-          <p:cNvSpPr txBox="1"/>
-          <p:nvPr/>
-        </p:nvSpPr>
-        <p:spPr>
-          <a:xfrm>
-            <a:off x="6750047" y="2542410"/>
-            <a:ext cx="5066653" cy="1231106"/>
-          </a:xfrm>
-          <a:prstGeom prst="rect">
-            <a:avLst/>
-          </a:prstGeom>
-          <a:noFill/>
-        </p:spPr>
-        <p:txBody>
-          <a:bodyPr wrap="square" rtlCol="0">
-            <a:spAutoFit/>
-          </a:bodyPr>
-          <a:lstStyle/>
-          <a:p>
-            <a:r>
-              <a:rPr lang="es-ES" sz="2000" b="1" dirty="0">
-                <a:solidFill>
-                  <a:srgbClr val="333333"/>
-                </a:solidFill>
-                <a:effectLst/>
-                <a:latin typeface="Times New Roman" panose="02020603050405020304" pitchFamily="18" charset="0"/>
-                <a:cs typeface="Times New Roman" panose="02020603050405020304" pitchFamily="18" charset="0"/>
-              </a:rPr>
-              <a:t>Validación y pruebas exitosas</a:t>
-            </a:r>
-            <a:endParaRPr lang="es-ES" sz="2000" dirty="0">
-              <a:latin typeface="Times New Roman" panose="02020603050405020304" pitchFamily="18" charset="0"/>
-              <a:cs typeface="Times New Roman" panose="02020603050405020304" pitchFamily="18" charset="0"/>
-            </a:endParaRPr>
-          </a:p>
-          <a:p>
-            <a:r>
-              <a:rPr lang="es-ES" sz="1800" dirty="0">
-                <a:solidFill>
-                  <a:srgbClr val="333333"/>
-                </a:solidFill>
-                <a:effectLst/>
-                <a:latin typeface="LiberationSans"/>
-              </a:rPr>
-              <a:t>Cumple los requisitos y es fiable y seguro en pruebas, aunque falta validación final en producción.</a:t>
-            </a:r>
-            <a:endParaRPr lang="es-PE" sz="2400" dirty="0">
-              <a:latin typeface="Times New Roman" panose="02020603050405020304" pitchFamily="18" charset="0"/>
-              <a:cs typeface="Times New Roman" panose="02020603050405020304" pitchFamily="18" charset="0"/>
-            </a:endParaRPr>
-          </a:p>
-        </p:txBody>
-      </p:sp>
+          <a:extLst>
+            <a:ext uri="{909E8E84-426E-40DD-AFC4-6F175D3DCCD1}">
+              <a14:hiddenFill xmlns:a14="http://schemas.microsoft.com/office/drawing/2010/main">
+                <a:solidFill>
+                  <a:srgbClr val="FFFFFF"/>
+                </a:solidFill>
+              </a14:hiddenFill>
+            </a:ext>
+          </a:extLst>
+        </p:spPr>
+      </p:pic>
     </p:spTree>
+    <p:extLst>
+      <p:ext uri="{BB962C8B-B14F-4D97-AF65-F5344CB8AC3E}">
+        <p14:creationId xmlns:p14="http://schemas.microsoft.com/office/powerpoint/2010/main" val="2804702115"/>
+      </p:ext>
+    </p:extLst>
   </p:cSld>
   <p:clrMapOvr>
     <a:masterClrMapping/>
@@ -3878,778 +4723,10 @@
       </p:grpSpPr>
       <p:sp>
         <p:nvSpPr>
-          <p:cNvPr id="20" name="object 20"/>
-          <p:cNvSpPr txBox="1"/>
-          <p:nvPr/>
-        </p:nvSpPr>
-        <p:spPr>
-          <a:xfrm>
-            <a:off x="4568229" y="461918"/>
-            <a:ext cx="3106845" cy="368299"/>
-          </a:xfrm>
-          <a:prstGeom prst="rect">
-            <a:avLst/>
-          </a:prstGeom>
-        </p:spPr>
-        <p:txBody>
-          <a:bodyPr wrap="square" lIns="0" tIns="0" rIns="0" bIns="0" rtlCol="0">
-            <a:noAutofit/>
-          </a:bodyPr>
-          <a:lstStyle/>
-          <a:p>
-            <a:pPr marL="12700">
-              <a:lnSpc>
-                <a:spcPts val="2870"/>
-              </a:lnSpc>
-              <a:spcBef>
-                <a:spcPts val="143"/>
-              </a:spcBef>
-            </a:pPr>
-            <a:r>
-              <a:rPr sz="2700" b="1" spc="0" dirty="0">
-                <a:solidFill>
-                  <a:srgbClr val="1A5275"/>
-                </a:solidFill>
-                <a:latin typeface="Times New Roman"/>
-                <a:cs typeface="Times New Roman"/>
-              </a:rPr>
-              <a:t>Recomendaciones</a:t>
-            </a:r>
-            <a:endParaRPr sz="2700">
-              <a:latin typeface="Times New Roman"/>
-              <a:cs typeface="Times New Roman"/>
-            </a:endParaRPr>
-          </a:p>
-        </p:txBody>
-      </p:sp>
-      <p:sp>
-        <p:nvSpPr>
-          <p:cNvPr id="39" name="object 23">
+          <p:cNvPr id="34" name="CuadroTexto 33">
             <a:extLst>
               <a:ext uri="{FF2B5EF4-FFF2-40B4-BE49-F238E27FC236}">
-                <a16:creationId xmlns:a16="http://schemas.microsoft.com/office/drawing/2014/main" id="{6BB63957-BAA9-16EA-C382-A7C8EF176A80}"/>
-              </a:ext>
-            </a:extLst>
-          </p:cNvPr>
-          <p:cNvSpPr/>
-          <p:nvPr/>
-        </p:nvSpPr>
-        <p:spPr>
-          <a:xfrm>
-            <a:off x="316858" y="1585161"/>
-            <a:ext cx="5467349" cy="1217709"/>
-          </a:xfrm>
-          <a:custGeom>
-            <a:avLst/>
-            <a:gdLst/>
-            <a:ahLst/>
-            <a:cxnLst/>
-            <a:rect l="l" t="t" r="r" b="b"/>
-            <a:pathLst>
-              <a:path w="5467349" h="1142999">
-                <a:moveTo>
-                  <a:pt x="0" y="1104899"/>
-                </a:moveTo>
-                <a:lnTo>
-                  <a:pt x="0" y="33047"/>
-                </a:lnTo>
-                <a:lnTo>
-                  <a:pt x="5579" y="11159"/>
-                </a:lnTo>
-                <a:lnTo>
-                  <a:pt x="7365" y="7586"/>
-                </a:lnTo>
-                <a:lnTo>
-                  <a:pt x="9425" y="4833"/>
-                </a:lnTo>
-                <a:lnTo>
-                  <a:pt x="11759" y="2900"/>
-                </a:lnTo>
-                <a:lnTo>
-                  <a:pt x="14093" y="966"/>
-                </a:lnTo>
-                <a:lnTo>
-                  <a:pt x="16523" y="0"/>
-                </a:lnTo>
-                <a:lnTo>
-                  <a:pt x="5434301" y="0"/>
-                </a:lnTo>
-                <a:lnTo>
-                  <a:pt x="5464448" y="23519"/>
-                </a:lnTo>
-                <a:lnTo>
-                  <a:pt x="5466382" y="28187"/>
-                </a:lnTo>
-                <a:lnTo>
-                  <a:pt x="5467349" y="33047"/>
-                </a:lnTo>
-                <a:lnTo>
-                  <a:pt x="5467349" y="1109952"/>
-                </a:lnTo>
-                <a:lnTo>
-                  <a:pt x="5466382" y="1114812"/>
-                </a:lnTo>
-                <a:lnTo>
-                  <a:pt x="5464448" y="1119479"/>
-                </a:lnTo>
-                <a:lnTo>
-                  <a:pt x="5462515" y="1124147"/>
-                </a:lnTo>
-                <a:lnTo>
-                  <a:pt x="5434301" y="1142999"/>
-                </a:lnTo>
-                <a:lnTo>
-                  <a:pt x="16523" y="1142999"/>
-                </a:lnTo>
-                <a:lnTo>
-                  <a:pt x="5579" y="1131840"/>
-                </a:lnTo>
-                <a:lnTo>
-                  <a:pt x="3793" y="1128268"/>
-                </a:lnTo>
-                <a:lnTo>
-                  <a:pt x="2416" y="1124147"/>
-                </a:lnTo>
-                <a:lnTo>
-                  <a:pt x="1450" y="1119479"/>
-                </a:lnTo>
-                <a:lnTo>
-                  <a:pt x="483" y="1114812"/>
-                </a:lnTo>
-                <a:lnTo>
-                  <a:pt x="0" y="1109952"/>
-                </a:lnTo>
-                <a:lnTo>
-                  <a:pt x="0" y="1104899"/>
-                </a:lnTo>
-                <a:close/>
-              </a:path>
-            </a:pathLst>
-          </a:custGeom>
-          <a:solidFill>
-            <a:srgbClr val="F7F9FA"/>
-          </a:solidFill>
-        </p:spPr>
-        <p:txBody>
-          <a:bodyPr wrap="square" lIns="0" tIns="0" rIns="0" bIns="0" rtlCol="0">
-            <a:noAutofit/>
-          </a:bodyPr>
-          <a:lstStyle/>
-          <a:p>
-            <a:endParaRPr dirty="0"/>
-          </a:p>
-        </p:txBody>
-      </p:sp>
-      <p:sp>
-        <p:nvSpPr>
-          <p:cNvPr id="40" name="object 24">
-            <a:extLst>
-              <a:ext uri="{FF2B5EF4-FFF2-40B4-BE49-F238E27FC236}">
-                <a16:creationId xmlns:a16="http://schemas.microsoft.com/office/drawing/2014/main" id="{55AD0FB3-9E2B-83A3-912D-54104F81A095}"/>
-              </a:ext>
-            </a:extLst>
-          </p:cNvPr>
-          <p:cNvSpPr/>
-          <p:nvPr/>
-        </p:nvSpPr>
-        <p:spPr>
-          <a:xfrm>
-            <a:off x="297808" y="1585161"/>
-            <a:ext cx="5486399" cy="1300395"/>
-          </a:xfrm>
-          <a:custGeom>
-            <a:avLst/>
-            <a:gdLst/>
-            <a:ahLst/>
-            <a:cxnLst/>
-            <a:rect l="l" t="t" r="r" b="b"/>
-            <a:pathLst>
-              <a:path w="5486399" h="1142999">
-                <a:moveTo>
-                  <a:pt x="38099" y="0"/>
-                </a:moveTo>
-                <a:lnTo>
-                  <a:pt x="2116" y="25230"/>
-                </a:lnTo>
-                <a:lnTo>
-                  <a:pt x="0" y="38099"/>
-                </a:lnTo>
-                <a:lnTo>
-                  <a:pt x="0" y="1104899"/>
-                </a:lnTo>
-                <a:lnTo>
-                  <a:pt x="25230" y="1140883"/>
-                </a:lnTo>
-                <a:lnTo>
-                  <a:pt x="38099" y="1142999"/>
-                </a:lnTo>
-                <a:lnTo>
-                  <a:pt x="38099" y="0"/>
-                </a:lnTo>
-                <a:close/>
-              </a:path>
-            </a:pathLst>
-          </a:custGeom>
-          <a:solidFill>
-            <a:srgbClr val="2ECC70"/>
-          </a:solidFill>
-        </p:spPr>
-        <p:txBody>
-          <a:bodyPr wrap="square" lIns="0" tIns="0" rIns="0" bIns="0" rtlCol="0">
-            <a:noAutofit/>
-          </a:bodyPr>
-          <a:lstStyle/>
-          <a:p>
-            <a:endParaRPr/>
-          </a:p>
-        </p:txBody>
-      </p:sp>
-      <p:sp>
-        <p:nvSpPr>
-          <p:cNvPr id="41" name="object 21">
-            <a:extLst>
-              <a:ext uri="{FF2B5EF4-FFF2-40B4-BE49-F238E27FC236}">
-                <a16:creationId xmlns:a16="http://schemas.microsoft.com/office/drawing/2014/main" id="{12F2B039-D661-5977-D74D-ED5CEED4AF2F}"/>
-              </a:ext>
-            </a:extLst>
-          </p:cNvPr>
-          <p:cNvSpPr/>
-          <p:nvPr/>
-        </p:nvSpPr>
-        <p:spPr>
-          <a:xfrm>
-            <a:off x="329558" y="3011527"/>
-            <a:ext cx="5467349" cy="1231106"/>
-          </a:xfrm>
-          <a:custGeom>
-            <a:avLst/>
-            <a:gdLst/>
-            <a:ahLst/>
-            <a:cxnLst/>
-            <a:rect l="l" t="t" r="r" b="b"/>
-            <a:pathLst>
-              <a:path w="5467349" h="1428749">
-                <a:moveTo>
-                  <a:pt x="0" y="1390649"/>
-                </a:moveTo>
-                <a:lnTo>
-                  <a:pt x="0" y="33047"/>
-                </a:lnTo>
-                <a:lnTo>
-                  <a:pt x="483" y="28187"/>
-                </a:lnTo>
-                <a:lnTo>
-                  <a:pt x="1450" y="23519"/>
-                </a:lnTo>
-                <a:lnTo>
-                  <a:pt x="2416" y="18851"/>
-                </a:lnTo>
-                <a:lnTo>
-                  <a:pt x="3793" y="14731"/>
-                </a:lnTo>
-                <a:lnTo>
-                  <a:pt x="5579" y="11159"/>
-                </a:lnTo>
-                <a:lnTo>
-                  <a:pt x="7365" y="7586"/>
-                </a:lnTo>
-                <a:lnTo>
-                  <a:pt x="9425" y="4833"/>
-                </a:lnTo>
-                <a:lnTo>
-                  <a:pt x="11759" y="2900"/>
-                </a:lnTo>
-                <a:lnTo>
-                  <a:pt x="14093" y="966"/>
-                </a:lnTo>
-                <a:lnTo>
-                  <a:pt x="16523" y="0"/>
-                </a:lnTo>
-                <a:lnTo>
-                  <a:pt x="5434301" y="0"/>
-                </a:lnTo>
-                <a:lnTo>
-                  <a:pt x="5464448" y="23519"/>
-                </a:lnTo>
-                <a:lnTo>
-                  <a:pt x="5467349" y="33047"/>
-                </a:lnTo>
-                <a:lnTo>
-                  <a:pt x="5467349" y="1395702"/>
-                </a:lnTo>
-                <a:lnTo>
-                  <a:pt x="5466382" y="1400561"/>
-                </a:lnTo>
-                <a:lnTo>
-                  <a:pt x="5464448" y="1405229"/>
-                </a:lnTo>
-                <a:lnTo>
-                  <a:pt x="5462515" y="1409897"/>
-                </a:lnTo>
-                <a:lnTo>
-                  <a:pt x="5434301" y="1428749"/>
-                </a:lnTo>
-                <a:lnTo>
-                  <a:pt x="16523" y="1428749"/>
-                </a:lnTo>
-                <a:lnTo>
-                  <a:pt x="1450" y="1405229"/>
-                </a:lnTo>
-                <a:lnTo>
-                  <a:pt x="483" y="1400561"/>
-                </a:lnTo>
-                <a:lnTo>
-                  <a:pt x="0" y="1395702"/>
-                </a:lnTo>
-                <a:lnTo>
-                  <a:pt x="0" y="1390649"/>
-                </a:lnTo>
-                <a:close/>
-              </a:path>
-            </a:pathLst>
-          </a:custGeom>
-          <a:solidFill>
-            <a:srgbClr val="F7F9FA"/>
-          </a:solidFill>
-        </p:spPr>
-        <p:txBody>
-          <a:bodyPr wrap="square" lIns="0" tIns="0" rIns="0" bIns="0" rtlCol="0">
-            <a:noAutofit/>
-          </a:bodyPr>
-          <a:lstStyle/>
-          <a:p>
-            <a:endParaRPr/>
-          </a:p>
-        </p:txBody>
-      </p:sp>
-      <p:sp>
-        <p:nvSpPr>
-          <p:cNvPr id="42" name="object 22">
-            <a:extLst>
-              <a:ext uri="{FF2B5EF4-FFF2-40B4-BE49-F238E27FC236}">
-                <a16:creationId xmlns:a16="http://schemas.microsoft.com/office/drawing/2014/main" id="{2700CC72-AA97-41E3-1D60-6B206ED34A16}"/>
-              </a:ext>
-            </a:extLst>
-          </p:cNvPr>
-          <p:cNvSpPr/>
-          <p:nvPr/>
-        </p:nvSpPr>
-        <p:spPr>
-          <a:xfrm>
-            <a:off x="310508" y="3011527"/>
-            <a:ext cx="5486399" cy="1231106"/>
-          </a:xfrm>
-          <a:custGeom>
-            <a:avLst/>
-            <a:gdLst/>
-            <a:ahLst/>
-            <a:cxnLst/>
-            <a:rect l="l" t="t" r="r" b="b"/>
-            <a:pathLst>
-              <a:path w="5486399" h="1428749">
-                <a:moveTo>
-                  <a:pt x="38099" y="0"/>
-                </a:moveTo>
-                <a:lnTo>
-                  <a:pt x="34106" y="185"/>
-                </a:lnTo>
-                <a:lnTo>
-                  <a:pt x="2116" y="25230"/>
-                </a:lnTo>
-                <a:lnTo>
-                  <a:pt x="0" y="38099"/>
-                </a:lnTo>
-                <a:lnTo>
-                  <a:pt x="0" y="1390649"/>
-                </a:lnTo>
-                <a:lnTo>
-                  <a:pt x="25230" y="1426633"/>
-                </a:lnTo>
-                <a:lnTo>
-                  <a:pt x="38099" y="1428749"/>
-                </a:lnTo>
-                <a:lnTo>
-                  <a:pt x="38099" y="0"/>
-                </a:lnTo>
-                <a:close/>
-              </a:path>
-            </a:pathLst>
-          </a:custGeom>
-          <a:solidFill>
-            <a:srgbClr val="2ECC70"/>
-          </a:solidFill>
-        </p:spPr>
-        <p:txBody>
-          <a:bodyPr wrap="square" lIns="0" tIns="0" rIns="0" bIns="0" rtlCol="0">
-            <a:noAutofit/>
-          </a:bodyPr>
-          <a:lstStyle/>
-          <a:p>
-            <a:endParaRPr/>
-          </a:p>
-        </p:txBody>
-      </p:sp>
-      <p:sp>
-        <p:nvSpPr>
-          <p:cNvPr id="45" name="object 17">
-            <a:extLst>
-              <a:ext uri="{FF2B5EF4-FFF2-40B4-BE49-F238E27FC236}">
-                <a16:creationId xmlns:a16="http://schemas.microsoft.com/office/drawing/2014/main" id="{C6095352-2BCF-8265-6444-D3BD591DF3B7}"/>
-              </a:ext>
-            </a:extLst>
-          </p:cNvPr>
-          <p:cNvSpPr/>
-          <p:nvPr/>
-        </p:nvSpPr>
-        <p:spPr>
-          <a:xfrm>
-            <a:off x="6273156" y="1616279"/>
-            <a:ext cx="5467350" cy="1395248"/>
-          </a:xfrm>
-          <a:custGeom>
-            <a:avLst/>
-            <a:gdLst/>
-            <a:ahLst/>
-            <a:cxnLst/>
-            <a:rect l="l" t="t" r="r" b="b"/>
-            <a:pathLst>
-              <a:path w="5467350" h="1428749">
-                <a:moveTo>
-                  <a:pt x="0" y="1390649"/>
-                </a:moveTo>
-                <a:lnTo>
-                  <a:pt x="0" y="33047"/>
-                </a:lnTo>
-                <a:lnTo>
-                  <a:pt x="5579" y="11159"/>
-                </a:lnTo>
-                <a:lnTo>
-                  <a:pt x="7365" y="7586"/>
-                </a:lnTo>
-                <a:lnTo>
-                  <a:pt x="9425" y="4833"/>
-                </a:lnTo>
-                <a:lnTo>
-                  <a:pt x="11759" y="2900"/>
-                </a:lnTo>
-                <a:lnTo>
-                  <a:pt x="14093" y="966"/>
-                </a:lnTo>
-                <a:lnTo>
-                  <a:pt x="16523" y="0"/>
-                </a:lnTo>
-                <a:lnTo>
-                  <a:pt x="5434302" y="0"/>
-                </a:lnTo>
-                <a:lnTo>
-                  <a:pt x="5464449" y="23519"/>
-                </a:lnTo>
-                <a:lnTo>
-                  <a:pt x="5466382" y="28187"/>
-                </a:lnTo>
-                <a:lnTo>
-                  <a:pt x="5467350" y="33047"/>
-                </a:lnTo>
-                <a:lnTo>
-                  <a:pt x="5467350" y="1395702"/>
-                </a:lnTo>
-                <a:lnTo>
-                  <a:pt x="5443829" y="1425849"/>
-                </a:lnTo>
-                <a:lnTo>
-                  <a:pt x="5439161" y="1427782"/>
-                </a:lnTo>
-                <a:lnTo>
-                  <a:pt x="5434302" y="1428749"/>
-                </a:lnTo>
-                <a:lnTo>
-                  <a:pt x="16523" y="1428749"/>
-                </a:lnTo>
-                <a:lnTo>
-                  <a:pt x="5579" y="1417590"/>
-                </a:lnTo>
-                <a:lnTo>
-                  <a:pt x="3792" y="1414017"/>
-                </a:lnTo>
-                <a:lnTo>
-                  <a:pt x="2416" y="1409897"/>
-                </a:lnTo>
-                <a:lnTo>
-                  <a:pt x="1449" y="1405229"/>
-                </a:lnTo>
-                <a:lnTo>
-                  <a:pt x="483" y="1400561"/>
-                </a:lnTo>
-                <a:lnTo>
-                  <a:pt x="0" y="1395702"/>
-                </a:lnTo>
-                <a:lnTo>
-                  <a:pt x="0" y="1390649"/>
-                </a:lnTo>
-                <a:close/>
-              </a:path>
-            </a:pathLst>
-          </a:custGeom>
-          <a:solidFill>
-            <a:srgbClr val="F7F9FA"/>
-          </a:solidFill>
-        </p:spPr>
-        <p:txBody>
-          <a:bodyPr wrap="square" lIns="0" tIns="0" rIns="0" bIns="0" rtlCol="0">
-            <a:noAutofit/>
-          </a:bodyPr>
-          <a:lstStyle/>
-          <a:p>
-            <a:endParaRPr/>
-          </a:p>
-        </p:txBody>
-      </p:sp>
-      <p:sp>
-        <p:nvSpPr>
-          <p:cNvPr id="46" name="object 18">
-            <a:extLst>
-              <a:ext uri="{FF2B5EF4-FFF2-40B4-BE49-F238E27FC236}">
-                <a16:creationId xmlns:a16="http://schemas.microsoft.com/office/drawing/2014/main" id="{E033518E-105C-5710-011B-707CC8DEDAE4}"/>
-              </a:ext>
-            </a:extLst>
-          </p:cNvPr>
-          <p:cNvSpPr/>
-          <p:nvPr/>
-        </p:nvSpPr>
-        <p:spPr>
-          <a:xfrm>
-            <a:off x="6254106" y="1616278"/>
-            <a:ext cx="5486399" cy="1429448"/>
-          </a:xfrm>
-          <a:custGeom>
-            <a:avLst/>
-            <a:gdLst/>
-            <a:ahLst/>
-            <a:cxnLst/>
-            <a:rect l="l" t="t" r="r" b="b"/>
-            <a:pathLst>
-              <a:path w="5486399" h="1428749">
-                <a:moveTo>
-                  <a:pt x="38099" y="0"/>
-                </a:moveTo>
-                <a:lnTo>
-                  <a:pt x="2116" y="25230"/>
-                </a:lnTo>
-                <a:lnTo>
-                  <a:pt x="0" y="38099"/>
-                </a:lnTo>
-                <a:lnTo>
-                  <a:pt x="0" y="1390649"/>
-                </a:lnTo>
-                <a:lnTo>
-                  <a:pt x="25230" y="1426633"/>
-                </a:lnTo>
-                <a:lnTo>
-                  <a:pt x="38099" y="1428749"/>
-                </a:lnTo>
-                <a:lnTo>
-                  <a:pt x="38099" y="0"/>
-                </a:lnTo>
-                <a:close/>
-              </a:path>
-            </a:pathLst>
-          </a:custGeom>
-          <a:solidFill>
-            <a:srgbClr val="2ECC70"/>
-          </a:solidFill>
-        </p:spPr>
-        <p:txBody>
-          <a:bodyPr wrap="square" lIns="0" tIns="0" rIns="0" bIns="0" rtlCol="0">
-            <a:noAutofit/>
-          </a:bodyPr>
-          <a:lstStyle/>
-          <a:p>
-            <a:endParaRPr/>
-          </a:p>
-        </p:txBody>
-      </p:sp>
-      <p:sp>
-        <p:nvSpPr>
-          <p:cNvPr id="47" name="object 15">
-            <a:extLst>
-              <a:ext uri="{FF2B5EF4-FFF2-40B4-BE49-F238E27FC236}">
-                <a16:creationId xmlns:a16="http://schemas.microsoft.com/office/drawing/2014/main" id="{FC92D2D2-178F-BC6D-0E93-FBA0F9E66B7F}"/>
-              </a:ext>
-            </a:extLst>
-          </p:cNvPr>
-          <p:cNvSpPr/>
-          <p:nvPr/>
-        </p:nvSpPr>
-        <p:spPr>
-          <a:xfrm>
-            <a:off x="6223651" y="3315301"/>
-            <a:ext cx="5467350" cy="1473906"/>
-          </a:xfrm>
-          <a:custGeom>
-            <a:avLst/>
-            <a:gdLst/>
-            <a:ahLst/>
-            <a:cxnLst/>
-            <a:rect l="l" t="t" r="r" b="b"/>
-            <a:pathLst>
-              <a:path w="5467350" h="1428749">
-                <a:moveTo>
-                  <a:pt x="0" y="1390649"/>
-                </a:moveTo>
-                <a:lnTo>
-                  <a:pt x="0" y="33047"/>
-                </a:lnTo>
-                <a:lnTo>
-                  <a:pt x="5579" y="11158"/>
-                </a:lnTo>
-                <a:lnTo>
-                  <a:pt x="7365" y="7586"/>
-                </a:lnTo>
-                <a:lnTo>
-                  <a:pt x="9425" y="4833"/>
-                </a:lnTo>
-                <a:lnTo>
-                  <a:pt x="11759" y="2899"/>
-                </a:lnTo>
-                <a:lnTo>
-                  <a:pt x="14093" y="966"/>
-                </a:lnTo>
-                <a:lnTo>
-                  <a:pt x="16523" y="0"/>
-                </a:lnTo>
-                <a:lnTo>
-                  <a:pt x="5434302" y="0"/>
-                </a:lnTo>
-                <a:lnTo>
-                  <a:pt x="5464449" y="23519"/>
-                </a:lnTo>
-                <a:lnTo>
-                  <a:pt x="5466382" y="28186"/>
-                </a:lnTo>
-                <a:lnTo>
-                  <a:pt x="5467350" y="33047"/>
-                </a:lnTo>
-                <a:lnTo>
-                  <a:pt x="5467350" y="1395702"/>
-                </a:lnTo>
-                <a:lnTo>
-                  <a:pt x="5443829" y="1425849"/>
-                </a:lnTo>
-                <a:lnTo>
-                  <a:pt x="5434302" y="1428749"/>
-                </a:lnTo>
-                <a:lnTo>
-                  <a:pt x="16523" y="1428749"/>
-                </a:lnTo>
-                <a:lnTo>
-                  <a:pt x="5579" y="1417590"/>
-                </a:lnTo>
-                <a:lnTo>
-                  <a:pt x="3792" y="1414017"/>
-                </a:lnTo>
-                <a:lnTo>
-                  <a:pt x="2416" y="1409897"/>
-                </a:lnTo>
-                <a:lnTo>
-                  <a:pt x="1449" y="1405229"/>
-                </a:lnTo>
-                <a:lnTo>
-                  <a:pt x="483" y="1400562"/>
-                </a:lnTo>
-                <a:lnTo>
-                  <a:pt x="0" y="1395702"/>
-                </a:lnTo>
-                <a:lnTo>
-                  <a:pt x="0" y="1390649"/>
-                </a:lnTo>
-                <a:close/>
-              </a:path>
-            </a:pathLst>
-          </a:custGeom>
-          <a:solidFill>
-            <a:srgbClr val="F7F9FA"/>
-          </a:solidFill>
-        </p:spPr>
-        <p:txBody>
-          <a:bodyPr wrap="square" lIns="0" tIns="0" rIns="0" bIns="0" rtlCol="0">
-            <a:noAutofit/>
-          </a:bodyPr>
-          <a:lstStyle/>
-          <a:p>
-            <a:endParaRPr/>
-          </a:p>
-        </p:txBody>
-      </p:sp>
-      <p:sp>
-        <p:nvSpPr>
-          <p:cNvPr id="48" name="object 16">
-            <a:extLst>
-              <a:ext uri="{FF2B5EF4-FFF2-40B4-BE49-F238E27FC236}">
-                <a16:creationId xmlns:a16="http://schemas.microsoft.com/office/drawing/2014/main" id="{BA6659D4-F940-0C47-11F4-91A3FC4D6A45}"/>
-              </a:ext>
-            </a:extLst>
-          </p:cNvPr>
-          <p:cNvSpPr/>
-          <p:nvPr/>
-        </p:nvSpPr>
-        <p:spPr>
-          <a:xfrm>
-            <a:off x="6204601" y="3315301"/>
-            <a:ext cx="5486399" cy="1429448"/>
-          </a:xfrm>
-          <a:custGeom>
-            <a:avLst/>
-            <a:gdLst/>
-            <a:ahLst/>
-            <a:cxnLst/>
-            <a:rect l="l" t="t" r="r" b="b"/>
-            <a:pathLst>
-              <a:path w="5486399" h="1428749">
-                <a:moveTo>
-                  <a:pt x="38099" y="0"/>
-                </a:moveTo>
-                <a:lnTo>
-                  <a:pt x="2116" y="25230"/>
-                </a:lnTo>
-                <a:lnTo>
-                  <a:pt x="0" y="38099"/>
-                </a:lnTo>
-                <a:lnTo>
-                  <a:pt x="0" y="1390649"/>
-                </a:lnTo>
-                <a:lnTo>
-                  <a:pt x="25230" y="1426633"/>
-                </a:lnTo>
-                <a:lnTo>
-                  <a:pt x="38099" y="1428749"/>
-                </a:lnTo>
-                <a:lnTo>
-                  <a:pt x="38099" y="0"/>
-                </a:lnTo>
-                <a:close/>
-              </a:path>
-            </a:pathLst>
-          </a:custGeom>
-          <a:solidFill>
-            <a:srgbClr val="2ECC70"/>
-          </a:solidFill>
-        </p:spPr>
-        <p:txBody>
-          <a:bodyPr wrap="square" lIns="0" tIns="0" rIns="0" bIns="0" rtlCol="0">
-            <a:noAutofit/>
-          </a:bodyPr>
-          <a:lstStyle/>
-          <a:p>
-            <a:endParaRPr/>
-          </a:p>
-        </p:txBody>
-      </p:sp>
-      <p:sp>
-        <p:nvSpPr>
-          <p:cNvPr id="49" name="object 12">
-            <a:extLst>
-              <a:ext uri="{FF2B5EF4-FFF2-40B4-BE49-F238E27FC236}">
-                <a16:creationId xmlns:a16="http://schemas.microsoft.com/office/drawing/2014/main" id="{9C08B1A8-C009-57EC-8F5B-ADC04A07D139}"/>
+                <a16:creationId xmlns:a16="http://schemas.microsoft.com/office/drawing/2014/main" id="{545B257C-951B-8197-8030-D341D25FE7E3}"/>
               </a:ext>
             </a:extLst>
           </p:cNvPr>
@@ -4658,50 +4735,44 @@
         </p:nvSpPr>
         <p:spPr>
           <a:xfrm>
-            <a:off x="466083" y="1758198"/>
-            <a:ext cx="244474" cy="215899"/>
+            <a:off x="254876" y="1667249"/>
+            <a:ext cx="2661754" cy="461665"/>
           </a:xfrm>
           <a:prstGeom prst="rect">
             <a:avLst/>
           </a:prstGeom>
-        </p:spPr>
-        <p:txBody>
-          <a:bodyPr wrap="square" lIns="0" tIns="0" rIns="0" bIns="0" rtlCol="0">
-            <a:noAutofit/>
-          </a:bodyPr>
-          <a:lstStyle/>
-          <a:p>
-            <a:pPr marL="12700">
-              <a:lnSpc>
-                <a:spcPts val="1689"/>
-              </a:lnSpc>
-              <a:spcBef>
-                <a:spcPts val="94"/>
-              </a:spcBef>
+          <a:noFill/>
+        </p:spPr>
+        <p:txBody>
+          <a:bodyPr wrap="none" rtlCol="0">
+            <a:spAutoFit/>
+          </a:bodyPr>
+          <a:lstStyle/>
+          <a:p>
+            <a:pPr marL="285750" indent="-285750">
+              <a:buFont typeface="Arial" panose="020B0604020202020204" pitchFamily="34" charset="0"/>
+              <a:buChar char="•"/>
             </a:pPr>
             <a:r>
-              <a:rPr sz="2250" baseline="-1932" dirty="0">
-                <a:solidFill>
-                  <a:srgbClr val="1A5275"/>
-                </a:solidFill>
-                <a:latin typeface="Times New Roman"/>
-                <a:cs typeface="Times New Roman"/>
-              </a:rPr>
-              <a:t></a:t>
-            </a:r>
-            <a:endParaRPr sz="1500">
-              <a:latin typeface="Times New Roman"/>
-              <a:cs typeface="Times New Roman"/>
-            </a:endParaRPr>
-          </a:p>
-        </p:txBody>
-      </p:sp>
-      <p:sp>
-        <p:nvSpPr>
-          <p:cNvPr id="50" name="object 10">
+              <a:rPr lang="es-PE" sz="2400" dirty="0"/>
+              <a:t>Completar pagos</a:t>
+            </a:r>
+            <a:r>
+              <a:rPr lang="es-PE" sz="2400" dirty="0">
+                <a:latin typeface="Times New Roman" panose="02020603050405020304" pitchFamily="18" charset="0"/>
+                <a:cs typeface="Times New Roman" panose="02020603050405020304" pitchFamily="18" charset="0"/>
+              </a:rPr>
+              <a:t>.</a:t>
+            </a:r>
+          </a:p>
+        </p:txBody>
+      </p:sp>
+      <p:sp>
+        <p:nvSpPr>
+          <p:cNvPr id="4" name="CuadroTexto 3">
             <a:extLst>
               <a:ext uri="{FF2B5EF4-FFF2-40B4-BE49-F238E27FC236}">
-                <a16:creationId xmlns:a16="http://schemas.microsoft.com/office/drawing/2014/main" id="{D741BA09-D754-8D94-5B12-AD23E3D0B0EB}"/>
+                <a16:creationId xmlns:a16="http://schemas.microsoft.com/office/drawing/2014/main" id="{5EAE8D3D-F571-1DA2-914A-B28B188CF2AF}"/>
               </a:ext>
             </a:extLst>
           </p:cNvPr>
@@ -4710,50 +4781,112 @@
         </p:nvSpPr>
         <p:spPr>
           <a:xfrm>
-            <a:off x="6422381" y="1789315"/>
-            <a:ext cx="244474" cy="215899"/>
+            <a:off x="254876" y="838200"/>
+            <a:ext cx="3209533" cy="830997"/>
           </a:xfrm>
           <a:prstGeom prst="rect">
             <a:avLst/>
           </a:prstGeom>
-        </p:spPr>
-        <p:txBody>
-          <a:bodyPr wrap="square" lIns="0" tIns="0" rIns="0" bIns="0" rtlCol="0">
-            <a:noAutofit/>
-          </a:bodyPr>
-          <a:lstStyle/>
-          <a:p>
-            <a:pPr marL="12700">
-              <a:lnSpc>
-                <a:spcPts val="1689"/>
-              </a:lnSpc>
-              <a:spcBef>
-                <a:spcPts val="94"/>
-              </a:spcBef>
-            </a:pPr>
-            <a:r>
-              <a:rPr sz="2250" baseline="-1932" dirty="0">
+          <a:noFill/>
+        </p:spPr>
+        <p:txBody>
+          <a:bodyPr wrap="none" rtlCol="0">
+            <a:spAutoFit/>
+          </a:bodyPr>
+          <a:lstStyle/>
+          <a:p>
+            <a:r>
+              <a:rPr lang="es-PE" sz="2400" b="1" spc="0" dirty="0">
                 <a:solidFill>
                   <a:srgbClr val="1A5275"/>
                 </a:solidFill>
                 <a:latin typeface="Times New Roman"/>
                 <a:cs typeface="Times New Roman"/>
               </a:rPr>
-              <a:t></a:t>
-            </a:r>
-            <a:endParaRPr sz="1500">
+              <a:t>Diagrama de secuencia</a:t>
+            </a:r>
+            <a:endParaRPr lang="es-PE" sz="2400" dirty="0">
               <a:latin typeface="Times New Roman"/>
               <a:cs typeface="Times New Roman"/>
             </a:endParaRPr>
           </a:p>
-        </p:txBody>
-      </p:sp>
-      <p:sp>
-        <p:nvSpPr>
-          <p:cNvPr id="51" name="object 8">
+          <a:p>
+            <a:endParaRPr lang="es-PE" sz="2400" dirty="0"/>
+          </a:p>
+        </p:txBody>
+      </p:sp>
+      <p:pic>
+        <p:nvPicPr>
+          <p:cNvPr id="5" name="Gráfico 4">
             <a:extLst>
               <a:ext uri="{FF2B5EF4-FFF2-40B4-BE49-F238E27FC236}">
-                <a16:creationId xmlns:a16="http://schemas.microsoft.com/office/drawing/2014/main" id="{BDA1C49C-C5B2-1365-32A6-5C0E7C848314}"/>
+                <a16:creationId xmlns:a16="http://schemas.microsoft.com/office/drawing/2014/main" id="{3F891498-C96D-601B-AE0A-E1807263940B}"/>
+              </a:ext>
+            </a:extLst>
+          </p:cNvPr>
+          <p:cNvPicPr>
+            <a:picLocks noChangeAspect="1"/>
+          </p:cNvPicPr>
+          <p:nvPr/>
+        </p:nvPicPr>
+        <p:blipFill>
+          <a:blip r:embed="rId2">
+            <a:extLst>
+              <a:ext uri="{96DAC541-7B7A-43D3-8B79-37D633B846F1}">
+                <asvg:svgBlip xmlns:asvg="http://schemas.microsoft.com/office/drawing/2016/SVG/main" r:embed="rId3"/>
+              </a:ext>
+            </a:extLst>
+          </a:blip>
+          <a:stretch>
+            <a:fillRect/>
+          </a:stretch>
+        </p:blipFill>
+        <p:spPr>
+          <a:xfrm>
+            <a:off x="4572000" y="361603"/>
+            <a:ext cx="6540062" cy="6896793"/>
+          </a:xfrm>
+          <a:prstGeom prst="rect">
+            <a:avLst/>
+          </a:prstGeom>
+        </p:spPr>
+      </p:pic>
+    </p:spTree>
+    <p:extLst>
+      <p:ext uri="{BB962C8B-B14F-4D97-AF65-F5344CB8AC3E}">
+        <p14:creationId xmlns:p14="http://schemas.microsoft.com/office/powerpoint/2010/main" val="138309209"/>
+      </p:ext>
+    </p:extLst>
+  </p:cSld>
+  <p:clrMapOvr>
+    <a:masterClrMapping/>
+  </p:clrMapOvr>
+</p:sld>
+</file>
+
+<file path=ppt/slides/slide18.xml><?xml version="1.0" encoding="utf-8"?>
+<p:sld xmlns:a="http://schemas.openxmlformats.org/drawingml/2006/main" xmlns:r="http://schemas.openxmlformats.org/officeDocument/2006/relationships" xmlns:p="http://schemas.openxmlformats.org/presentationml/2006/main">
+  <p:cSld>
+    <p:spTree>
+      <p:nvGrpSpPr>
+        <p:cNvPr id="1" name=""/>
+        <p:cNvGrpSpPr/>
+        <p:nvPr/>
+      </p:nvGrpSpPr>
+      <p:grpSpPr>
+        <a:xfrm>
+          <a:off x="0" y="0"/>
+          <a:ext cx="0" cy="0"/>
+          <a:chOff x="0" y="0"/>
+          <a:chExt cx="0" cy="0"/>
+        </a:xfrm>
+      </p:grpSpPr>
+      <p:sp>
+        <p:nvSpPr>
+          <p:cNvPr id="34" name="CuadroTexto 33">
+            <a:extLst>
+              <a:ext uri="{FF2B5EF4-FFF2-40B4-BE49-F238E27FC236}">
+                <a16:creationId xmlns:a16="http://schemas.microsoft.com/office/drawing/2014/main" id="{545B257C-951B-8197-8030-D341D25FE7E3}"/>
               </a:ext>
             </a:extLst>
           </p:cNvPr>
@@ -4762,50 +4895,40 @@
         </p:nvSpPr>
         <p:spPr>
           <a:xfrm>
-            <a:off x="478783" y="3184564"/>
-            <a:ext cx="244474" cy="215899"/>
+            <a:off x="254876" y="1667249"/>
+            <a:ext cx="2412840" cy="461665"/>
           </a:xfrm>
           <a:prstGeom prst="rect">
             <a:avLst/>
           </a:prstGeom>
-        </p:spPr>
-        <p:txBody>
-          <a:bodyPr wrap="square" lIns="0" tIns="0" rIns="0" bIns="0" rtlCol="0">
-            <a:noAutofit/>
-          </a:bodyPr>
-          <a:lstStyle/>
-          <a:p>
-            <a:pPr marL="12700">
-              <a:lnSpc>
-                <a:spcPts val="1689"/>
-              </a:lnSpc>
-              <a:spcBef>
-                <a:spcPts val="94"/>
-              </a:spcBef>
+          <a:noFill/>
+        </p:spPr>
+        <p:txBody>
+          <a:bodyPr wrap="none" rtlCol="0">
+            <a:spAutoFit/>
+          </a:bodyPr>
+          <a:lstStyle/>
+          <a:p>
+            <a:pPr marL="285750" indent="-285750">
+              <a:buFont typeface="Arial" panose="020B0604020202020204" pitchFamily="34" charset="0"/>
+              <a:buChar char="•"/>
             </a:pPr>
             <a:r>
-              <a:rPr sz="2250" baseline="-1932" dirty="0">
-                <a:solidFill>
-                  <a:srgbClr val="1A5275"/>
-                </a:solidFill>
-                <a:latin typeface="Times New Roman"/>
-                <a:cs typeface="Times New Roman"/>
-              </a:rPr>
-              <a:t></a:t>
-            </a:r>
-            <a:endParaRPr sz="1500" dirty="0">
-              <a:latin typeface="Times New Roman"/>
-              <a:cs typeface="Times New Roman"/>
-            </a:endParaRPr>
-          </a:p>
-        </p:txBody>
-      </p:sp>
-      <p:sp>
-        <p:nvSpPr>
-          <p:cNvPr id="52" name="object 6">
+              <a:rPr lang="es-PE" sz="2400" dirty="0">
+                <a:latin typeface="Times New Roman" panose="02020603050405020304" pitchFamily="18" charset="0"/>
+                <a:cs typeface="Times New Roman" panose="02020603050405020304" pitchFamily="18" charset="0"/>
+              </a:rPr>
+              <a:t>Anular reservas</a:t>
+            </a:r>
+          </a:p>
+        </p:txBody>
+      </p:sp>
+      <p:sp>
+        <p:nvSpPr>
+          <p:cNvPr id="4" name="CuadroTexto 3">
             <a:extLst>
               <a:ext uri="{FF2B5EF4-FFF2-40B4-BE49-F238E27FC236}">
-                <a16:creationId xmlns:a16="http://schemas.microsoft.com/office/drawing/2014/main" id="{9C943086-11EA-5890-A8AB-F636F2F58C06}"/>
+                <a16:creationId xmlns:a16="http://schemas.microsoft.com/office/drawing/2014/main" id="{5EAE8D3D-F571-1DA2-914A-B28B188CF2AF}"/>
               </a:ext>
             </a:extLst>
           </p:cNvPr>
@@ -4814,277 +4937,82 @@
         </p:nvSpPr>
         <p:spPr>
           <a:xfrm>
-            <a:off x="6372876" y="3488338"/>
-            <a:ext cx="244474" cy="215899"/>
+            <a:off x="254876" y="838200"/>
+            <a:ext cx="3209533" cy="830997"/>
           </a:xfrm>
           <a:prstGeom prst="rect">
             <a:avLst/>
           </a:prstGeom>
-        </p:spPr>
-        <p:txBody>
-          <a:bodyPr wrap="square" lIns="0" tIns="0" rIns="0" bIns="0" rtlCol="0">
-            <a:noAutofit/>
-          </a:bodyPr>
-          <a:lstStyle/>
-          <a:p>
-            <a:pPr marL="12700">
-              <a:lnSpc>
-                <a:spcPts val="1689"/>
-              </a:lnSpc>
-              <a:spcBef>
-                <a:spcPts val="94"/>
-              </a:spcBef>
-            </a:pPr>
-            <a:r>
-              <a:rPr sz="2250" baseline="-1932" dirty="0">
+          <a:noFill/>
+        </p:spPr>
+        <p:txBody>
+          <a:bodyPr wrap="none" rtlCol="0">
+            <a:spAutoFit/>
+          </a:bodyPr>
+          <a:lstStyle/>
+          <a:p>
+            <a:r>
+              <a:rPr lang="es-PE" sz="2400" b="1" spc="0" dirty="0">
                 <a:solidFill>
                   <a:srgbClr val="1A5275"/>
                 </a:solidFill>
                 <a:latin typeface="Times New Roman"/>
                 <a:cs typeface="Times New Roman"/>
               </a:rPr>
-              <a:t></a:t>
-            </a:r>
-            <a:endParaRPr sz="1500">
+              <a:t>Diagrama de secuencia</a:t>
+            </a:r>
+            <a:endParaRPr lang="es-PE" sz="2400" dirty="0">
               <a:latin typeface="Times New Roman"/>
               <a:cs typeface="Times New Roman"/>
             </a:endParaRPr>
           </a:p>
-        </p:txBody>
-      </p:sp>
-      <p:sp>
-        <p:nvSpPr>
-          <p:cNvPr id="54" name="CuadroTexto 53">
+          <a:p>
+            <a:endParaRPr lang="es-PE" sz="2400" dirty="0"/>
+          </a:p>
+        </p:txBody>
+      </p:sp>
+      <p:pic>
+        <p:nvPicPr>
+          <p:cNvPr id="9" name="Gráfico 8">
             <a:extLst>
               <a:ext uri="{FF2B5EF4-FFF2-40B4-BE49-F238E27FC236}">
-                <a16:creationId xmlns:a16="http://schemas.microsoft.com/office/drawing/2014/main" id="{6A8CA673-CECE-B260-286A-60B4AADEFB70}"/>
+                <a16:creationId xmlns:a16="http://schemas.microsoft.com/office/drawing/2014/main" id="{0788D5DD-264B-68C4-740A-696F223F4E9D}"/>
               </a:ext>
             </a:extLst>
           </p:cNvPr>
-          <p:cNvSpPr txBox="1"/>
-          <p:nvPr/>
-        </p:nvSpPr>
-        <p:spPr>
-          <a:xfrm>
-            <a:off x="767707" y="1602840"/>
-            <a:ext cx="5066653" cy="1231106"/>
-          </a:xfrm>
-          <a:prstGeom prst="rect">
-            <a:avLst/>
-          </a:prstGeom>
-          <a:noFill/>
-        </p:spPr>
-        <p:txBody>
-          <a:bodyPr wrap="square" rtlCol="0">
-            <a:spAutoFit/>
-          </a:bodyPr>
-          <a:lstStyle/>
-          <a:p>
-            <a:r>
-              <a:rPr lang="es-ES" sz="2000" b="1" dirty="0">
-                <a:solidFill>
-                  <a:srgbClr val="333333"/>
-                </a:solidFill>
-                <a:effectLst/>
-                <a:latin typeface="Times New Roman" panose="02020603050405020304" pitchFamily="18" charset="0"/>
-                <a:cs typeface="Times New Roman" panose="02020603050405020304" pitchFamily="18" charset="0"/>
-              </a:rPr>
-              <a:t>Capacitación continua</a:t>
-            </a:r>
-          </a:p>
-          <a:p>
-            <a:r>
-              <a:rPr lang="es-ES" sz="1800" dirty="0">
-                <a:solidFill>
-                  <a:srgbClr val="333333"/>
-                </a:solidFill>
-                <a:effectLst/>
-                <a:latin typeface="LiberationSans"/>
-              </a:rPr>
-              <a:t>Realizar sesiones periódicas para que los usuarios dominen el sistema y se adapten a nuevas funciones.</a:t>
-            </a:r>
-            <a:endParaRPr lang="es-PE" sz="2400" dirty="0">
-              <a:latin typeface="Times New Roman" panose="02020603050405020304" pitchFamily="18" charset="0"/>
-              <a:cs typeface="Times New Roman" panose="02020603050405020304" pitchFamily="18" charset="0"/>
-            </a:endParaRPr>
-          </a:p>
-        </p:txBody>
-      </p:sp>
-      <p:sp>
-        <p:nvSpPr>
-          <p:cNvPr id="55" name="CuadroTexto 54">
+          <p:cNvPicPr>
+            <a:picLocks noChangeAspect="1"/>
+          </p:cNvPicPr>
+          <p:nvPr/>
+        </p:nvPicPr>
+        <p:blipFill>
+          <a:blip r:embed="rId2">
             <a:extLst>
-              <a:ext uri="{FF2B5EF4-FFF2-40B4-BE49-F238E27FC236}">
-                <a16:creationId xmlns:a16="http://schemas.microsoft.com/office/drawing/2014/main" id="{78061E61-02B7-10DE-CE46-D71F6DDB0185}"/>
+              <a:ext uri="{96DAC541-7B7A-43D3-8B79-37D633B846F1}">
+                <asvg:svgBlip xmlns:asvg="http://schemas.microsoft.com/office/drawing/2016/SVG/main" r:embed="rId3"/>
               </a:ext>
             </a:extLst>
-          </p:cNvPr>
-          <p:cNvSpPr txBox="1"/>
-          <p:nvPr/>
-        </p:nvSpPr>
-        <p:spPr>
-          <a:xfrm>
-            <a:off x="710557" y="3011527"/>
-            <a:ext cx="5066653" cy="1231106"/>
+          </a:blip>
+          <a:stretch>
+            <a:fillRect/>
+          </a:stretch>
+        </p:blipFill>
+        <p:spPr>
+          <a:xfrm>
+            <a:off x="3886200" y="705178"/>
+            <a:ext cx="7334250" cy="6105525"/>
           </a:xfrm>
           <a:prstGeom prst="rect">
             <a:avLst/>
           </a:prstGeom>
-          <a:noFill/>
-        </p:spPr>
-        <p:txBody>
-          <a:bodyPr wrap="square" rtlCol="0">
-            <a:spAutoFit/>
-          </a:bodyPr>
-          <a:lstStyle/>
-          <a:p>
-            <a:r>
-              <a:rPr lang="es-ES" sz="2000" b="1" dirty="0">
-                <a:solidFill>
-                  <a:srgbClr val="333333"/>
-                </a:solidFill>
-                <a:effectLst/>
-                <a:latin typeface="Times New Roman" panose="02020603050405020304" pitchFamily="18" charset="0"/>
-                <a:cs typeface="Times New Roman" panose="02020603050405020304" pitchFamily="18" charset="0"/>
-              </a:rPr>
-              <a:t>Mantenimiento y actualizaciones</a:t>
-            </a:r>
-          </a:p>
-          <a:p>
-            <a:r>
-              <a:rPr lang="es-ES" sz="1800" dirty="0">
-                <a:solidFill>
-                  <a:srgbClr val="333333"/>
-                </a:solidFill>
-                <a:effectLst/>
-                <a:latin typeface="LiberationSans"/>
-              </a:rPr>
-              <a:t>Planificar mantenimientos preventivos y actualizaciones regulares para mejorar el sistema, incorporar pagos en línea o facturación electrónica.</a:t>
-            </a:r>
-            <a:endParaRPr lang="es-PE" sz="2400" dirty="0">
-              <a:latin typeface="Times New Roman" panose="02020603050405020304" pitchFamily="18" charset="0"/>
-              <a:cs typeface="Times New Roman" panose="02020603050405020304" pitchFamily="18" charset="0"/>
-            </a:endParaRPr>
-          </a:p>
-        </p:txBody>
-      </p:sp>
-      <p:sp>
-        <p:nvSpPr>
-          <p:cNvPr id="57" name="CuadroTexto 56">
-            <a:extLst>
-              <a:ext uri="{FF2B5EF4-FFF2-40B4-BE49-F238E27FC236}">
-                <a16:creationId xmlns:a16="http://schemas.microsoft.com/office/drawing/2014/main" id="{770CAC84-B140-D06F-7AE5-238082061BCE}"/>
-              </a:ext>
-            </a:extLst>
-          </p:cNvPr>
-          <p:cNvSpPr txBox="1"/>
-          <p:nvPr/>
-        </p:nvSpPr>
-        <p:spPr>
-          <a:xfrm>
-            <a:off x="6705600" y="1578462"/>
-            <a:ext cx="5066653" cy="1508105"/>
-          </a:xfrm>
-          <a:prstGeom prst="rect">
-            <a:avLst/>
-          </a:prstGeom>
-          <a:noFill/>
-        </p:spPr>
-        <p:txBody>
-          <a:bodyPr wrap="square" rtlCol="0">
-            <a:spAutoFit/>
-          </a:bodyPr>
-          <a:lstStyle/>
-          <a:p>
-            <a:r>
-              <a:rPr lang="es-ES" sz="2000" b="1" dirty="0">
-                <a:solidFill>
-                  <a:srgbClr val="333333"/>
-                </a:solidFill>
-                <a:effectLst/>
-                <a:latin typeface="Times New Roman" panose="02020603050405020304" pitchFamily="18" charset="0"/>
-                <a:cs typeface="Times New Roman" panose="02020603050405020304" pitchFamily="18" charset="0"/>
-              </a:rPr>
-              <a:t>Personalización para clientes frecuentes</a:t>
-            </a:r>
-          </a:p>
-          <a:p>
-            <a:r>
-              <a:rPr lang="es-ES" sz="1800" dirty="0">
-                <a:solidFill>
-                  <a:srgbClr val="333333"/>
-                </a:solidFill>
-                <a:effectLst/>
-                <a:latin typeface="LiberationSans"/>
-              </a:rPr>
-              <a:t>Considerar la creación de perfiles de usuario, historial de reservas, preferencias y posibles sistemas de fidelización para mejorar la experiencia y retención de clientes.</a:t>
-            </a:r>
-            <a:endParaRPr lang="es-PE" sz="2400" dirty="0">
-              <a:latin typeface="Times New Roman" panose="02020603050405020304" pitchFamily="18" charset="0"/>
-              <a:cs typeface="Times New Roman" panose="02020603050405020304" pitchFamily="18" charset="0"/>
-            </a:endParaRPr>
-          </a:p>
-        </p:txBody>
-      </p:sp>
-      <p:sp>
-        <p:nvSpPr>
-          <p:cNvPr id="58" name="CuadroTexto 57">
-            <a:extLst>
-              <a:ext uri="{FF2B5EF4-FFF2-40B4-BE49-F238E27FC236}">
-                <a16:creationId xmlns:a16="http://schemas.microsoft.com/office/drawing/2014/main" id="{6FFEFCD4-422F-B1F4-CCD6-0C8CFD557C5E}"/>
-              </a:ext>
-            </a:extLst>
-          </p:cNvPr>
-          <p:cNvSpPr txBox="1"/>
-          <p:nvPr/>
-        </p:nvSpPr>
-        <p:spPr>
-          <a:xfrm>
-            <a:off x="6648452" y="3281102"/>
-            <a:ext cx="5066653" cy="1508105"/>
-          </a:xfrm>
-          <a:prstGeom prst="rect">
-            <a:avLst/>
-          </a:prstGeom>
-          <a:noFill/>
-        </p:spPr>
-        <p:txBody>
-          <a:bodyPr wrap="square" rtlCol="0">
-            <a:spAutoFit/>
-          </a:bodyPr>
-          <a:lstStyle/>
-          <a:p>
-            <a:r>
-              <a:rPr lang="es-ES" sz="2000" b="1" dirty="0">
-                <a:solidFill>
-                  <a:srgbClr val="333333"/>
-                </a:solidFill>
-                <a:effectLst/>
-                <a:latin typeface="Times New Roman" panose="02020603050405020304" pitchFamily="18" charset="0"/>
-                <a:cs typeface="Times New Roman" panose="02020603050405020304" pitchFamily="18" charset="0"/>
-              </a:rPr>
-              <a:t>Notificaciones automáticas</a:t>
-            </a:r>
-          </a:p>
-          <a:p>
-            <a:r>
-              <a:rPr lang="es-ES" sz="1800" dirty="0">
-                <a:solidFill>
-                  <a:srgbClr val="333333"/>
-                </a:solidFill>
-                <a:effectLst/>
-                <a:latin typeface="LiberationSans"/>
-              </a:rPr>
-              <a:t>Implementar recordatorios y confirmaciones automáticas vía correo o WhatsApp para reservas y cambios, optimizando la comunicación y puntualidad.</a:t>
-            </a:r>
-            <a:endParaRPr lang="es-PE" sz="2400" dirty="0">
-              <a:latin typeface="Times New Roman" panose="02020603050405020304" pitchFamily="18" charset="0"/>
-              <a:cs typeface="Times New Roman" panose="02020603050405020304" pitchFamily="18" charset="0"/>
-            </a:endParaRPr>
-          </a:p>
-        </p:txBody>
-      </p:sp>
+        </p:spPr>
+      </p:pic>
     </p:spTree>
+    <p:extLst>
+      <p:ext uri="{BB962C8B-B14F-4D97-AF65-F5344CB8AC3E}">
+        <p14:creationId xmlns:p14="http://schemas.microsoft.com/office/powerpoint/2010/main" val="136037848"/>
+      </p:ext>
+    </p:extLst>
   </p:cSld>
   <p:clrMapOvr>
     <a:masterClrMapping/>
@@ -8703,8 +8631,8 @@
         </p:nvSpPr>
         <p:spPr>
           <a:xfrm>
-            <a:off x="1041840" y="6141924"/>
-            <a:ext cx="6835779" cy="707886"/>
+            <a:off x="992736" y="5957271"/>
+            <a:ext cx="6835779" cy="1015663"/>
           </a:xfrm>
           <a:prstGeom prst="rect">
             <a:avLst/>
@@ -8723,7 +8651,7 @@
                 <a:latin typeface="Times New Roman" panose="02020603050405020304" pitchFamily="18" charset="0"/>
                 <a:cs typeface="Times New Roman" panose="02020603050405020304" pitchFamily="18" charset="0"/>
               </a:rPr>
-              <a:t>Validar el sistema con pruebas simuladas antes de la implementación.</a:t>
+              <a:t>Publicar el sistema en un entorno de producción y realizar una prueba piloto de corta duración con los usuarios internos para evaluar su funcionamiento, usabilidad y confiabilidad inicial.</a:t>
             </a:r>
             <a:endParaRPr lang="es-PE" sz="2000" dirty="0">
               <a:latin typeface="Times New Roman" panose="02020603050405020304" pitchFamily="18" charset="0"/>
@@ -8887,7 +8815,7 @@
               <a:t>E</a:t>
             </a:r>
             <a:r>
-              <a:rPr lang="es-PE" sz="2400" b="1" dirty="0" err="1">
+              <a:rPr lang="es-PE" sz="2400" b="1" dirty="0">
                 <a:solidFill>
                   <a:srgbClr val="1A5275"/>
                 </a:solidFill>
@@ -13928,7 +13856,7 @@
                 <a:latin typeface="Times New Roman"/>
                 <a:cs typeface="Times New Roman"/>
               </a:rPr>
-              <a:t>Framework: ASP.NET Core</a:t>
+              <a:t>Framework: ASP.NET Core 8</a:t>
             </a:r>
           </a:p>
           <a:p>
@@ -14060,14 +13988,14 @@
               <a:buChar char="•"/>
             </a:pPr>
             <a:r>
-              <a:rPr lang="es-ES" sz="1500" b="1" spc="0" dirty="0">
-                <a:solidFill>
-                  <a:srgbClr val="333333"/>
-                </a:solidFill>
-                <a:latin typeface="Times New Roman"/>
-                <a:cs typeface="Times New Roman"/>
-              </a:rPr>
-              <a:t>Flatpickr</a:t>
+              <a:rPr lang="es-ES" sz="1500" b="1" spc="0" dirty="0" err="1">
+                <a:solidFill>
+                  <a:srgbClr val="333333"/>
+                </a:solidFill>
+                <a:latin typeface="Times New Roman"/>
+                <a:cs typeface="Times New Roman"/>
+              </a:rPr>
+              <a:t>MDTimePicker</a:t>
             </a:r>
             <a:r>
               <a:rPr lang="es-ES" sz="1500" spc="0" dirty="0">
@@ -14077,7 +14005,7 @@
                 <a:latin typeface="Times New Roman"/>
                 <a:cs typeface="Times New Roman"/>
               </a:rPr>
-              <a:t>: Selector de fechas y horas fácil de usar.</a:t>
+              <a:t>: Selector de  horas fácil de usar.</a:t>
             </a:r>
           </a:p>
           <a:p>
@@ -14693,64 +14621,6 @@
       </p:grpSpPr>
       <p:sp>
         <p:nvSpPr>
-          <p:cNvPr id="18" name="object 18"/>
-          <p:cNvSpPr/>
-          <p:nvPr/>
-        </p:nvSpPr>
-        <p:spPr>
-          <a:xfrm>
-            <a:off x="380999" y="1200149"/>
-            <a:ext cx="5486399" cy="1771649"/>
-          </a:xfrm>
-          <a:custGeom>
-            <a:avLst/>
-            <a:gdLst/>
-            <a:ahLst/>
-            <a:cxnLst/>
-            <a:rect l="l" t="t" r="r" b="b"/>
-            <a:pathLst>
-              <a:path w="5486399" h="1771649">
-                <a:moveTo>
-                  <a:pt x="38099" y="0"/>
-                </a:moveTo>
-                <a:lnTo>
-                  <a:pt x="2116" y="25230"/>
-                </a:lnTo>
-                <a:lnTo>
-                  <a:pt x="0" y="38099"/>
-                </a:lnTo>
-                <a:lnTo>
-                  <a:pt x="0" y="1733549"/>
-                </a:lnTo>
-                <a:lnTo>
-                  <a:pt x="25230" y="1769533"/>
-                </a:lnTo>
-                <a:lnTo>
-                  <a:pt x="38099" y="1771649"/>
-                </a:lnTo>
-                <a:lnTo>
-                  <a:pt x="38099" y="0"/>
-                </a:lnTo>
-                <a:close/>
-              </a:path>
-            </a:pathLst>
-          </a:custGeom>
-          <a:solidFill>
-            <a:srgbClr val="2ECC70"/>
-          </a:solidFill>
-        </p:spPr>
-        <p:txBody>
-          <a:bodyPr wrap="square" lIns="0" tIns="0" rIns="0" bIns="0" rtlCol="0">
-            <a:noAutofit/>
-          </a:bodyPr>
-          <a:lstStyle/>
-          <a:p>
-            <a:endParaRPr/>
-          </a:p>
-        </p:txBody>
-      </p:sp>
-      <p:sp>
-        <p:nvSpPr>
           <p:cNvPr id="11" name="object 11"/>
           <p:cNvSpPr txBox="1"/>
           <p:nvPr/>
@@ -14887,6 +14757,53 @@
           </a:p>
         </p:txBody>
       </p:sp>
+      <p:pic>
+        <p:nvPicPr>
+          <p:cNvPr id="2050" name="Picture 2">
+            <a:extLst>
+              <a:ext uri="{FF2B5EF4-FFF2-40B4-BE49-F238E27FC236}">
+                <a16:creationId xmlns:a16="http://schemas.microsoft.com/office/drawing/2014/main" id="{D430B23D-068A-5C1D-4C64-4253AFD975DF}"/>
+              </a:ext>
+            </a:extLst>
+          </p:cNvPr>
+          <p:cNvPicPr>
+            <a:picLocks noChangeAspect="1" noChangeArrowheads="1"/>
+          </p:cNvPicPr>
+          <p:nvPr/>
+        </p:nvPicPr>
+        <p:blipFill>
+          <a:blip r:embed="rId2" cstate="print">
+            <a:extLst>
+              <a:ext uri="{28A0092B-C50C-407E-A947-70E740481C1C}">
+                <a14:useLocalDpi xmlns:a14="http://schemas.microsoft.com/office/drawing/2010/main" val="0"/>
+              </a:ext>
+            </a:extLst>
+          </a:blip>
+          <a:srcRect/>
+          <a:stretch>
+            <a:fillRect/>
+          </a:stretch>
+        </p:blipFill>
+        <p:spPr bwMode="auto">
+          <a:xfrm>
+            <a:off x="1447800" y="1676400"/>
+            <a:ext cx="8958833" cy="4552055"/>
+          </a:xfrm>
+          <a:prstGeom prst="rect">
+            <a:avLst/>
+          </a:prstGeom>
+          <a:noFill/>
+          <a:extLst>
+            <a:ext uri="{909E8E84-426E-40DD-AFC4-6F175D3DCCD1}">
+              <a14:hiddenFill xmlns:a14="http://schemas.microsoft.com/office/drawing/2010/main">
+                <a:solidFill>
+                  <a:srgbClr val="FFFFFF"/>
+                </a:solidFill>
+              </a14:hiddenFill>
+            </a:ext>
+          </a:extLst>
+        </p:spPr>
+      </p:pic>
     </p:spTree>
   </p:cSld>
   <p:clrMapOvr>

--- a/Sis_Reservas_Alex.pptx
+++ b/Sis_Reservas_Alex.pptx
@@ -519,7 +519,7 @@
         </p:nvSpPr>
         <p:spPr>
           <a:xfrm>
-            <a:off x="1051172" y="1143000"/>
+            <a:off x="1219200" y="1195732"/>
             <a:ext cx="9753600" cy="1323439"/>
           </a:xfrm>
           <a:prstGeom prst="rect">
@@ -14039,42 +14039,6 @@
               </a:rPr>
               <a:t>: Muestra calendarios interactivos de reservas.</a:t>
             </a:r>
-          </a:p>
-          <a:p>
-            <a:pPr marL="298450" indent="-285750">
-              <a:lnSpc>
-                <a:spcPct val="125000"/>
-              </a:lnSpc>
-              <a:spcBef>
-                <a:spcPts val="732"/>
-              </a:spcBef>
-              <a:buFont typeface="Arial" panose="020B0604020202020204" pitchFamily="34" charset="0"/>
-              <a:buChar char="•"/>
-            </a:pPr>
-            <a:r>
-              <a:rPr lang="es-ES" sz="1500" b="1" spc="0" dirty="0">
-                <a:solidFill>
-                  <a:srgbClr val="333333"/>
-                </a:solidFill>
-                <a:latin typeface="Times New Roman"/>
-                <a:cs typeface="Times New Roman"/>
-              </a:rPr>
-              <a:t>Web Compiler</a:t>
-            </a:r>
-            <a:r>
-              <a:rPr lang="es-ES" sz="1500" spc="0" dirty="0">
-                <a:solidFill>
-                  <a:srgbClr val="333333"/>
-                </a:solidFill>
-                <a:latin typeface="Times New Roman"/>
-                <a:cs typeface="Times New Roman"/>
-              </a:rPr>
-              <a:t>: Mejora y organiza los estilos del sistema css, sass.</a:t>
-            </a:r>
-            <a:endParaRPr sz="1500" dirty="0">
-              <a:latin typeface="Times New Roman"/>
-              <a:cs typeface="Times New Roman"/>
-            </a:endParaRPr>
           </a:p>
         </p:txBody>
       </p:sp>
